--- a/poster/CNS_2022_Poster_Annie_G_Bryant.pptx
+++ b/poster/CNS_2022_Poster_Annie_G_Bryant.pptx
@@ -197,7 +197,7 @@
           <a:p>
             <a:fld id="{DDCDD90E-30D2-47EF-9516-2B7C5F601918}" type="datetimeFigureOut">
               <a:rPr lang="en-AU" smtClean="0"/>
-              <a:t>8/07/2022</a:t>
+              <a:t>9/07/2022</a:t>
             </a:fld>
             <a:endParaRPr lang="en-AU"/>
           </a:p>
@@ -680,7 +680,7 @@
           <a:p>
             <a:fld id="{2A15C726-7A85-4E76-A962-02FDD2A3E977}" type="datetimeFigureOut">
               <a:rPr lang="en-AU" smtClean="0"/>
-              <a:t>8/07/2022</a:t>
+              <a:t>9/07/2022</a:t>
             </a:fld>
             <a:endParaRPr lang="en-AU"/>
           </a:p>
@@ -850,7 +850,7 @@
           <a:p>
             <a:fld id="{2A15C726-7A85-4E76-A962-02FDD2A3E977}" type="datetimeFigureOut">
               <a:rPr lang="en-AU" smtClean="0"/>
-              <a:t>8/07/2022</a:t>
+              <a:t>9/07/2022</a:t>
             </a:fld>
             <a:endParaRPr lang="en-AU"/>
           </a:p>
@@ -1030,7 +1030,7 @@
           <a:p>
             <a:fld id="{2A15C726-7A85-4E76-A962-02FDD2A3E977}" type="datetimeFigureOut">
               <a:rPr lang="en-AU" smtClean="0"/>
-              <a:t>8/07/2022</a:t>
+              <a:t>9/07/2022</a:t>
             </a:fld>
             <a:endParaRPr lang="en-AU"/>
           </a:p>
@@ -1200,7 +1200,7 @@
           <a:p>
             <a:fld id="{2A15C726-7A85-4E76-A962-02FDD2A3E977}" type="datetimeFigureOut">
               <a:rPr lang="en-AU" smtClean="0"/>
-              <a:t>8/07/2022</a:t>
+              <a:t>9/07/2022</a:t>
             </a:fld>
             <a:endParaRPr lang="en-AU"/>
           </a:p>
@@ -1444,7 +1444,7 @@
           <a:p>
             <a:fld id="{2A15C726-7A85-4E76-A962-02FDD2A3E977}" type="datetimeFigureOut">
               <a:rPr lang="en-AU" smtClean="0"/>
-              <a:t>8/07/2022</a:t>
+              <a:t>9/07/2022</a:t>
             </a:fld>
             <a:endParaRPr lang="en-AU"/>
           </a:p>
@@ -1676,7 +1676,7 @@
           <a:p>
             <a:fld id="{2A15C726-7A85-4E76-A962-02FDD2A3E977}" type="datetimeFigureOut">
               <a:rPr lang="en-AU" smtClean="0"/>
-              <a:t>8/07/2022</a:t>
+              <a:t>9/07/2022</a:t>
             </a:fld>
             <a:endParaRPr lang="en-AU"/>
           </a:p>
@@ -2043,7 +2043,7 @@
           <a:p>
             <a:fld id="{2A15C726-7A85-4E76-A962-02FDD2A3E977}" type="datetimeFigureOut">
               <a:rPr lang="en-AU" smtClean="0"/>
-              <a:t>8/07/2022</a:t>
+              <a:t>9/07/2022</a:t>
             </a:fld>
             <a:endParaRPr lang="en-AU"/>
           </a:p>
@@ -2161,7 +2161,7 @@
           <a:p>
             <a:fld id="{2A15C726-7A85-4E76-A962-02FDD2A3E977}" type="datetimeFigureOut">
               <a:rPr lang="en-AU" smtClean="0"/>
-              <a:t>8/07/2022</a:t>
+              <a:t>9/07/2022</a:t>
             </a:fld>
             <a:endParaRPr lang="en-AU"/>
           </a:p>
@@ -2256,7 +2256,7 @@
           <a:p>
             <a:fld id="{2A15C726-7A85-4E76-A962-02FDD2A3E977}" type="datetimeFigureOut">
               <a:rPr lang="en-AU" smtClean="0"/>
-              <a:t>8/07/2022</a:t>
+              <a:t>9/07/2022</a:t>
             </a:fld>
             <a:endParaRPr lang="en-AU"/>
           </a:p>
@@ -2533,7 +2533,7 @@
           <a:p>
             <a:fld id="{2A15C726-7A85-4E76-A962-02FDD2A3E977}" type="datetimeFigureOut">
               <a:rPr lang="en-AU" smtClean="0"/>
-              <a:t>8/07/2022</a:t>
+              <a:t>9/07/2022</a:t>
             </a:fld>
             <a:endParaRPr lang="en-AU"/>
           </a:p>
@@ -2790,7 +2790,7 @@
           <a:p>
             <a:fld id="{2A15C726-7A85-4E76-A962-02FDD2A3E977}" type="datetimeFigureOut">
               <a:rPr lang="en-AU" smtClean="0"/>
-              <a:t>8/07/2022</a:t>
+              <a:t>9/07/2022</a:t>
             </a:fld>
             <a:endParaRPr lang="en-AU"/>
           </a:p>
@@ -3003,7 +3003,7 @@
           <a:p>
             <a:fld id="{2A15C726-7A85-4E76-A962-02FDD2A3E977}" type="datetimeFigureOut">
               <a:rPr lang="en-AU" smtClean="0"/>
-              <a:t>8/07/2022</a:t>
+              <a:t>9/07/2022</a:t>
             </a:fld>
             <a:endParaRPr lang="en-AU"/>
           </a:p>
@@ -5109,7 +5109,7 @@
               </a:ext>
             </a:extLst>
           </a:blip>
-          <a:srcRect t="1857" b="1857"/>
+          <a:srcRect t="1858" b="1858"/>
           <a:stretch/>
         </p:blipFill>
         <p:spPr>
@@ -7807,7 +7807,7 @@
           <p:nvPr>
             <p:extLst>
               <p:ext uri="{D42A27DB-BD31-4B8C-83A1-F6EECF244321}">
-                <p14:modId xmlns:p14="http://schemas.microsoft.com/office/powerpoint/2010/main" val="2406317011"/>
+                <p14:modId xmlns:p14="http://schemas.microsoft.com/office/powerpoint/2010/main" val="1411349597"/>
               </p:ext>
             </p:extLst>
           </p:nvPr>
@@ -7945,7 +7945,7 @@
                       <a:tailEnd type="none" w="med" len="med"/>
                     </a:lnB>
                     <a:solidFill>
-                      <a:srgbClr val="DBDBDB"/>
+                      <a:srgbClr val="E2E2E2"/>
                     </a:solidFill>
                   </a:tcPr>
                 </a:tc>
@@ -7999,7 +7999,7 @@
                       <a:tailEnd type="none" w="med" len="med"/>
                     </a:lnB>
                     <a:solidFill>
-                      <a:srgbClr val="DBDBDB"/>
+                      <a:srgbClr val="E2E2E2"/>
                     </a:solidFill>
                   </a:tcPr>
                 </a:tc>
@@ -8053,7 +8053,7 @@
                       <a:tailEnd type="none" w="med" len="med"/>
                     </a:lnB>
                     <a:solidFill>
-                      <a:srgbClr val="DBDBDB"/>
+                      <a:srgbClr val="E2E2E2"/>
                     </a:solidFill>
                   </a:tcPr>
                 </a:tc>
@@ -8107,10 +8107,7 @@
                       <a:tailEnd type="none" w="med" len="med"/>
                     </a:lnB>
                     <a:solidFill>
-                      <a:schemeClr val="accent6">
-                        <a:lumMod val="40000"/>
-                        <a:lumOff val="60000"/>
-                      </a:schemeClr>
+                      <a:srgbClr val="E2E2E2"/>
                     </a:solidFill>
                   </a:tcPr>
                 </a:tc>
@@ -8164,10 +8161,7 @@
                       <a:tailEnd type="none" w="med" len="med"/>
                     </a:lnB>
                     <a:solidFill>
-                      <a:schemeClr val="accent6">
-                        <a:lumMod val="40000"/>
-                        <a:lumOff val="60000"/>
-                      </a:schemeClr>
+                      <a:srgbClr val="E2E2E2"/>
                     </a:solidFill>
                   </a:tcPr>
                 </a:tc>
@@ -8221,7 +8215,7 @@
                       <a:tailEnd type="none" w="med" len="med"/>
                     </a:lnB>
                     <a:solidFill>
-                      <a:srgbClr val="DBDBDB"/>
+                      <a:srgbClr val="E2E2E2"/>
                     </a:solidFill>
                   </a:tcPr>
                 </a:tc>
@@ -8275,7 +8269,7 @@
                       <a:tailEnd type="none" w="med" len="med"/>
                     </a:lnB>
                     <a:solidFill>
-                      <a:srgbClr val="DBDBDB"/>
+                      <a:srgbClr val="E2E2E2"/>
                     </a:solidFill>
                   </a:tcPr>
                 </a:tc>
@@ -8329,7 +8323,7 @@
                       <a:tailEnd type="none" w="med" len="med"/>
                     </a:lnB>
                     <a:solidFill>
-                      <a:srgbClr val="DBDBDB"/>
+                      <a:srgbClr val="E2E2E2"/>
                     </a:solidFill>
                   </a:tcPr>
                 </a:tc>
@@ -8383,10 +8377,7 @@
                       <a:tailEnd type="none" w="med" len="med"/>
                     </a:lnB>
                     <a:solidFill>
-                      <a:schemeClr val="accent6">
-                        <a:lumMod val="40000"/>
-                        <a:lumOff val="60000"/>
-                      </a:schemeClr>
+                      <a:srgbClr val="E2E2E2"/>
                     </a:solidFill>
                   </a:tcPr>
                 </a:tc>
@@ -8440,10 +8431,7 @@
                       <a:tailEnd type="none" w="med" len="med"/>
                     </a:lnB>
                     <a:solidFill>
-                      <a:schemeClr val="accent6">
-                        <a:lumMod val="40000"/>
-                        <a:lumOff val="60000"/>
-                      </a:schemeClr>
+                      <a:srgbClr val="E2E2E2"/>
                     </a:solidFill>
                   </a:tcPr>
                 </a:tc>
@@ -8504,7 +8492,7 @@
                       <a:tailEnd type="none" w="med" len="med"/>
                     </a:lnB>
                     <a:solidFill>
-                      <a:srgbClr val="DBDBDB"/>
+                      <a:srgbClr val="E2E2E2"/>
                     </a:solidFill>
                   </a:tcPr>
                 </a:tc>
@@ -8558,7 +8546,7 @@
                       <a:tailEnd type="none" w="med" len="med"/>
                     </a:lnB>
                     <a:solidFill>
-                      <a:srgbClr val="DBDBDB"/>
+                      <a:srgbClr val="E2E2E2"/>
                     </a:solidFill>
                   </a:tcPr>
                 </a:tc>
@@ -8612,7 +8600,7 @@
                       <a:tailEnd type="none" w="med" len="med"/>
                     </a:lnB>
                     <a:solidFill>
-                      <a:srgbClr val="DBDBDB"/>
+                      <a:srgbClr val="E2E2E2"/>
                     </a:solidFill>
                   </a:tcPr>
                 </a:tc>
@@ -8666,10 +8654,7 @@
                       <a:tailEnd type="none" w="med" len="med"/>
                     </a:lnB>
                     <a:solidFill>
-                      <a:schemeClr val="accent6">
-                        <a:lumMod val="40000"/>
-                        <a:lumOff val="60000"/>
-                      </a:schemeClr>
+                      <a:srgbClr val="E2E2E2"/>
                     </a:solidFill>
                   </a:tcPr>
                 </a:tc>
@@ -8723,10 +8708,7 @@
                       <a:tailEnd type="none" w="med" len="med"/>
                     </a:lnB>
                     <a:solidFill>
-                      <a:schemeClr val="accent6">
-                        <a:lumMod val="40000"/>
-                        <a:lumOff val="60000"/>
-                      </a:schemeClr>
+                      <a:srgbClr val="E2E2E2"/>
                     </a:solidFill>
                   </a:tcPr>
                 </a:tc>
@@ -8780,7 +8762,7 @@
                       <a:tailEnd type="none" w="med" len="med"/>
                     </a:lnB>
                     <a:solidFill>
-                      <a:srgbClr val="DBDBDB"/>
+                      <a:srgbClr val="E2E2E2"/>
                     </a:solidFill>
                   </a:tcPr>
                 </a:tc>
@@ -8834,7 +8816,7 @@
                       <a:tailEnd type="none" w="med" len="med"/>
                     </a:lnB>
                     <a:solidFill>
-                      <a:srgbClr val="DBDBDB"/>
+                      <a:srgbClr val="E2E2E2"/>
                     </a:solidFill>
                   </a:tcPr>
                 </a:tc>
@@ -8888,7 +8870,7 @@
                       <a:tailEnd type="none" w="med" len="med"/>
                     </a:lnB>
                     <a:solidFill>
-                      <a:srgbClr val="DBDBDB"/>
+                      <a:srgbClr val="E2E2E2"/>
                     </a:solidFill>
                   </a:tcPr>
                 </a:tc>
@@ -8942,10 +8924,7 @@
                       <a:tailEnd type="none" w="med" len="med"/>
                     </a:lnB>
                     <a:solidFill>
-                      <a:schemeClr val="accent6">
-                        <a:lumMod val="40000"/>
-                        <a:lumOff val="60000"/>
-                      </a:schemeClr>
+                      <a:srgbClr val="E2E2E2"/>
                     </a:solidFill>
                   </a:tcPr>
                 </a:tc>
@@ -8999,10 +8978,7 @@
                       <a:tailEnd type="none" w="med" len="med"/>
                     </a:lnB>
                     <a:solidFill>
-                      <a:schemeClr val="accent6">
-                        <a:lumMod val="40000"/>
-                        <a:lumOff val="60000"/>
-                      </a:schemeClr>
+                      <a:srgbClr val="E2E2E2"/>
                     </a:solidFill>
                   </a:tcPr>
                 </a:tc>
@@ -9063,7 +9039,7 @@
                       <a:tailEnd type="none" w="med" len="med"/>
                     </a:lnB>
                     <a:solidFill>
-                      <a:srgbClr val="DBDBDB"/>
+                      <a:srgbClr val="E2E2E2"/>
                     </a:solidFill>
                   </a:tcPr>
                 </a:tc>
@@ -9117,7 +9093,7 @@
                       <a:tailEnd type="none" w="med" len="med"/>
                     </a:lnB>
                     <a:solidFill>
-                      <a:srgbClr val="DBDBDB"/>
+                      <a:srgbClr val="E2E2E2"/>
                     </a:solidFill>
                   </a:tcPr>
                 </a:tc>
@@ -9171,7 +9147,7 @@
                       <a:tailEnd type="none" w="med" len="med"/>
                     </a:lnB>
                     <a:solidFill>
-                      <a:srgbClr val="DBDBDB"/>
+                      <a:srgbClr val="E2E2E2"/>
                     </a:solidFill>
                   </a:tcPr>
                 </a:tc>
@@ -9225,10 +9201,7 @@
                       <a:tailEnd type="none" w="med" len="med"/>
                     </a:lnB>
                     <a:solidFill>
-                      <a:schemeClr val="accent6">
-                        <a:lumMod val="40000"/>
-                        <a:lumOff val="60000"/>
-                      </a:schemeClr>
+                      <a:srgbClr val="E2E2E2"/>
                     </a:solidFill>
                   </a:tcPr>
                 </a:tc>
@@ -9282,10 +9255,7 @@
                       <a:tailEnd type="none" w="med" len="med"/>
                     </a:lnB>
                     <a:solidFill>
-                      <a:schemeClr val="accent6">
-                        <a:lumMod val="40000"/>
-                        <a:lumOff val="60000"/>
-                      </a:schemeClr>
+                      <a:srgbClr val="E2E2E2"/>
                     </a:solidFill>
                   </a:tcPr>
                 </a:tc>
@@ -9339,7 +9309,7 @@
                       <a:tailEnd type="none" w="med" len="med"/>
                     </a:lnB>
                     <a:solidFill>
-                      <a:srgbClr val="DBDBDB"/>
+                      <a:srgbClr val="E2E2E2"/>
                     </a:solidFill>
                   </a:tcPr>
                 </a:tc>
@@ -9393,7 +9363,7 @@
                       <a:tailEnd type="none" w="med" len="med"/>
                     </a:lnB>
                     <a:solidFill>
-                      <a:srgbClr val="DBDBDB"/>
+                      <a:srgbClr val="E2E2E2"/>
                     </a:solidFill>
                   </a:tcPr>
                 </a:tc>
@@ -9447,7 +9417,7 @@
                       <a:tailEnd type="none" w="med" len="med"/>
                     </a:lnB>
                     <a:solidFill>
-                      <a:srgbClr val="DBDBDB"/>
+                      <a:srgbClr val="E2E2E2"/>
                     </a:solidFill>
                   </a:tcPr>
                 </a:tc>
@@ -9501,10 +9471,7 @@
                       <a:tailEnd type="none" w="med" len="med"/>
                     </a:lnB>
                     <a:solidFill>
-                      <a:schemeClr val="accent6">
-                        <a:lumMod val="40000"/>
-                        <a:lumOff val="60000"/>
-                      </a:schemeClr>
+                      <a:srgbClr val="E2E2E2"/>
                     </a:solidFill>
                   </a:tcPr>
                 </a:tc>
@@ -9558,10 +9525,7 @@
                       <a:tailEnd type="none" w="med" len="med"/>
                     </a:lnB>
                     <a:solidFill>
-                      <a:schemeClr val="accent6">
-                        <a:lumMod val="40000"/>
-                        <a:lumOff val="60000"/>
-                      </a:schemeClr>
+                      <a:srgbClr val="E2E2E2"/>
                     </a:solidFill>
                   </a:tcPr>
                 </a:tc>
@@ -9577,7 +9541,7 @@
                     <a:bodyPr/>
                     <a:lstStyle/>
                     <a:p>
-                      <a:endParaRPr lang="en-AU" sz="1800">
+                      <a:endParaRPr lang="en-AU" sz="1800" dirty="0">
                         <a:solidFill>
                           <a:srgbClr val="F0224B"/>
                         </a:solidFill>
@@ -9622,7 +9586,7 @@
                       <a:tailEnd type="none" w="med" len="med"/>
                     </a:lnB>
                     <a:solidFill>
-                      <a:srgbClr val="DBDBDB"/>
+                      <a:srgbClr val="C5E0B4"/>
                     </a:solidFill>
                   </a:tcPr>
                 </a:tc>
@@ -9676,7 +9640,7 @@
                       <a:tailEnd type="none" w="med" len="med"/>
                     </a:lnB>
                     <a:solidFill>
-                      <a:srgbClr val="DBDBDB"/>
+                      <a:srgbClr val="C5E0B4"/>
                     </a:solidFill>
                   </a:tcPr>
                 </a:tc>
@@ -9730,7 +9694,7 @@
                       <a:tailEnd type="none" w="med" len="med"/>
                     </a:lnB>
                     <a:solidFill>
-                      <a:srgbClr val="DBDBDB"/>
+                      <a:srgbClr val="C5E0B4"/>
                     </a:solidFill>
                   </a:tcPr>
                 </a:tc>
@@ -9784,10 +9748,7 @@
                       <a:tailEnd type="none" w="med" len="med"/>
                     </a:lnB>
                     <a:solidFill>
-                      <a:schemeClr val="accent6">
-                        <a:lumMod val="40000"/>
-                        <a:lumOff val="60000"/>
-                      </a:schemeClr>
+                      <a:srgbClr val="C5E0B4"/>
                     </a:solidFill>
                   </a:tcPr>
                 </a:tc>
@@ -9841,10 +9802,7 @@
                       <a:tailEnd type="none" w="med" len="med"/>
                     </a:lnB>
                     <a:solidFill>
-                      <a:schemeClr val="accent6">
-                        <a:lumMod val="40000"/>
-                        <a:lumOff val="60000"/>
-                      </a:schemeClr>
+                      <a:srgbClr val="C5E0B4"/>
                     </a:solidFill>
                   </a:tcPr>
                 </a:tc>
@@ -9898,7 +9856,7 @@
                       <a:tailEnd type="none" w="med" len="med"/>
                     </a:lnB>
                     <a:solidFill>
-                      <a:srgbClr val="DBDBDB"/>
+                      <a:srgbClr val="C5E0B4"/>
                     </a:solidFill>
                   </a:tcPr>
                 </a:tc>
@@ -9952,7 +9910,7 @@
                       <a:tailEnd type="none" w="med" len="med"/>
                     </a:lnB>
                     <a:solidFill>
-                      <a:srgbClr val="DBDBDB"/>
+                      <a:srgbClr val="C5E0B4"/>
                     </a:solidFill>
                   </a:tcPr>
                 </a:tc>
@@ -10006,7 +9964,7 @@
                       <a:tailEnd type="none" w="med" len="med"/>
                     </a:lnB>
                     <a:solidFill>
-                      <a:srgbClr val="DBDBDB"/>
+                      <a:srgbClr val="C5E0B4"/>
                     </a:solidFill>
                   </a:tcPr>
                 </a:tc>
@@ -10060,10 +10018,7 @@
                       <a:tailEnd type="none" w="med" len="med"/>
                     </a:lnB>
                     <a:solidFill>
-                      <a:schemeClr val="accent6">
-                        <a:lumMod val="40000"/>
-                        <a:lumOff val="60000"/>
-                      </a:schemeClr>
+                      <a:srgbClr val="C5E0B4"/>
                     </a:solidFill>
                   </a:tcPr>
                 </a:tc>
@@ -10117,10 +10072,7 @@
                       <a:tailEnd type="none" w="med" len="med"/>
                     </a:lnB>
                     <a:solidFill>
-                      <a:schemeClr val="accent6">
-                        <a:lumMod val="40000"/>
-                        <a:lumOff val="60000"/>
-                      </a:schemeClr>
+                      <a:srgbClr val="C5E0B4"/>
                     </a:solidFill>
                   </a:tcPr>
                 </a:tc>
@@ -10181,7 +10133,7 @@
                       <a:tailEnd type="none" w="med" len="med"/>
                     </a:lnB>
                     <a:solidFill>
-                      <a:srgbClr val="DBDBDB"/>
+                      <a:srgbClr val="C5E0B4"/>
                     </a:solidFill>
                   </a:tcPr>
                 </a:tc>
@@ -10235,7 +10187,7 @@
                       <a:tailEnd type="none" w="med" len="med"/>
                     </a:lnB>
                     <a:solidFill>
-                      <a:srgbClr val="DBDBDB"/>
+                      <a:srgbClr val="C5E0B4"/>
                     </a:solidFill>
                   </a:tcPr>
                 </a:tc>
@@ -10289,7 +10241,7 @@
                       <a:tailEnd type="none" w="med" len="med"/>
                     </a:lnB>
                     <a:solidFill>
-                      <a:srgbClr val="DBDBDB"/>
+                      <a:srgbClr val="C5E0B4"/>
                     </a:solidFill>
                   </a:tcPr>
                 </a:tc>
@@ -10343,10 +10295,7 @@
                       <a:tailEnd type="none" w="med" len="med"/>
                     </a:lnB>
                     <a:solidFill>
-                      <a:schemeClr val="accent6">
-                        <a:lumMod val="40000"/>
-                        <a:lumOff val="60000"/>
-                      </a:schemeClr>
+                      <a:srgbClr val="C5E0B4"/>
                     </a:solidFill>
                   </a:tcPr>
                 </a:tc>
@@ -10400,10 +10349,7 @@
                       <a:tailEnd type="none" w="med" len="med"/>
                     </a:lnB>
                     <a:solidFill>
-                      <a:schemeClr val="accent6">
-                        <a:lumMod val="40000"/>
-                        <a:lumOff val="60000"/>
-                      </a:schemeClr>
+                      <a:srgbClr val="C5E0B4"/>
                     </a:solidFill>
                   </a:tcPr>
                 </a:tc>
@@ -10457,7 +10403,7 @@
                       <a:tailEnd type="none" w="med" len="med"/>
                     </a:lnB>
                     <a:solidFill>
-                      <a:srgbClr val="DBDBDB"/>
+                      <a:srgbClr val="C5E0B4"/>
                     </a:solidFill>
                   </a:tcPr>
                 </a:tc>
@@ -10511,7 +10457,7 @@
                       <a:tailEnd type="none" w="med" len="med"/>
                     </a:lnB>
                     <a:solidFill>
-                      <a:srgbClr val="DBDBDB"/>
+                      <a:srgbClr val="C5E0B4"/>
                     </a:solidFill>
                   </a:tcPr>
                 </a:tc>
@@ -10565,7 +10511,7 @@
                       <a:tailEnd type="none" w="med" len="med"/>
                     </a:lnB>
                     <a:solidFill>
-                      <a:srgbClr val="DBDBDB"/>
+                      <a:srgbClr val="C5E0B4"/>
                     </a:solidFill>
                   </a:tcPr>
                 </a:tc>
@@ -10619,10 +10565,7 @@
                       <a:tailEnd type="none" w="med" len="med"/>
                     </a:lnB>
                     <a:solidFill>
-                      <a:schemeClr val="accent6">
-                        <a:lumMod val="40000"/>
-                        <a:lumOff val="60000"/>
-                      </a:schemeClr>
+                      <a:srgbClr val="C5E0B4"/>
                     </a:solidFill>
                   </a:tcPr>
                 </a:tc>
@@ -10676,10 +10619,7 @@
                       <a:tailEnd type="none" w="med" len="med"/>
                     </a:lnB>
                     <a:solidFill>
-                      <a:schemeClr val="accent6">
-                        <a:lumMod val="40000"/>
-                        <a:lumOff val="60000"/>
-                      </a:schemeClr>
+                      <a:srgbClr val="C5E0B4"/>
                     </a:solidFill>
                   </a:tcPr>
                 </a:tc>
@@ -13595,6 +13535,17 @@
           <a:p>
             <a:pPr algn="ctr"/>
             <a:r>
+              <a:rPr lang="en-US" sz="2800">
+                <a:solidFill>
+                  <a:schemeClr val="tx1"/>
+                </a:solidFill>
+                <a:latin typeface="Product Sans" panose="020B0403030502040203" pitchFamily="34" charset="0"/>
+                <a:ea typeface="Open Sans" pitchFamily="2" charset="0"/>
+                <a:cs typeface="Open Sans" pitchFamily="2" charset="0"/>
+              </a:rPr>
+              <a:t>Extract 18 pairwise </a:t>
+            </a:r>
+            <a:r>
               <a:rPr lang="en-US" sz="2800" dirty="0">
                 <a:solidFill>
                   <a:schemeClr val="tx1"/>
@@ -13603,7 +13554,7 @@
                 <a:ea typeface="Open Sans" pitchFamily="2" charset="0"/>
                 <a:cs typeface="Open Sans" pitchFamily="2" charset="0"/>
               </a:rPr>
-              <a:t>Extract 19 pairwise TS features</a:t>
+              <a:t>TS features</a:t>
             </a:r>
             <a:r>
               <a:rPr lang="en-US" sz="2800" baseline="30000" dirty="0">
@@ -17375,10 +17326,10 @@
         </p:nvGrpSpPr>
         <p:grpSpPr>
           <a:xfrm>
-            <a:off x="14549840" y="19011382"/>
-            <a:ext cx="6961025" cy="3556773"/>
+            <a:off x="14555450" y="18951290"/>
+            <a:ext cx="6961025" cy="3617404"/>
             <a:chOff x="14645482" y="17988954"/>
-            <a:chExt cx="6961025" cy="3556773"/>
+            <a:chExt cx="6961025" cy="3617404"/>
           </a:xfrm>
         </p:grpSpPr>
         <p:grpSp>
@@ -17396,9 +17347,9 @@
           <p:grpSpPr>
             <a:xfrm>
               <a:off x="14645482" y="17988954"/>
-              <a:ext cx="4347252" cy="3422824"/>
+              <a:ext cx="4347252" cy="3617404"/>
               <a:chOff x="12305837" y="17348182"/>
-              <a:chExt cx="4347252" cy="3422824"/>
+              <a:chExt cx="4347252" cy="3617404"/>
             </a:xfrm>
           </p:grpSpPr>
           <p:grpSp>
@@ -17557,7 +17508,7 @@
             </p:nvSpPr>
             <p:spPr>
               <a:xfrm>
-                <a:off x="13270111" y="18909821"/>
+                <a:off x="13270111" y="20380811"/>
                 <a:ext cx="2453607" cy="584775"/>
               </a:xfrm>
               <a:prstGeom prst="rect">
@@ -18482,53 +18433,6 @@
       </p:sp>
       <p:pic>
         <p:nvPicPr>
-          <p:cNvPr id="255" name="Picture 6">
-            <a:extLst>
-              <a:ext uri="{FF2B5EF4-FFF2-40B4-BE49-F238E27FC236}">
-                <a16:creationId xmlns:a16="http://schemas.microsoft.com/office/drawing/2014/main" id="{D5568383-B36C-44DD-BE8F-1C47C1C8EFBC}"/>
-              </a:ext>
-            </a:extLst>
-          </p:cNvPr>
-          <p:cNvPicPr>
-            <a:picLocks noChangeAspect="1" noChangeArrowheads="1"/>
-          </p:cNvPicPr>
-          <p:nvPr/>
-        </p:nvPicPr>
-        <p:blipFill>
-          <a:blip r:embed="rId23">
-            <a:extLst>
-              <a:ext uri="{28A0092B-C50C-407E-A947-70E740481C1C}">
-                <a14:useLocalDpi xmlns:a14="http://schemas.microsoft.com/office/drawing/2010/main" val="0"/>
-              </a:ext>
-            </a:extLst>
-          </a:blip>
-          <a:srcRect/>
-          <a:stretch>
-            <a:fillRect/>
-          </a:stretch>
-        </p:blipFill>
-        <p:spPr bwMode="auto">
-          <a:xfrm>
-            <a:off x="2477470" y="554945"/>
-            <a:ext cx="2259025" cy="2259025"/>
-          </a:xfrm>
-          <a:prstGeom prst="rect">
-            <a:avLst/>
-          </a:prstGeom>
-          <a:noFill/>
-          <a:extLst>
-            <a:ext uri="{909E8E84-426E-40DD-AFC4-6F175D3DCCD1}">
-              <a14:hiddenFill xmlns:a14="http://schemas.microsoft.com/office/drawing/2010/main">
-                <a:solidFill>
-                  <a:srgbClr val="FFFFFF"/>
-                </a:solidFill>
-              </a14:hiddenFill>
-            </a:ext>
-          </a:extLst>
-        </p:spPr>
-      </p:pic>
-      <p:pic>
-        <p:nvPicPr>
           <p:cNvPr id="33" name="Picture 6" descr="Monash University">
             <a:extLst>
               <a:ext uri="{FF2B5EF4-FFF2-40B4-BE49-F238E27FC236}">
@@ -18542,7 +18446,7 @@
           <p:nvPr/>
         </p:nvPicPr>
         <p:blipFill>
-          <a:blip r:embed="rId24">
+          <a:blip r:embed="rId23">
             <a:extLst>
               <a:ext uri="{28A0092B-C50C-407E-A947-70E740481C1C}">
                 <a14:useLocalDpi xmlns:a14="http://schemas.microsoft.com/office/drawing/2010/main" val="0"/>
@@ -18651,7 +18555,7 @@
             <p:nvPr/>
           </p:nvPicPr>
           <p:blipFill>
-            <a:blip r:embed="rId25">
+            <a:blip r:embed="rId24">
               <a:duotone>
                 <a:schemeClr val="accent2">
                   <a:shade val="45000"/>
@@ -18981,7 +18885,7 @@
               <p:nvPr/>
             </p:nvPicPr>
             <p:blipFill rotWithShape="1">
-              <a:blip r:embed="rId26">
+              <a:blip r:embed="rId25">
                 <a:duotone>
                   <a:schemeClr val="accent1">
                     <a:shade val="45000"/>
@@ -18992,7 +18896,7 @@
                 <a:extLst>
                   <a:ext uri="{BEBA8EAE-BF5A-486C-A8C5-ECC9F3942E4B}">
                     <a14:imgProps xmlns:a14="http://schemas.microsoft.com/office/drawing/2010/main">
-                      <a14:imgLayer r:embed="rId27">
+                      <a14:imgLayer r:embed="rId26">
                         <a14:imgEffect>
                           <a14:backgroundRemoval t="8097" b="37074" l="36194" r="95821">
                             <a14:foregroundMark x1="95746" y1="19886" x2="95821" y2="20739"/>
@@ -19047,7 +18951,7 @@
               <p:nvPr/>
             </p:nvPicPr>
             <p:blipFill rotWithShape="1">
-              <a:blip r:embed="rId28">
+              <a:blip r:embed="rId27">
                 <a:duotone>
                   <a:schemeClr val="accent1">
                     <a:shade val="45000"/>
@@ -19058,7 +18962,7 @@
                 <a:extLst>
                   <a:ext uri="{BEBA8EAE-BF5A-486C-A8C5-ECC9F3942E4B}">
                     <a14:imgProps xmlns:a14="http://schemas.microsoft.com/office/drawing/2010/main">
-                      <a14:imgLayer r:embed="rId27">
+                      <a14:imgLayer r:embed="rId26">
                         <a14:imgEffect>
                           <a14:backgroundRemoval t="62074" b="88636" l="40821" r="90224">
                             <a14:foregroundMark x1="80373" y1="82955" x2="80000" y2="86080"/>
@@ -19473,7 +19377,7 @@
                 <a:ea typeface="Open Sans" pitchFamily="2" charset="0"/>
                 <a:cs typeface="Open Sans" pitchFamily="2" charset="0"/>
               </a:rPr>
-              <a:t>This work was funded by the University of Sydney Physics Foundation and the American Australian Association Graduate Education Fund.</a:t>
+              <a:t>This work was supported by the University of Sydney Physics Foundation and the American Australian Association Graduate Education Fund.</a:t>
             </a:r>
           </a:p>
         </p:txBody>
@@ -19493,7 +19397,7 @@
           <p:nvPr/>
         </p:nvPicPr>
         <p:blipFill>
-          <a:blip r:embed="rId29">
+          <a:blip r:embed="rId28">
             <a:extLst>
               <a:ext uri="{28A0092B-C50C-407E-A947-70E740481C1C}">
                 <a14:useLocalDpi xmlns:a14="http://schemas.microsoft.com/office/drawing/2010/main" val="0"/>
@@ -19509,6 +19413,53 @@
           <a:xfrm>
             <a:off x="25310205" y="39085206"/>
             <a:ext cx="3923856" cy="1961928"/>
+          </a:xfrm>
+          <a:prstGeom prst="rect">
+            <a:avLst/>
+          </a:prstGeom>
+          <a:noFill/>
+          <a:extLst>
+            <a:ext uri="{909E8E84-426E-40DD-AFC4-6F175D3DCCD1}">
+              <a14:hiddenFill xmlns:a14="http://schemas.microsoft.com/office/drawing/2010/main">
+                <a:solidFill>
+                  <a:srgbClr val="FFFFFF"/>
+                </a:solidFill>
+              </a14:hiddenFill>
+            </a:ext>
+          </a:extLst>
+        </p:spPr>
+      </p:pic>
+      <p:pic>
+        <p:nvPicPr>
+          <p:cNvPr id="238" name="Picture 14">
+            <a:extLst>
+              <a:ext uri="{FF2B5EF4-FFF2-40B4-BE49-F238E27FC236}">
+                <a16:creationId xmlns:a16="http://schemas.microsoft.com/office/drawing/2014/main" id="{D19C9382-F82D-4382-9EA9-916797846853}"/>
+              </a:ext>
+            </a:extLst>
+          </p:cNvPr>
+          <p:cNvPicPr>
+            <a:picLocks noChangeAspect="1" noChangeArrowheads="1"/>
+          </p:cNvPicPr>
+          <p:nvPr/>
+        </p:nvPicPr>
+        <p:blipFill>
+          <a:blip r:embed="rId28">
+            <a:extLst>
+              <a:ext uri="{28A0092B-C50C-407E-A947-70E740481C1C}">
+                <a14:useLocalDpi xmlns:a14="http://schemas.microsoft.com/office/drawing/2010/main" val="0"/>
+              </a:ext>
+            </a:extLst>
+          </a:blip>
+          <a:srcRect/>
+          <a:stretch>
+            <a:fillRect/>
+          </a:stretch>
+        </p:blipFill>
+        <p:spPr bwMode="auto">
+          <a:xfrm>
+            <a:off x="1622570" y="770777"/>
+            <a:ext cx="3790090" cy="1895045"/>
           </a:xfrm>
           <a:prstGeom prst="rect">
             <a:avLst/>

--- a/poster/CNS_2022_Poster_Annie_G_Bryant.pptx
+++ b/poster/CNS_2022_Poster_Annie_G_Bryant.pptx
@@ -197,7 +197,7 @@
           <a:p>
             <a:fld id="{DDCDD90E-30D2-47EF-9516-2B7C5F601918}" type="datetimeFigureOut">
               <a:rPr lang="en-AU" smtClean="0"/>
-              <a:t>9/07/2022</a:t>
+              <a:t>12/07/2022</a:t>
             </a:fld>
             <a:endParaRPr lang="en-AU"/>
           </a:p>
@@ -680,7 +680,7 @@
           <a:p>
             <a:fld id="{2A15C726-7A85-4E76-A962-02FDD2A3E977}" type="datetimeFigureOut">
               <a:rPr lang="en-AU" smtClean="0"/>
-              <a:t>9/07/2022</a:t>
+              <a:t>12/07/2022</a:t>
             </a:fld>
             <a:endParaRPr lang="en-AU"/>
           </a:p>
@@ -850,7 +850,7 @@
           <a:p>
             <a:fld id="{2A15C726-7A85-4E76-A962-02FDD2A3E977}" type="datetimeFigureOut">
               <a:rPr lang="en-AU" smtClean="0"/>
-              <a:t>9/07/2022</a:t>
+              <a:t>12/07/2022</a:t>
             </a:fld>
             <a:endParaRPr lang="en-AU"/>
           </a:p>
@@ -1030,7 +1030,7 @@
           <a:p>
             <a:fld id="{2A15C726-7A85-4E76-A962-02FDD2A3E977}" type="datetimeFigureOut">
               <a:rPr lang="en-AU" smtClean="0"/>
-              <a:t>9/07/2022</a:t>
+              <a:t>12/07/2022</a:t>
             </a:fld>
             <a:endParaRPr lang="en-AU"/>
           </a:p>
@@ -1200,7 +1200,7 @@
           <a:p>
             <a:fld id="{2A15C726-7A85-4E76-A962-02FDD2A3E977}" type="datetimeFigureOut">
               <a:rPr lang="en-AU" smtClean="0"/>
-              <a:t>9/07/2022</a:t>
+              <a:t>12/07/2022</a:t>
             </a:fld>
             <a:endParaRPr lang="en-AU"/>
           </a:p>
@@ -1444,7 +1444,7 @@
           <a:p>
             <a:fld id="{2A15C726-7A85-4E76-A962-02FDD2A3E977}" type="datetimeFigureOut">
               <a:rPr lang="en-AU" smtClean="0"/>
-              <a:t>9/07/2022</a:t>
+              <a:t>12/07/2022</a:t>
             </a:fld>
             <a:endParaRPr lang="en-AU"/>
           </a:p>
@@ -1676,7 +1676,7 @@
           <a:p>
             <a:fld id="{2A15C726-7A85-4E76-A962-02FDD2A3E977}" type="datetimeFigureOut">
               <a:rPr lang="en-AU" smtClean="0"/>
-              <a:t>9/07/2022</a:t>
+              <a:t>12/07/2022</a:t>
             </a:fld>
             <a:endParaRPr lang="en-AU"/>
           </a:p>
@@ -2043,7 +2043,7 @@
           <a:p>
             <a:fld id="{2A15C726-7A85-4E76-A962-02FDD2A3E977}" type="datetimeFigureOut">
               <a:rPr lang="en-AU" smtClean="0"/>
-              <a:t>9/07/2022</a:t>
+              <a:t>12/07/2022</a:t>
             </a:fld>
             <a:endParaRPr lang="en-AU"/>
           </a:p>
@@ -2161,7 +2161,7 @@
           <a:p>
             <a:fld id="{2A15C726-7A85-4E76-A962-02FDD2A3E977}" type="datetimeFigureOut">
               <a:rPr lang="en-AU" smtClean="0"/>
-              <a:t>9/07/2022</a:t>
+              <a:t>12/07/2022</a:t>
             </a:fld>
             <a:endParaRPr lang="en-AU"/>
           </a:p>
@@ -2256,7 +2256,7 @@
           <a:p>
             <a:fld id="{2A15C726-7A85-4E76-A962-02FDD2A3E977}" type="datetimeFigureOut">
               <a:rPr lang="en-AU" smtClean="0"/>
-              <a:t>9/07/2022</a:t>
+              <a:t>12/07/2022</a:t>
             </a:fld>
             <a:endParaRPr lang="en-AU"/>
           </a:p>
@@ -2533,7 +2533,7 @@
           <a:p>
             <a:fld id="{2A15C726-7A85-4E76-A962-02FDD2A3E977}" type="datetimeFigureOut">
               <a:rPr lang="en-AU" smtClean="0"/>
-              <a:t>9/07/2022</a:t>
+              <a:t>12/07/2022</a:t>
             </a:fld>
             <a:endParaRPr lang="en-AU"/>
           </a:p>
@@ -2790,7 +2790,7 @@
           <a:p>
             <a:fld id="{2A15C726-7A85-4E76-A962-02FDD2A3E977}" type="datetimeFigureOut">
               <a:rPr lang="en-AU" smtClean="0"/>
-              <a:t>9/07/2022</a:t>
+              <a:t>12/07/2022</a:t>
             </a:fld>
             <a:endParaRPr lang="en-AU"/>
           </a:p>
@@ -3003,7 +3003,7 @@
           <a:p>
             <a:fld id="{2A15C726-7A85-4E76-A962-02FDD2A3E977}" type="datetimeFigureOut">
               <a:rPr lang="en-AU" smtClean="0"/>
-              <a:t>9/07/2022</a:t>
+              <a:t>12/07/2022</a:t>
             </a:fld>
             <a:endParaRPr lang="en-AU"/>
           </a:p>
@@ -3410,6 +3410,65 @@
       </p:grpSpPr>
       <p:sp>
         <p:nvSpPr>
+          <p:cNvPr id="13" name="Rectangle 12">
+            <a:extLst>
+              <a:ext uri="{FF2B5EF4-FFF2-40B4-BE49-F238E27FC236}">
+                <a16:creationId xmlns:a16="http://schemas.microsoft.com/office/drawing/2014/main" id="{9CDA5507-3889-48EB-8EEC-33D22F75D82E}"/>
+              </a:ext>
+            </a:extLst>
+          </p:cNvPr>
+          <p:cNvSpPr/>
+          <p:nvPr/>
+        </p:nvSpPr>
+        <p:spPr>
+          <a:xfrm>
+            <a:off x="780446" y="14230004"/>
+            <a:ext cx="28776706" cy="19621926"/>
+          </a:xfrm>
+          <a:prstGeom prst="rect">
+            <a:avLst/>
+          </a:prstGeom>
+          <a:solidFill>
+            <a:srgbClr val="F2F2F2"/>
+          </a:solidFill>
+          <a:ln>
+            <a:noFill/>
+          </a:ln>
+        </p:spPr>
+        <p:style>
+          <a:lnRef idx="2">
+            <a:schemeClr val="accent1">
+              <a:shade val="50000"/>
+            </a:schemeClr>
+          </a:lnRef>
+          <a:fillRef idx="1">
+            <a:schemeClr val="accent1"/>
+          </a:fillRef>
+          <a:effectRef idx="0">
+            <a:schemeClr val="accent1"/>
+          </a:effectRef>
+          <a:fontRef idx="minor">
+            <a:schemeClr val="lt1"/>
+          </a:fontRef>
+        </p:style>
+        <p:txBody>
+          <a:bodyPr rtlCol="0" anchor="ctr"/>
+          <a:lstStyle/>
+          <a:p>
+            <a:pPr algn="ctr"/>
+            <a:endParaRPr lang="en-AU" sz="4400" dirty="0">
+              <a:solidFill>
+                <a:schemeClr val="tx1"/>
+              </a:solidFill>
+              <a:latin typeface="Open Sans" pitchFamily="2" charset="0"/>
+              <a:ea typeface="Open Sans" pitchFamily="2" charset="0"/>
+              <a:cs typeface="Open Sans" pitchFamily="2" charset="0"/>
+            </a:endParaRPr>
+          </a:p>
+        </p:txBody>
+      </p:sp>
+      <p:sp>
+        <p:nvSpPr>
           <p:cNvPr id="9" name="Rectangle 8">
             <a:extLst>
               <a:ext uri="{FF2B5EF4-FFF2-40B4-BE49-F238E27FC236}">
@@ -3963,65 +4022,6 @@
                 <a:schemeClr val="tx1"/>
               </a:solidFill>
               <a:latin typeface="Product Sans" panose="020B0403030502040203" pitchFamily="34" charset="0"/>
-              <a:ea typeface="Open Sans" pitchFamily="2" charset="0"/>
-              <a:cs typeface="Open Sans" pitchFamily="2" charset="0"/>
-            </a:endParaRPr>
-          </a:p>
-        </p:txBody>
-      </p:sp>
-      <p:sp>
-        <p:nvSpPr>
-          <p:cNvPr id="13" name="Rectangle 12">
-            <a:extLst>
-              <a:ext uri="{FF2B5EF4-FFF2-40B4-BE49-F238E27FC236}">
-                <a16:creationId xmlns:a16="http://schemas.microsoft.com/office/drawing/2014/main" id="{9CDA5507-3889-48EB-8EEC-33D22F75D82E}"/>
-              </a:ext>
-            </a:extLst>
-          </p:cNvPr>
-          <p:cNvSpPr/>
-          <p:nvPr/>
-        </p:nvSpPr>
-        <p:spPr>
-          <a:xfrm>
-            <a:off x="793099" y="14213741"/>
-            <a:ext cx="28776706" cy="19621926"/>
-          </a:xfrm>
-          <a:prstGeom prst="rect">
-            <a:avLst/>
-          </a:prstGeom>
-          <a:solidFill>
-            <a:srgbClr val="F2F2F2"/>
-          </a:solidFill>
-          <a:ln>
-            <a:noFill/>
-          </a:ln>
-        </p:spPr>
-        <p:style>
-          <a:lnRef idx="2">
-            <a:schemeClr val="accent1">
-              <a:shade val="50000"/>
-            </a:schemeClr>
-          </a:lnRef>
-          <a:fillRef idx="1">
-            <a:schemeClr val="accent1"/>
-          </a:fillRef>
-          <a:effectRef idx="0">
-            <a:schemeClr val="accent1"/>
-          </a:effectRef>
-          <a:fontRef idx="minor">
-            <a:schemeClr val="lt1"/>
-          </a:fontRef>
-        </p:style>
-        <p:txBody>
-          <a:bodyPr rtlCol="0" anchor="ctr"/>
-          <a:lstStyle/>
-          <a:p>
-            <a:pPr algn="ctr"/>
-            <a:endParaRPr lang="en-AU" sz="4400" dirty="0">
-              <a:solidFill>
-                <a:schemeClr val="tx1"/>
-              </a:solidFill>
-              <a:latin typeface="Open Sans" pitchFamily="2" charset="0"/>
               <a:ea typeface="Open Sans" pitchFamily="2" charset="0"/>
               <a:cs typeface="Open Sans" pitchFamily="2" charset="0"/>
             </a:endParaRPr>
@@ -4473,7 +4473,7 @@
         </p:nvSpPr>
         <p:spPr>
           <a:xfrm>
-            <a:off x="15793597" y="39376612"/>
+            <a:off x="15793597" y="39241563"/>
             <a:ext cx="10679168" cy="769441"/>
           </a:xfrm>
           <a:prstGeom prst="rect">
@@ -4551,8 +4551,8 @@
           <a:stretch/>
         </p:blipFill>
         <p:spPr bwMode="auto">
-          <a:xfrm rot="16200000">
-            <a:off x="24031639" y="6456056"/>
+          <a:xfrm rot="10800000">
+            <a:off x="24328596" y="7393893"/>
             <a:ext cx="1215264" cy="185764"/>
           </a:xfrm>
           <a:prstGeom prst="rect">
@@ -4910,9 +4910,90 @@
                 <a:ea typeface="Calibri" panose="020F0502020204030204" pitchFamily="34" charset="0"/>
                 <a:cs typeface="Arial" panose="020B0604020202020204" pitchFamily="34" charset="0"/>
               </a:rPr>
-              <a:t>	This analysis highlighted both individual brain regions and univariate TS features derived from BOLD fMRI that distinguish participants with versus without schizophrenia. Pairwise TS features, such as the commonly-used Pearson correlation coefficient, showed improved linear SVM classification performance with the inclusion of univariate TS feature information.</a:t>
-            </a:r>
-            <a:endParaRPr lang="en-AU" sz="3600" dirty="0">
+              <a:t>	This analysis highlighted both </a:t>
+            </a:r>
+            <a:r>
+              <a:rPr lang="en-US" sz="3600" b="1" dirty="0">
+                <a:effectLst/>
+                <a:latin typeface="Product Sans" panose="020B0403030502040203" pitchFamily="34" charset="0"/>
+                <a:ea typeface="Calibri" panose="020F0502020204030204" pitchFamily="34" charset="0"/>
+                <a:cs typeface="Arial" panose="020B0604020202020204" pitchFamily="34" charset="0"/>
+              </a:rPr>
+              <a:t>individual brain regions </a:t>
+            </a:r>
+            <a:r>
+              <a:rPr lang="en-US" sz="3600" dirty="0">
+                <a:effectLst/>
+                <a:latin typeface="Product Sans" panose="020B0403030502040203" pitchFamily="34" charset="0"/>
+                <a:ea typeface="Calibri" panose="020F0502020204030204" pitchFamily="34" charset="0"/>
+                <a:cs typeface="Arial" panose="020B0604020202020204" pitchFamily="34" charset="0"/>
+              </a:rPr>
+              <a:t>and </a:t>
+            </a:r>
+            <a:r>
+              <a:rPr lang="en-US" sz="3600" b="1" dirty="0">
+                <a:effectLst/>
+                <a:latin typeface="Product Sans" panose="020B0403030502040203" pitchFamily="34" charset="0"/>
+                <a:ea typeface="Calibri" panose="020F0502020204030204" pitchFamily="34" charset="0"/>
+                <a:cs typeface="Arial" panose="020B0604020202020204" pitchFamily="34" charset="0"/>
+              </a:rPr>
+              <a:t>univariate TS features </a:t>
+            </a:r>
+            <a:r>
+              <a:rPr lang="en-US" sz="3600" dirty="0">
+                <a:effectLst/>
+                <a:latin typeface="Product Sans" panose="020B0403030502040203" pitchFamily="34" charset="0"/>
+                <a:ea typeface="Calibri" panose="020F0502020204030204" pitchFamily="34" charset="0"/>
+                <a:cs typeface="Arial" panose="020B0604020202020204" pitchFamily="34" charset="0"/>
+              </a:rPr>
+              <a:t>derived from BOLD fMRI that distinguish participants with versus without schizophrenia. </a:t>
+            </a:r>
+            <a:r>
+              <a:rPr lang="en-US" sz="3600" b="1" dirty="0">
+                <a:effectLst/>
+                <a:latin typeface="Product Sans" panose="020B0403030502040203" pitchFamily="34" charset="0"/>
+                <a:ea typeface="Calibri" panose="020F0502020204030204" pitchFamily="34" charset="0"/>
+                <a:cs typeface="Arial" panose="020B0604020202020204" pitchFamily="34" charset="0"/>
+              </a:rPr>
+              <a:t>Pairwise TS features</a:t>
+            </a:r>
+            <a:r>
+              <a:rPr lang="en-US" sz="3600" dirty="0">
+                <a:effectLst/>
+                <a:latin typeface="Product Sans" panose="020B0403030502040203" pitchFamily="34" charset="0"/>
+                <a:ea typeface="Calibri" panose="020F0502020204030204" pitchFamily="34" charset="0"/>
+                <a:cs typeface="Arial" panose="020B0604020202020204" pitchFamily="34" charset="0"/>
+              </a:rPr>
+              <a:t>, like the commonly-used Pearson correlation coefficient, showed </a:t>
+            </a:r>
+            <a:r>
+              <a:rPr lang="en-US" sz="3600" b="1" dirty="0">
+                <a:effectLst/>
+                <a:latin typeface="Product Sans" panose="020B0403030502040203" pitchFamily="34" charset="0"/>
+                <a:ea typeface="Calibri" panose="020F0502020204030204" pitchFamily="34" charset="0"/>
+                <a:cs typeface="Arial" panose="020B0604020202020204" pitchFamily="34" charset="0"/>
+              </a:rPr>
+              <a:t>improved linear SVM classification performance </a:t>
+            </a:r>
+            <a:r>
+              <a:rPr lang="en-US" sz="3600" dirty="0">
+                <a:effectLst/>
+                <a:latin typeface="Product Sans" panose="020B0403030502040203" pitchFamily="34" charset="0"/>
+                <a:ea typeface="Calibri" panose="020F0502020204030204" pitchFamily="34" charset="0"/>
+                <a:cs typeface="Arial" panose="020B0604020202020204" pitchFamily="34" charset="0"/>
+              </a:rPr>
+              <a:t>with the </a:t>
+            </a:r>
+            <a:r>
+              <a:rPr lang="en-US" sz="3600" b="1" dirty="0">
+                <a:effectLst/>
+                <a:latin typeface="Product Sans" panose="020B0403030502040203" pitchFamily="34" charset="0"/>
+                <a:ea typeface="Calibri" panose="020F0502020204030204" pitchFamily="34" charset="0"/>
+                <a:cs typeface="Arial" panose="020B0604020202020204" pitchFamily="34" charset="0"/>
+              </a:rPr>
+              <a:t>inclusion of univariate TS feature information.</a:t>
+            </a:r>
+            <a:endParaRPr lang="en-AU" sz="3600" b="1" dirty="0">
               <a:latin typeface="Product Sans" panose="020B0403030502040203" pitchFamily="34" charset="0"/>
             </a:endParaRPr>
           </a:p>
@@ -5068,8 +5149,8 @@
           <a:stretch/>
         </p:blipFill>
         <p:spPr bwMode="auto">
-          <a:xfrm rot="16200000" flipH="1">
-            <a:off x="24031249" y="7957054"/>
+          <a:xfrm rot="10800000" flipH="1">
+            <a:off x="24332104" y="7784658"/>
             <a:ext cx="1211756" cy="181475"/>
           </a:xfrm>
           <a:prstGeom prst="rect">
@@ -7279,7 +7360,7 @@
           <p:nvPr/>
         </p:nvCxnSpPr>
         <p:spPr>
-          <a:xfrm rot="16200000" flipV="1">
+          <a:xfrm rot="5400000" flipH="1" flipV="1">
             <a:off x="3491308" y="20704430"/>
             <a:ext cx="0" cy="1921255"/>
           </a:xfrm>
@@ -7323,7 +7404,7 @@
           <p:nvPr/>
         </p:nvCxnSpPr>
         <p:spPr>
-          <a:xfrm flipV="1">
+          <a:xfrm>
             <a:off x="4721176" y="19609907"/>
             <a:ext cx="0" cy="1921255"/>
           </a:xfrm>
@@ -7568,8 +7649,8 @@
           <p:nvPr/>
         </p:nvCxnSpPr>
         <p:spPr>
-          <a:xfrm rot="16200000" flipV="1">
-            <a:off x="3491308" y="26115941"/>
+          <a:xfrm rot="5400000" flipH="1" flipV="1">
+            <a:off x="3491308" y="26116273"/>
             <a:ext cx="0" cy="1921255"/>
           </a:xfrm>
           <a:prstGeom prst="straightConnector1">
@@ -7612,7 +7693,7 @@
           <p:nvPr/>
         </p:nvCxnSpPr>
         <p:spPr>
-          <a:xfrm flipV="1">
+          <a:xfrm>
             <a:off x="4721176" y="25021418"/>
             <a:ext cx="0" cy="1921255"/>
           </a:xfrm>
@@ -10750,7 +10831,7 @@
           <p:nvPr/>
         </p:nvCxnSpPr>
         <p:spPr>
-          <a:xfrm flipV="1">
+          <a:xfrm>
             <a:off x="4923122" y="29127975"/>
             <a:ext cx="0" cy="1800043"/>
           </a:xfrm>
@@ -10844,7 +10925,7 @@
           <p:nvPr/>
         </p:nvCxnSpPr>
         <p:spPr>
-          <a:xfrm flipH="1">
+          <a:xfrm>
             <a:off x="1478365" y="31029649"/>
             <a:ext cx="3286847" cy="0"/>
           </a:xfrm>
@@ -10908,7 +10989,23 @@
                 <a:ea typeface="Open Sans" pitchFamily="2" charset="0"/>
                 <a:cs typeface="Open Sans" pitchFamily="2" charset="0"/>
               </a:rPr>
-              <a:t>All TS features X Brain Regions (1,804)</a:t>
+              <a:t>All TS features </a:t>
+            </a:r>
+            <a:r>
+              <a:rPr lang="en-US" sz="3200" b="1" dirty="0">
+                <a:latin typeface="Product Sans" panose="020B0403030502040203" pitchFamily="34" charset="0"/>
+                <a:ea typeface="Open Sans" pitchFamily="2" charset="0"/>
+                <a:cs typeface="Open Sans" pitchFamily="2" charset="0"/>
+              </a:rPr>
+              <a:t>×</a:t>
+            </a:r>
+            <a:r>
+              <a:rPr lang="en-US" sz="3200" dirty="0">
+                <a:latin typeface="Product Sans" panose="020B0403030502040203" pitchFamily="34" charset="0"/>
+                <a:ea typeface="Open Sans" pitchFamily="2" charset="0"/>
+                <a:cs typeface="Open Sans" pitchFamily="2" charset="0"/>
+              </a:rPr>
+              <a:t> Brain Regions (1,804)</a:t>
             </a:r>
             <a:endParaRPr lang="en-AU" sz="3200" dirty="0">
               <a:solidFill>
@@ -11021,7 +11118,7 @@
           <p:spPr>
             <a:xfrm>
               <a:off x="7085834" y="15576599"/>
-              <a:ext cx="3964220" cy="4324605"/>
+              <a:ext cx="3964219" cy="4324604"/>
             </a:xfrm>
             <a:prstGeom prst="rect">
               <a:avLst/>
@@ -11069,7 +11166,7 @@
                 <a:ea typeface="Open Sans" pitchFamily="2" charset="0"/>
                 <a:cs typeface="Open Sans" pitchFamily="2" charset="0"/>
               </a:rPr>
-              <a:t>Data partitioned for linear support vecto</a:t>
+              <a:t>Data is partitioned for linear support vecto</a:t>
             </a:r>
             <a:r>
               <a:rPr lang="en-US" sz="3600" dirty="0">
@@ -11130,7 +11227,7 @@
                 <a:ea typeface="Open Sans" pitchFamily="2" charset="0"/>
                 <a:cs typeface="Open Sans" pitchFamily="2" charset="0"/>
               </a:rPr>
-              <a:t>Balanced accuracies compared against null model distributions</a:t>
+              <a:t>Balanced accuracies are compared against null model distributions</a:t>
             </a:r>
             <a:endParaRPr lang="en-AU" sz="3600" dirty="0">
               <a:solidFill>
@@ -13084,7 +13181,7 @@
                 <a:ea typeface="Open Sans" pitchFamily="2" charset="0"/>
                 <a:cs typeface="Open Sans" pitchFamily="2" charset="0"/>
               </a:rPr>
-              <a:t>6/82 brain regions</a:t>
+              <a:t>5/82 brain regions</a:t>
             </a:r>
             <a:r>
               <a:rPr lang="en-US" sz="2700" dirty="0">
@@ -13095,7 +13192,7 @@
                 <a:ea typeface="Open Sans" pitchFamily="2" charset="0"/>
                 <a:cs typeface="Open Sans" pitchFamily="2" charset="0"/>
               </a:rPr>
-              <a:t>: (1) L banks of the superior temporal sulcus, (2) L pericalcarine, (3) R cuneus, (4) R postcentral, (5) R middle temporal, (6) R amygdala</a:t>
+              <a:t>: (1) L banks of the superior temporal sulcus, (2) L pericalcarine, (3) R cuneus, (4) R postcentral, (5) R amygdala</a:t>
             </a:r>
             <a:endParaRPr lang="en-AU" sz="2700" dirty="0">
               <a:solidFill>
@@ -13122,7 +13219,7 @@
         </p:nvSpPr>
         <p:spPr>
           <a:xfrm>
-            <a:off x="14035801" y="30999018"/>
+            <a:off x="13996817" y="29744039"/>
             <a:ext cx="7722500" cy="1815882"/>
           </a:xfrm>
           <a:prstGeom prst="rect">
@@ -13143,7 +13240,7 @@
                 <a:ea typeface="Open Sans" pitchFamily="2" charset="0"/>
                 <a:cs typeface="Open Sans" pitchFamily="2" charset="0"/>
               </a:rPr>
-              <a:t>Combination of </a:t>
+              <a:t>The combination of </a:t>
             </a:r>
             <a:r>
               <a:rPr lang="en-US" sz="2800" b="1" dirty="0">
@@ -13151,7 +13248,7 @@
                 <a:ea typeface="Open Sans" pitchFamily="2" charset="0"/>
                 <a:cs typeface="Open Sans" pitchFamily="2" charset="0"/>
               </a:rPr>
-              <a:t>all time-series features X brain regions</a:t>
+              <a:t>all brain regions × TS features </a:t>
             </a:r>
             <a:r>
               <a:rPr lang="en-US" sz="2800" dirty="0">
@@ -13159,7 +13256,7 @@
                 <a:ea typeface="Open Sans" pitchFamily="2" charset="0"/>
                 <a:cs typeface="Open Sans" pitchFamily="2" charset="0"/>
               </a:rPr>
-              <a:t> as inputs to linear SVM classifier yields a statistically significant balanced accuracy of </a:t>
+              <a:t>as inputs to linear SVM classifier yields a statistically significant balanced accuracy of </a:t>
             </a:r>
             <a:r>
               <a:rPr lang="en-US" sz="2800" b="1" dirty="0">
@@ -13167,7 +13264,7 @@
                 <a:ea typeface="Open Sans" pitchFamily="2" charset="0"/>
                 <a:cs typeface="Open Sans" pitchFamily="2" charset="0"/>
               </a:rPr>
-              <a:t>63.67%</a:t>
+              <a:t>64%</a:t>
             </a:r>
             <a:r>
               <a:rPr lang="en-US" sz="2800" dirty="0">
@@ -13175,16 +13272,24 @@
                 <a:ea typeface="Open Sans" pitchFamily="2" charset="0"/>
                 <a:cs typeface="Open Sans" pitchFamily="2" charset="0"/>
               </a:rPr>
-              <a:t> (p&lt;0.0001)</a:t>
-            </a:r>
-            <a:endParaRPr lang="en-AU" sz="2800" dirty="0">
-              <a:solidFill>
-                <a:schemeClr val="tx1"/>
-              </a:solidFill>
-              <a:latin typeface="Product Sans" panose="020B0403030502040203" pitchFamily="34" charset="0"/>
-              <a:ea typeface="Open Sans" pitchFamily="2" charset="0"/>
-              <a:cs typeface="Open Sans" pitchFamily="2" charset="0"/>
-            </a:endParaRPr>
+              <a:t> (p ≈ 1 × 10</a:t>
+            </a:r>
+            <a:r>
+              <a:rPr lang="en-US" sz="2800" baseline="30000" dirty="0">
+                <a:latin typeface="Product Sans" panose="020B0403030502040203" pitchFamily="34" charset="0"/>
+                <a:ea typeface="Open Sans" pitchFamily="2" charset="0"/>
+                <a:cs typeface="Open Sans" pitchFamily="2" charset="0"/>
+              </a:rPr>
+              <a:t>-5</a:t>
+            </a:r>
+            <a:r>
+              <a:rPr lang="en-US" sz="2800" dirty="0">
+                <a:latin typeface="Product Sans" panose="020B0403030502040203" pitchFamily="34" charset="0"/>
+                <a:ea typeface="Open Sans" pitchFamily="2" charset="0"/>
+                <a:cs typeface="Open Sans" pitchFamily="2" charset="0"/>
+              </a:rPr>
+              <a:t>).</a:t>
+            </a:r>
           </a:p>
         </p:txBody>
       </p:sp>
@@ -13221,6 +13326,14 @@
             <a:pPr algn="ctr"/>
             <a:r>
               <a:rPr lang="en-US" sz="3600" dirty="0">
+                <a:latin typeface="Product Sans" panose="020B0403030502040203" pitchFamily="34" charset="0"/>
+                <a:ea typeface="Open Sans" pitchFamily="2" charset="0"/>
+                <a:cs typeface="Open Sans" pitchFamily="2" charset="0"/>
+              </a:rPr>
+              <a:t>Including u</a:t>
+            </a:r>
+            <a:r>
+              <a:rPr lang="en-US" sz="3600" dirty="0">
                 <a:solidFill>
                   <a:schemeClr val="tx1"/>
                 </a:solidFill>
@@ -13228,7 +13341,7 @@
                 <a:ea typeface="Open Sans" pitchFamily="2" charset="0"/>
                 <a:cs typeface="Open Sans" pitchFamily="2" charset="0"/>
               </a:rPr>
-              <a:t>Compare classification performance in univariate vs. pairwise TS features</a:t>
+              <a:t>nivariate TS features improves pairwise classification performance</a:t>
             </a:r>
             <a:endParaRPr lang="en-AU" sz="3600" dirty="0">
               <a:solidFill>
@@ -13415,7 +13528,7 @@
         </p:nvCxnSpPr>
         <p:spPr>
           <a:xfrm>
-            <a:off x="25390734" y="9457388"/>
+            <a:off x="25850462" y="7623083"/>
             <a:ext cx="1295400" cy="0"/>
           </a:xfrm>
           <a:prstGeom prst="straightConnector1">
@@ -13650,7 +13763,7 @@
         </p:blipFill>
         <p:spPr>
           <a:xfrm>
-            <a:off x="22079807" y="10919502"/>
+            <a:off x="22078772" y="10926872"/>
             <a:ext cx="2122783" cy="1661308"/>
           </a:xfrm>
           <a:prstGeom prst="rect">
@@ -13658,59 +13771,6 @@
           </a:prstGeom>
         </p:spPr>
       </p:pic>
-      <p:sp>
-        <p:nvSpPr>
-          <p:cNvPr id="184" name="TextBox 183">
-            <a:extLst>
-              <a:ext uri="{FF2B5EF4-FFF2-40B4-BE49-F238E27FC236}">
-                <a16:creationId xmlns:a16="http://schemas.microsoft.com/office/drawing/2014/main" id="{F75E1E0A-D9C9-463D-AFE2-CDC47F8878F7}"/>
-              </a:ext>
-            </a:extLst>
-          </p:cNvPr>
-          <p:cNvSpPr txBox="1"/>
-          <p:nvPr/>
-        </p:nvSpPr>
-        <p:spPr>
-          <a:xfrm>
-            <a:off x="22976198" y="24652470"/>
-            <a:ext cx="6169372" cy="1200329"/>
-          </a:xfrm>
-          <a:prstGeom prst="rect">
-            <a:avLst/>
-          </a:prstGeom>
-          <a:solidFill>
-            <a:srgbClr val="E2E2E2"/>
-          </a:solidFill>
-        </p:spPr>
-        <p:txBody>
-          <a:bodyPr wrap="square">
-            <a:spAutoFit/>
-          </a:bodyPr>
-          <a:lstStyle/>
-          <a:p>
-            <a:pPr algn="ctr"/>
-            <a:r>
-              <a:rPr lang="en-US" sz="3600" dirty="0">
-                <a:solidFill>
-                  <a:schemeClr val="tx1"/>
-                </a:solidFill>
-                <a:latin typeface="Product Sans" panose="020B0403030502040203" pitchFamily="34" charset="0"/>
-                <a:ea typeface="Open Sans" pitchFamily="2" charset="0"/>
-                <a:cs typeface="Open Sans" pitchFamily="2" charset="0"/>
-              </a:rPr>
-              <a:t>Pairwise features benefit from regional univariate data </a:t>
-            </a:r>
-            <a:endParaRPr lang="en-AU" sz="3600" dirty="0">
-              <a:solidFill>
-                <a:schemeClr val="tx1"/>
-              </a:solidFill>
-              <a:latin typeface="Product Sans" panose="020B0403030502040203" pitchFamily="34" charset="0"/>
-              <a:ea typeface="Open Sans" pitchFamily="2" charset="0"/>
-              <a:cs typeface="Open Sans" pitchFamily="2" charset="0"/>
-            </a:endParaRPr>
-          </a:p>
-        </p:txBody>
-      </p:sp>
       <p:pic>
         <p:nvPicPr>
           <p:cNvPr id="91" name="Picture 90">
@@ -13738,8 +13798,8 @@
         </p:blipFill>
         <p:spPr>
           <a:xfrm>
-            <a:off x="22985178" y="17436747"/>
-            <a:ext cx="5714760" cy="6531153"/>
+            <a:off x="23114123" y="17476724"/>
+            <a:ext cx="5136885" cy="7705329"/>
           </a:xfrm>
           <a:prstGeom prst="rect">
             <a:avLst/>
@@ -13825,8 +13885,8 @@
         </p:blipFill>
         <p:spPr>
           <a:xfrm>
-            <a:off x="23110015" y="26345013"/>
-            <a:ext cx="5973442" cy="4244287"/>
+            <a:off x="23136169" y="25582938"/>
+            <a:ext cx="5708761" cy="4787348"/>
           </a:xfrm>
           <a:prstGeom prst="rect">
             <a:avLst/>
@@ -13847,7 +13907,7 @@
         </p:nvGrpSpPr>
         <p:grpSpPr>
           <a:xfrm>
-            <a:off x="27356368" y="7753870"/>
+            <a:off x="27587694" y="6570084"/>
             <a:ext cx="1576916" cy="1652913"/>
             <a:chOff x="26963080" y="6779941"/>
             <a:chExt cx="1858181" cy="1947733"/>
@@ -14642,8 +14702,8 @@
         </p:nvSpPr>
         <p:spPr>
           <a:xfrm>
-            <a:off x="26897843" y="9796555"/>
-            <a:ext cx="2469772" cy="1815882"/>
+            <a:off x="25159171" y="8626995"/>
+            <a:ext cx="4241794" cy="1815882"/>
           </a:xfrm>
           <a:prstGeom prst="rect">
             <a:avLst/>
@@ -14666,17 +14726,28 @@
                 <a:ea typeface="Open Sans" pitchFamily="2" charset="0"/>
                 <a:cs typeface="Open Sans" pitchFamily="2" charset="0"/>
               </a:rPr>
-              <a:t>Use TS features as inputs to linear S</a:t>
-            </a:r>
-            <a:r>
-              <a:rPr lang="en-US" sz="2800" dirty="0">
+              <a:t>Use brain regions and TS features as inputs to </a:t>
+            </a:r>
+            <a:r>
+              <a:rPr lang="en-US" sz="2800" b="1" dirty="0">
+                <a:solidFill>
+                  <a:schemeClr val="tx1"/>
+                </a:solidFill>
                 <a:latin typeface="Product Sans" panose="020B0403030502040203" pitchFamily="34" charset="0"/>
                 <a:ea typeface="Open Sans" pitchFamily="2" charset="0"/>
                 <a:cs typeface="Open Sans" pitchFamily="2" charset="0"/>
               </a:rPr>
-              <a:t>VM classifier</a:t>
-            </a:r>
-            <a:endParaRPr lang="en-AU" sz="2800" dirty="0">
+              <a:t>linear support vector machine (SVM) </a:t>
+            </a:r>
+            <a:r>
+              <a:rPr lang="en-US" sz="2800" b="1" dirty="0">
+                <a:latin typeface="Product Sans" panose="020B0403030502040203" pitchFamily="34" charset="0"/>
+                <a:ea typeface="Open Sans" pitchFamily="2" charset="0"/>
+                <a:cs typeface="Open Sans" pitchFamily="2" charset="0"/>
+              </a:rPr>
+              <a:t>classifier</a:t>
+            </a:r>
+            <a:endParaRPr lang="en-AU" sz="2800" b="1" dirty="0">
               <a:solidFill>
                 <a:schemeClr val="tx1"/>
               </a:solidFill>
@@ -14722,8 +14793,8 @@
           <a:stretch/>
         </p:blipFill>
         <p:spPr bwMode="auto">
-          <a:xfrm rot="16200000" flipH="1">
-            <a:off x="24036730" y="11479521"/>
+          <a:xfrm rot="10800000" flipH="1">
+            <a:off x="24332104" y="11513463"/>
             <a:ext cx="1211756" cy="181475"/>
           </a:xfrm>
           <a:prstGeom prst="rect">
@@ -14870,49 +14941,6 @@
           </a:fontRef>
         </p:style>
       </p:cxnSp>
-      <p:cxnSp>
-        <p:nvCxnSpPr>
-          <p:cNvPr id="245" name="Straight Connector 244">
-            <a:extLst>
-              <a:ext uri="{FF2B5EF4-FFF2-40B4-BE49-F238E27FC236}">
-                <a16:creationId xmlns:a16="http://schemas.microsoft.com/office/drawing/2014/main" id="{DB9654F1-112A-4E60-8FF2-748BAAE2CEA8}"/>
-              </a:ext>
-            </a:extLst>
-          </p:cNvPr>
-          <p:cNvCxnSpPr>
-            <a:cxnSpLocks/>
-          </p:cNvCxnSpPr>
-          <p:nvPr/>
-        </p:nvCxnSpPr>
-        <p:spPr>
-          <a:xfrm>
-            <a:off x="22490060" y="24222680"/>
-            <a:ext cx="6715357" cy="0"/>
-          </a:xfrm>
-          <a:prstGeom prst="line">
-            <a:avLst/>
-          </a:prstGeom>
-          <a:ln w="152400">
-            <a:solidFill>
-              <a:schemeClr val="bg1"/>
-            </a:solidFill>
-          </a:ln>
-        </p:spPr>
-        <p:style>
-          <a:lnRef idx="1">
-            <a:schemeClr val="accent1"/>
-          </a:lnRef>
-          <a:fillRef idx="0">
-            <a:schemeClr val="accent1"/>
-          </a:fillRef>
-          <a:effectRef idx="0">
-            <a:schemeClr val="accent1"/>
-          </a:effectRef>
-          <a:fontRef idx="minor">
-            <a:schemeClr val="tx1"/>
-          </a:fontRef>
-        </p:style>
-      </p:cxnSp>
       <p:sp>
         <p:nvSpPr>
           <p:cNvPr id="246" name="TextBox 245">
@@ -14991,7 +15019,7 @@
                 <a:ea typeface="Open Sans" pitchFamily="2" charset="0"/>
                 <a:cs typeface="Open Sans" pitchFamily="2" charset="0"/>
               </a:rPr>
-              <a:t>, shows that adding the univariate regional data </a:t>
+              <a:t>, shows that adding the univariate region-by-feature data </a:t>
             </a:r>
             <a:r>
               <a:rPr lang="en-US" sz="2800" b="1" dirty="0">
@@ -14999,7 +15027,7 @@
                 <a:ea typeface="Open Sans" pitchFamily="2" charset="0"/>
                 <a:cs typeface="Open Sans" pitchFamily="2" charset="0"/>
               </a:rPr>
-              <a:t>almost always improves balanced accuracy</a:t>
+              <a:t>generally improves balanced accuracy</a:t>
             </a:r>
             <a:r>
               <a:rPr lang="en-US" sz="2800" dirty="0">
@@ -15007,7 +15035,7 @@
                 <a:ea typeface="Open Sans" pitchFamily="2" charset="0"/>
                 <a:cs typeface="Open Sans" pitchFamily="2" charset="0"/>
               </a:rPr>
-              <a:t> (mean +5.06%).</a:t>
+              <a:t> (mean +5%).</a:t>
             </a:r>
             <a:endParaRPr lang="en-AU" sz="2800" dirty="0">
               <a:solidFill>
@@ -15034,7 +15062,7 @@
         </p:nvSpPr>
         <p:spPr>
           <a:xfrm>
-            <a:off x="24857777" y="6804521"/>
+            <a:off x="24240755" y="6308931"/>
             <a:ext cx="2421259" cy="954107"/>
           </a:xfrm>
           <a:prstGeom prst="rect">
@@ -15084,7 +15112,7 @@
         </p:nvSpPr>
         <p:spPr>
           <a:xfrm>
-            <a:off x="24857777" y="11102443"/>
+            <a:off x="24240755" y="11737591"/>
             <a:ext cx="2421259" cy="954107"/>
           </a:xfrm>
           <a:prstGeom prst="rect">
@@ -15312,7 +15340,7 @@
           <p:spPr>
             <a:xfrm>
               <a:off x="8549942" y="21896098"/>
-              <a:ext cx="3981872" cy="4343862"/>
+              <a:ext cx="3981871" cy="4343861"/>
             </a:xfrm>
             <a:prstGeom prst="rect">
               <a:avLst/>
@@ -15512,7 +15540,7 @@
           <p:spPr>
             <a:xfrm>
               <a:off x="8602862" y="27046766"/>
-              <a:ext cx="4001411" cy="4365176"/>
+              <a:ext cx="4001410" cy="4365176"/>
             </a:xfrm>
             <a:prstGeom prst="rect">
               <a:avLst/>
@@ -17314,10 +17342,10 @@
       </p:sp>
       <p:grpSp>
         <p:nvGrpSpPr>
-          <p:cNvPr id="12" name="Group 11">
+          <p:cNvPr id="5" name="Group 4">
             <a:extLst>
               <a:ext uri="{FF2B5EF4-FFF2-40B4-BE49-F238E27FC236}">
-                <a16:creationId xmlns:a16="http://schemas.microsoft.com/office/drawing/2014/main" id="{6566A6BE-3E5B-42D2-872F-8D6121D974F4}"/>
+                <a16:creationId xmlns:a16="http://schemas.microsoft.com/office/drawing/2014/main" id="{E2BC0B5A-1225-4264-9D33-E9270CB3C5DB}"/>
               </a:ext>
             </a:extLst>
           </p:cNvPr>
@@ -17326,18 +17354,53 @@
         </p:nvGrpSpPr>
         <p:grpSpPr>
           <a:xfrm>
-            <a:off x="14555450" y="18951290"/>
-            <a:ext cx="6961025" cy="3617404"/>
-            <a:chOff x="14645482" y="17988954"/>
-            <a:chExt cx="6961025" cy="3617404"/>
+            <a:off x="14553498" y="18951290"/>
+            <a:ext cx="6962977" cy="3617404"/>
+            <a:chOff x="14553498" y="18951290"/>
+            <a:chExt cx="6962977" cy="3617404"/>
           </a:xfrm>
         </p:grpSpPr>
+        <p:pic>
+          <p:nvPicPr>
+            <p:cNvPr id="3" name="Picture 2" descr="A picture containing text, vector graphics&#10;&#10;Description automatically generated">
+              <a:extLst>
+                <a:ext uri="{FF2B5EF4-FFF2-40B4-BE49-F238E27FC236}">
+                  <a16:creationId xmlns:a16="http://schemas.microsoft.com/office/drawing/2014/main" id="{AA93A534-848E-4C2C-81E8-54F9F7D1FF5E}"/>
+                </a:ext>
+              </a:extLst>
+            </p:cNvPr>
+            <p:cNvPicPr>
+              <a:picLocks noChangeAspect="1"/>
+            </p:cNvPicPr>
+            <p:nvPr/>
+          </p:nvPicPr>
+          <p:blipFill rotWithShape="1">
+            <a:blip r:embed="rId19">
+              <a:extLst>
+                <a:ext uri="{28A0092B-C50C-407E-A947-70E740481C1C}">
+                  <a14:useLocalDpi xmlns:a14="http://schemas.microsoft.com/office/drawing/2010/main" val="0"/>
+                </a:ext>
+              </a:extLst>
+            </a:blip>
+            <a:srcRect l="52480" t="29516" r="3553" b="30857"/>
+            <a:stretch/>
+          </p:blipFill>
+          <p:spPr>
+            <a:xfrm>
+              <a:off x="14553498" y="20819980"/>
+              <a:ext cx="4286249" cy="1448617"/>
+            </a:xfrm>
+            <a:prstGeom prst="rect">
+              <a:avLst/>
+            </a:prstGeom>
+          </p:spPr>
+        </p:pic>
         <p:grpSp>
           <p:nvGrpSpPr>
-            <p:cNvPr id="1037" name="Group 1036">
+            <p:cNvPr id="12" name="Group 11">
               <a:extLst>
                 <a:ext uri="{FF2B5EF4-FFF2-40B4-BE49-F238E27FC236}">
-                  <a16:creationId xmlns:a16="http://schemas.microsoft.com/office/drawing/2014/main" id="{612ECF96-72F4-4562-B924-3B6E172E4787}"/>
+                  <a16:creationId xmlns:a16="http://schemas.microsoft.com/office/drawing/2014/main" id="{6566A6BE-3E5B-42D2-872F-8D6121D974F4}"/>
                 </a:ext>
               </a:extLst>
             </p:cNvPr>
@@ -17346,18 +17409,18 @@
           </p:nvGrpSpPr>
           <p:grpSpPr>
             <a:xfrm>
-              <a:off x="14645482" y="17988954"/>
-              <a:ext cx="4347252" cy="3617404"/>
-              <a:chOff x="12305837" y="17348182"/>
-              <a:chExt cx="4347252" cy="3617404"/>
+              <a:off x="14555450" y="18951290"/>
+              <a:ext cx="6961025" cy="3617404"/>
+              <a:chOff x="14645482" y="17988954"/>
+              <a:chExt cx="6961025" cy="3617404"/>
             </a:xfrm>
           </p:grpSpPr>
           <p:grpSp>
             <p:nvGrpSpPr>
-              <p:cNvPr id="1027" name="Group 1026">
+              <p:cNvPr id="1037" name="Group 1036">
                 <a:extLst>
                   <a:ext uri="{FF2B5EF4-FFF2-40B4-BE49-F238E27FC236}">
-                    <a16:creationId xmlns:a16="http://schemas.microsoft.com/office/drawing/2014/main" id="{642042FC-DD31-490B-9231-DC128F877FD9}"/>
+                    <a16:creationId xmlns:a16="http://schemas.microsoft.com/office/drawing/2014/main" id="{612ECF96-72F4-4562-B924-3B6E172E4787}"/>
                   </a:ext>
                 </a:extLst>
               </p:cNvPr>
@@ -17366,10 +17429,10 @@
             </p:nvGrpSpPr>
             <p:grpSpPr>
               <a:xfrm>
-                <a:off x="12305837" y="17635477"/>
-                <a:ext cx="4347252" cy="3135529"/>
-                <a:chOff x="11445229" y="16216808"/>
-                <a:chExt cx="4708904" cy="3396376"/>
+                <a:off x="14645482" y="17988954"/>
+                <a:ext cx="4347252" cy="3617404"/>
+                <a:chOff x="12305837" y="17348182"/>
+                <a:chExt cx="4347252" cy="3617404"/>
               </a:xfrm>
             </p:grpSpPr>
             <p:pic>
@@ -17387,7 +17450,7 @@
                 <p:nvPr/>
               </p:nvPicPr>
               <p:blipFill rotWithShape="1">
-                <a:blip r:embed="rId19">
+                <a:blip r:embed="rId20">
                   <a:extLst>
                     <a:ext uri="{28A0092B-C50C-407E-A947-70E740481C1C}">
                       <a14:useLocalDpi xmlns:a14="http://schemas.microsoft.com/office/drawing/2010/main" val="0"/>
@@ -17399,20 +17462,143 @@
               </p:blipFill>
               <p:spPr>
                 <a:xfrm>
-                  <a:off x="11445229" y="16216808"/>
-                  <a:ext cx="4708904" cy="1635724"/>
+                  <a:off x="12305837" y="17635477"/>
+                  <a:ext cx="4347252" cy="1510098"/>
                 </a:xfrm>
                 <a:prstGeom prst="rect">
                   <a:avLst/>
                 </a:prstGeom>
               </p:spPr>
             </p:pic>
+            <p:sp>
+              <p:nvSpPr>
+                <p:cNvPr id="167" name="TextBox 166">
+                  <a:extLst>
+                    <a:ext uri="{FF2B5EF4-FFF2-40B4-BE49-F238E27FC236}">
+                      <a16:creationId xmlns:a16="http://schemas.microsoft.com/office/drawing/2014/main" id="{4402DAD2-5C99-4DF2-8235-028361EDDBDB}"/>
+                    </a:ext>
+                  </a:extLst>
+                </p:cNvPr>
+                <p:cNvSpPr txBox="1"/>
+                <p:nvPr/>
+              </p:nvSpPr>
+              <p:spPr>
+                <a:xfrm>
+                  <a:off x="13234729" y="17348182"/>
+                  <a:ext cx="2453607" cy="584775"/>
+                </a:xfrm>
+                <a:prstGeom prst="rect">
+                  <a:avLst/>
+                </a:prstGeom>
+                <a:noFill/>
+              </p:spPr>
+              <p:txBody>
+                <a:bodyPr wrap="square">
+                  <a:spAutoFit/>
+                </a:bodyPr>
+                <a:lstStyle/>
+                <a:p>
+                  <a:pPr algn="ctr"/>
+                  <a:r>
+                    <a:rPr lang="en-US" sz="3200" dirty="0">
+                      <a:solidFill>
+                        <a:schemeClr val="tx1"/>
+                      </a:solidFill>
+                      <a:latin typeface="Product Sans" panose="020B0403030502040203" pitchFamily="34" charset="0"/>
+                      <a:ea typeface="Open Sans" pitchFamily="2" charset="0"/>
+                      <a:cs typeface="Open Sans" pitchFamily="2" charset="0"/>
+                    </a:rPr>
+                    <a:t>Left</a:t>
+                  </a:r>
+                  <a:endParaRPr lang="en-AU" sz="3200" dirty="0">
+                    <a:solidFill>
+                      <a:schemeClr val="tx1"/>
+                    </a:solidFill>
+                    <a:latin typeface="Product Sans" panose="020B0403030502040203" pitchFamily="34" charset="0"/>
+                    <a:ea typeface="Open Sans" pitchFamily="2" charset="0"/>
+                    <a:cs typeface="Open Sans" pitchFamily="2" charset="0"/>
+                  </a:endParaRPr>
+                </a:p>
+              </p:txBody>
+            </p:sp>
+            <p:sp>
+              <p:nvSpPr>
+                <p:cNvPr id="168" name="TextBox 167">
+                  <a:extLst>
+                    <a:ext uri="{FF2B5EF4-FFF2-40B4-BE49-F238E27FC236}">
+                      <a16:creationId xmlns:a16="http://schemas.microsoft.com/office/drawing/2014/main" id="{4EC6EBF7-CE47-4363-8D9D-76FD41AF005F}"/>
+                    </a:ext>
+                  </a:extLst>
+                </p:cNvPr>
+                <p:cNvSpPr txBox="1"/>
+                <p:nvPr/>
+              </p:nvSpPr>
+              <p:spPr>
+                <a:xfrm>
+                  <a:off x="13270111" y="20380811"/>
+                  <a:ext cx="2453607" cy="584775"/>
+                </a:xfrm>
+                <a:prstGeom prst="rect">
+                  <a:avLst/>
+                </a:prstGeom>
+                <a:noFill/>
+              </p:spPr>
+              <p:txBody>
+                <a:bodyPr wrap="square">
+                  <a:spAutoFit/>
+                </a:bodyPr>
+                <a:lstStyle/>
+                <a:p>
+                  <a:pPr algn="ctr"/>
+                  <a:r>
+                    <a:rPr lang="en-US" sz="3200" dirty="0">
+                      <a:solidFill>
+                        <a:schemeClr val="tx1"/>
+                      </a:solidFill>
+                      <a:latin typeface="Product Sans" panose="020B0403030502040203" pitchFamily="34" charset="0"/>
+                      <a:ea typeface="Open Sans" pitchFamily="2" charset="0"/>
+                      <a:cs typeface="Open Sans" pitchFamily="2" charset="0"/>
+                    </a:rPr>
+                    <a:t>Right</a:t>
+                  </a:r>
+                  <a:endParaRPr lang="en-AU" sz="3200" dirty="0">
+                    <a:solidFill>
+                      <a:schemeClr val="tx1"/>
+                    </a:solidFill>
+                    <a:latin typeface="Product Sans" panose="020B0403030502040203" pitchFamily="34" charset="0"/>
+                    <a:ea typeface="Open Sans" pitchFamily="2" charset="0"/>
+                    <a:cs typeface="Open Sans" pitchFamily="2" charset="0"/>
+                  </a:endParaRPr>
+                </a:p>
+              </p:txBody>
+            </p:sp>
+          </p:grpSp>
+          <p:grpSp>
+            <p:nvGrpSpPr>
+              <p:cNvPr id="1032" name="Group 1031">
+                <a:extLst>
+                  <a:ext uri="{FF2B5EF4-FFF2-40B4-BE49-F238E27FC236}">
+                    <a16:creationId xmlns:a16="http://schemas.microsoft.com/office/drawing/2014/main" id="{D5A6C77D-5124-4F0B-BD34-C4A2B8C9ADC7}"/>
+                  </a:ext>
+                </a:extLst>
+              </p:cNvPr>
+              <p:cNvGrpSpPr/>
+              <p:nvPr/>
+            </p:nvGrpSpPr>
+            <p:grpSpPr>
+              <a:xfrm>
+                <a:off x="18879202" y="18541030"/>
+                <a:ext cx="2727305" cy="1988623"/>
+                <a:chOff x="18875346" y="16723756"/>
+                <a:chExt cx="2727305" cy="1988623"/>
+              </a:xfrm>
+            </p:grpSpPr>
             <p:pic>
               <p:nvPicPr>
-                <p:cNvPr id="166" name="Picture 165" descr="A picture containing text, vector graphics&#10;&#10;Description automatically generated">
+                <p:cNvPr id="1039" name="Picture 1038">
                   <a:extLst>
                     <a:ext uri="{FF2B5EF4-FFF2-40B4-BE49-F238E27FC236}">
-                      <a16:creationId xmlns:a16="http://schemas.microsoft.com/office/drawing/2014/main" id="{1C8B24DC-32AB-4CC8-BD27-1FEB8EE5E19D}"/>
+                      <a16:creationId xmlns:a16="http://schemas.microsoft.com/office/drawing/2014/main" id="{EF54B3E2-E291-4604-B4C2-0582902DDD04}"/>
                     </a:ext>
                   </a:extLst>
                 </p:cNvPr>
@@ -17422,33 +17608,186 @@
                 <p:nvPr/>
               </p:nvPicPr>
               <p:blipFill rotWithShape="1">
-                <a:blip r:embed="rId19">
+                <a:blip r:embed="rId21">
                   <a:extLst>
                     <a:ext uri="{28A0092B-C50C-407E-A947-70E740481C1C}">
                       <a14:useLocalDpi xmlns:a14="http://schemas.microsoft.com/office/drawing/2010/main" val="0"/>
                     </a:ext>
                   </a:extLst>
                 </a:blip>
-                <a:srcRect l="52546" t="30470" r="3593" b="28219"/>
+                <a:srcRect l="24328" t="51671" r="27061" b="3537"/>
                 <a:stretch/>
               </p:blipFill>
               <p:spPr>
                 <a:xfrm>
-                  <a:off x="11464763" y="17977457"/>
-                  <a:ext cx="4630992" cy="1635727"/>
+                  <a:off x="19296715" y="16969560"/>
+                  <a:ext cx="1891432" cy="1742819"/>
                 </a:xfrm>
                 <a:prstGeom prst="rect">
                   <a:avLst/>
                 </a:prstGeom>
               </p:spPr>
             </p:pic>
+            <p:sp>
+              <p:nvSpPr>
+                <p:cNvPr id="182" name="TextBox 181">
+                  <a:extLst>
+                    <a:ext uri="{FF2B5EF4-FFF2-40B4-BE49-F238E27FC236}">
+                      <a16:creationId xmlns:a16="http://schemas.microsoft.com/office/drawing/2014/main" id="{6F6D16B6-FDE9-47C1-AB9E-D99FEBCF8B67}"/>
+                    </a:ext>
+                  </a:extLst>
+                </p:cNvPr>
+                <p:cNvSpPr txBox="1"/>
+                <p:nvPr/>
+              </p:nvSpPr>
+              <p:spPr>
+                <a:xfrm>
+                  <a:off x="18875346" y="16735470"/>
+                  <a:ext cx="1132264" cy="584775"/>
+                </a:xfrm>
+                <a:prstGeom prst="rect">
+                  <a:avLst/>
+                </a:prstGeom>
+                <a:noFill/>
+              </p:spPr>
+              <p:txBody>
+                <a:bodyPr wrap="square">
+                  <a:spAutoFit/>
+                </a:bodyPr>
+                <a:lstStyle/>
+                <a:p>
+                  <a:pPr algn="ctr"/>
+                  <a:r>
+                    <a:rPr lang="en-US" sz="3200" dirty="0">
+                      <a:solidFill>
+                        <a:schemeClr val="tx1"/>
+                      </a:solidFill>
+                      <a:latin typeface="Product Sans" panose="020B0403030502040203" pitchFamily="34" charset="0"/>
+                      <a:ea typeface="Open Sans" pitchFamily="2" charset="0"/>
+                      <a:cs typeface="Open Sans" pitchFamily="2" charset="0"/>
+                    </a:rPr>
+                    <a:t>L</a:t>
+                  </a:r>
+                  <a:endParaRPr lang="en-AU" sz="3200" dirty="0">
+                    <a:solidFill>
+                      <a:schemeClr val="tx1"/>
+                    </a:solidFill>
+                    <a:latin typeface="Product Sans" panose="020B0403030502040203" pitchFamily="34" charset="0"/>
+                    <a:ea typeface="Open Sans" pitchFamily="2" charset="0"/>
+                    <a:cs typeface="Open Sans" pitchFamily="2" charset="0"/>
+                  </a:endParaRPr>
+                </a:p>
+              </p:txBody>
+            </p:sp>
+            <p:sp>
+              <p:nvSpPr>
+                <p:cNvPr id="183" name="TextBox 182">
+                  <a:extLst>
+                    <a:ext uri="{FF2B5EF4-FFF2-40B4-BE49-F238E27FC236}">
+                      <a16:creationId xmlns:a16="http://schemas.microsoft.com/office/drawing/2014/main" id="{C5252A4C-A856-4310-AFA1-59074AAA8A89}"/>
+                    </a:ext>
+                  </a:extLst>
+                </p:cNvPr>
+                <p:cNvSpPr txBox="1"/>
+                <p:nvPr/>
+              </p:nvSpPr>
+              <p:spPr>
+                <a:xfrm>
+                  <a:off x="20470387" y="16723756"/>
+                  <a:ext cx="1132264" cy="584775"/>
+                </a:xfrm>
+                <a:prstGeom prst="rect">
+                  <a:avLst/>
+                </a:prstGeom>
+                <a:noFill/>
+              </p:spPr>
+              <p:txBody>
+                <a:bodyPr wrap="square">
+                  <a:spAutoFit/>
+                </a:bodyPr>
+                <a:lstStyle/>
+                <a:p>
+                  <a:pPr algn="ctr"/>
+                  <a:r>
+                    <a:rPr lang="en-US" sz="3200" dirty="0">
+                      <a:solidFill>
+                        <a:schemeClr val="tx1"/>
+                      </a:solidFill>
+                      <a:latin typeface="Product Sans" panose="020B0403030502040203" pitchFamily="34" charset="0"/>
+                      <a:ea typeface="Open Sans" pitchFamily="2" charset="0"/>
+                      <a:cs typeface="Open Sans" pitchFamily="2" charset="0"/>
+                    </a:rPr>
+                    <a:t>R</a:t>
+                  </a:r>
+                  <a:endParaRPr lang="en-AU" sz="3200" dirty="0">
+                    <a:solidFill>
+                      <a:schemeClr val="tx1"/>
+                    </a:solidFill>
+                    <a:latin typeface="Product Sans" panose="020B0403030502040203" pitchFamily="34" charset="0"/>
+                    <a:ea typeface="Open Sans" pitchFamily="2" charset="0"/>
+                    <a:cs typeface="Open Sans" pitchFamily="2" charset="0"/>
+                  </a:endParaRPr>
+                </a:p>
+              </p:txBody>
+            </p:sp>
+            <p:sp>
+              <p:nvSpPr>
+                <p:cNvPr id="172" name="TextBox 171">
+                  <a:extLst>
+                    <a:ext uri="{FF2B5EF4-FFF2-40B4-BE49-F238E27FC236}">
+                      <a16:creationId xmlns:a16="http://schemas.microsoft.com/office/drawing/2014/main" id="{2118D6EE-8060-4021-9255-DF32030BE521}"/>
+                    </a:ext>
+                  </a:extLst>
+                </p:cNvPr>
+                <p:cNvSpPr txBox="1"/>
+                <p:nvPr/>
+              </p:nvSpPr>
+              <p:spPr>
+                <a:xfrm>
+                  <a:off x="18875517" y="16737786"/>
+                  <a:ext cx="1132264" cy="584775"/>
+                </a:xfrm>
+                <a:prstGeom prst="rect">
+                  <a:avLst/>
+                </a:prstGeom>
+                <a:noFill/>
+              </p:spPr>
+              <p:txBody>
+                <a:bodyPr wrap="square">
+                  <a:spAutoFit/>
+                </a:bodyPr>
+                <a:lstStyle/>
+                <a:p>
+                  <a:pPr algn="ctr"/>
+                  <a:r>
+                    <a:rPr lang="en-US" sz="3200" dirty="0">
+                      <a:solidFill>
+                        <a:schemeClr val="tx1"/>
+                      </a:solidFill>
+                      <a:latin typeface="Product Sans" panose="020B0403030502040203" pitchFamily="34" charset="0"/>
+                      <a:ea typeface="Open Sans" pitchFamily="2" charset="0"/>
+                      <a:cs typeface="Open Sans" pitchFamily="2" charset="0"/>
+                    </a:rPr>
+                    <a:t>L</a:t>
+                  </a:r>
+                  <a:endParaRPr lang="en-AU" sz="3200" dirty="0">
+                    <a:solidFill>
+                      <a:schemeClr val="tx1"/>
+                    </a:solidFill>
+                    <a:latin typeface="Product Sans" panose="020B0403030502040203" pitchFamily="34" charset="0"/>
+                    <a:ea typeface="Open Sans" pitchFamily="2" charset="0"/>
+                    <a:cs typeface="Open Sans" pitchFamily="2" charset="0"/>
+                  </a:endParaRPr>
+                </a:p>
+              </p:txBody>
+            </p:sp>
           </p:grpSp>
           <p:sp>
             <p:nvSpPr>
-              <p:cNvPr id="167" name="TextBox 166">
+              <p:cNvPr id="173" name="TextBox 172">
                 <a:extLst>
                   <a:ext uri="{FF2B5EF4-FFF2-40B4-BE49-F238E27FC236}">
-                    <a16:creationId xmlns:a16="http://schemas.microsoft.com/office/drawing/2014/main" id="{4402DAD2-5C99-4DF2-8235-028361EDDBDB}"/>
+                    <a16:creationId xmlns:a16="http://schemas.microsoft.com/office/drawing/2014/main" id="{D0CF591A-8498-4309-A847-BAC40448126B}"/>
                   </a:ext>
                 </a:extLst>
               </p:cNvPr>
@@ -17457,8 +17796,8 @@
             </p:nvSpPr>
             <p:spPr>
               <a:xfrm>
-                <a:off x="13234729" y="17348182"/>
-                <a:ext cx="2453607" cy="584775"/>
+                <a:off x="15549400" y="19395502"/>
+                <a:ext cx="1132264" cy="461665"/>
               </a:xfrm>
               <a:prstGeom prst="rect">
                 <a:avLst/>
@@ -17473,7 +17812,7 @@
               <a:p>
                 <a:pPr algn="ctr"/>
                 <a:r>
-                  <a:rPr lang="en-US" sz="3200" dirty="0">
+                  <a:rPr lang="en-US" sz="2400" dirty="0">
                     <a:solidFill>
                       <a:schemeClr val="tx1"/>
                     </a:solidFill>
@@ -17481,9 +17820,9 @@
                     <a:ea typeface="Open Sans" pitchFamily="2" charset="0"/>
                     <a:cs typeface="Open Sans" pitchFamily="2" charset="0"/>
                   </a:rPr>
-                  <a:t>Left</a:t>
+                  <a:t>1</a:t>
                 </a:r>
-                <a:endParaRPr lang="en-AU" sz="3200" dirty="0">
+                <a:endParaRPr lang="en-AU" sz="2400" dirty="0">
                   <a:solidFill>
                     <a:schemeClr val="tx1"/>
                   </a:solidFill>
@@ -17496,10 +17835,10 @@
           </p:sp>
           <p:sp>
             <p:nvSpPr>
-              <p:cNvPr id="168" name="TextBox 167">
+              <p:cNvPr id="175" name="TextBox 174">
                 <a:extLst>
                   <a:ext uri="{FF2B5EF4-FFF2-40B4-BE49-F238E27FC236}">
-                    <a16:creationId xmlns:a16="http://schemas.microsoft.com/office/drawing/2014/main" id="{4EC6EBF7-CE47-4363-8D9D-76FD41AF005F}"/>
+                    <a16:creationId xmlns:a16="http://schemas.microsoft.com/office/drawing/2014/main" id="{5AE76A51-BDA6-4455-A242-97871B719FCD}"/>
                   </a:ext>
                 </a:extLst>
               </p:cNvPr>
@@ -17508,8 +17847,8 @@
             </p:nvSpPr>
             <p:spPr>
               <a:xfrm>
-                <a:off x="13270111" y="20380811"/>
-                <a:ext cx="2453607" cy="584775"/>
+                <a:off x="16265429" y="18861024"/>
+                <a:ext cx="1132264" cy="461665"/>
               </a:xfrm>
               <a:prstGeom prst="rect">
                 <a:avLst/>
@@ -17524,7 +17863,7 @@
               <a:p>
                 <a:pPr algn="ctr"/>
                 <a:r>
-                  <a:rPr lang="en-US" sz="3200" dirty="0">
+                  <a:rPr lang="en-US" sz="2400" dirty="0">
                     <a:solidFill>
                       <a:schemeClr val="tx1"/>
                     </a:solidFill>
@@ -17532,9 +17871,9 @@
                     <a:ea typeface="Open Sans" pitchFamily="2" charset="0"/>
                     <a:cs typeface="Open Sans" pitchFamily="2" charset="0"/>
                   </a:rPr>
-                  <a:t>Right</a:t>
+                  <a:t>2</a:t>
                 </a:r>
-                <a:endParaRPr lang="en-AU" sz="3200" dirty="0">
+                <a:endParaRPr lang="en-AU" sz="2400" dirty="0">
                   <a:solidFill>
                     <a:schemeClr val="tx1"/>
                   </a:solidFill>
@@ -17545,68 +17884,12 @@
               </a:p>
             </p:txBody>
           </p:sp>
-        </p:grpSp>
-        <p:grpSp>
-          <p:nvGrpSpPr>
-            <p:cNvPr id="1032" name="Group 1031">
-              <a:extLst>
-                <a:ext uri="{FF2B5EF4-FFF2-40B4-BE49-F238E27FC236}">
-                  <a16:creationId xmlns:a16="http://schemas.microsoft.com/office/drawing/2014/main" id="{D5A6C77D-5124-4F0B-BD34-C4A2B8C9ADC7}"/>
-                </a:ext>
-              </a:extLst>
-            </p:cNvPr>
-            <p:cNvGrpSpPr/>
-            <p:nvPr/>
-          </p:nvGrpSpPr>
-          <p:grpSpPr>
-            <a:xfrm>
-              <a:off x="18879202" y="18541030"/>
-              <a:ext cx="2727305" cy="1988623"/>
-              <a:chOff x="18875346" y="16723756"/>
-              <a:chExt cx="2727305" cy="1988623"/>
-            </a:xfrm>
-          </p:grpSpPr>
-          <p:pic>
-            <p:nvPicPr>
-              <p:cNvPr id="1039" name="Picture 1038">
+          <p:sp>
+            <p:nvSpPr>
+              <p:cNvPr id="179" name="TextBox 178">
                 <a:extLst>
                   <a:ext uri="{FF2B5EF4-FFF2-40B4-BE49-F238E27FC236}">
-                    <a16:creationId xmlns:a16="http://schemas.microsoft.com/office/drawing/2014/main" id="{EF54B3E2-E291-4604-B4C2-0582902DDD04}"/>
-                  </a:ext>
-                </a:extLst>
-              </p:cNvPr>
-              <p:cNvPicPr>
-                <a:picLocks noChangeAspect="1"/>
-              </p:cNvPicPr>
-              <p:nvPr/>
-            </p:nvPicPr>
-            <p:blipFill rotWithShape="1">
-              <a:blip r:embed="rId20">
-                <a:extLst>
-                  <a:ext uri="{28A0092B-C50C-407E-A947-70E740481C1C}">
-                    <a14:useLocalDpi xmlns:a14="http://schemas.microsoft.com/office/drawing/2010/main" val="0"/>
-                  </a:ext>
-                </a:extLst>
-              </a:blip>
-              <a:srcRect l="24328" t="51671" r="27061" b="3537"/>
-              <a:stretch/>
-            </p:blipFill>
-            <p:spPr>
-              <a:xfrm>
-                <a:off x="19296715" y="16969560"/>
-                <a:ext cx="1891432" cy="1742819"/>
-              </a:xfrm>
-              <a:prstGeom prst="rect">
-                <a:avLst/>
-              </a:prstGeom>
-            </p:spPr>
-          </p:pic>
-          <p:sp>
-            <p:nvSpPr>
-              <p:cNvPr id="182" name="TextBox 181">
-                <a:extLst>
-                  <a:ext uri="{FF2B5EF4-FFF2-40B4-BE49-F238E27FC236}">
-                    <a16:creationId xmlns:a16="http://schemas.microsoft.com/office/drawing/2014/main" id="{6F6D16B6-FDE9-47C1-AB9E-D99FEBCF8B67}"/>
+                    <a16:creationId xmlns:a16="http://schemas.microsoft.com/office/drawing/2014/main" id="{9C4E4B55-2FCA-4C69-BEC8-F7B4F19AC9B7}"/>
                   </a:ext>
                 </a:extLst>
               </p:cNvPr>
@@ -17615,8 +17898,8 @@
             </p:nvSpPr>
             <p:spPr>
               <a:xfrm>
-                <a:off x="18875346" y="16735470"/>
-                <a:ext cx="1132264" cy="584775"/>
+                <a:off x="16235045" y="20326938"/>
+                <a:ext cx="1132264" cy="461665"/>
               </a:xfrm>
               <a:prstGeom prst="rect">
                 <a:avLst/>
@@ -17631,7 +17914,7 @@
               <a:p>
                 <a:pPr algn="ctr"/>
                 <a:r>
-                  <a:rPr lang="en-US" sz="3200" dirty="0">
+                  <a:rPr lang="en-US" sz="2400" dirty="0">
                     <a:solidFill>
                       <a:schemeClr val="tx1"/>
                     </a:solidFill>
@@ -17639,9 +17922,9 @@
                     <a:ea typeface="Open Sans" pitchFamily="2" charset="0"/>
                     <a:cs typeface="Open Sans" pitchFamily="2" charset="0"/>
                   </a:rPr>
-                  <a:t>L</a:t>
+                  <a:t>3</a:t>
                 </a:r>
-                <a:endParaRPr lang="en-AU" sz="3200" dirty="0">
+                <a:endParaRPr lang="en-AU" sz="2400" dirty="0">
                   <a:solidFill>
                     <a:schemeClr val="tx1"/>
                   </a:solidFill>
@@ -17654,10 +17937,10 @@
           </p:sp>
           <p:sp>
             <p:nvSpPr>
-              <p:cNvPr id="183" name="TextBox 182">
+              <p:cNvPr id="180" name="TextBox 179">
                 <a:extLst>
                   <a:ext uri="{FF2B5EF4-FFF2-40B4-BE49-F238E27FC236}">
-                    <a16:creationId xmlns:a16="http://schemas.microsoft.com/office/drawing/2014/main" id="{C5252A4C-A856-4310-AFA1-59074AAA8A89}"/>
+                    <a16:creationId xmlns:a16="http://schemas.microsoft.com/office/drawing/2014/main" id="{19529A7F-C7E5-4F7E-B15A-D21BF211BEB4}"/>
                   </a:ext>
                 </a:extLst>
               </p:cNvPr>
@@ -17666,8 +17949,8 @@
             </p:nvSpPr>
             <p:spPr>
               <a:xfrm>
-                <a:off x="20470387" y="16723756"/>
-                <a:ext cx="1132264" cy="584775"/>
+                <a:off x="17235153" y="19587676"/>
+                <a:ext cx="1132264" cy="461665"/>
               </a:xfrm>
               <a:prstGeom prst="rect">
                 <a:avLst/>
@@ -17682,7 +17965,7 @@
               <a:p>
                 <a:pPr algn="ctr"/>
                 <a:r>
-                  <a:rPr lang="en-US" sz="3200" dirty="0">
+                  <a:rPr lang="en-US" sz="2400" dirty="0">
                     <a:solidFill>
                       <a:schemeClr val="tx1"/>
                     </a:solidFill>
@@ -17690,9 +17973,9 @@
                     <a:ea typeface="Open Sans" pitchFamily="2" charset="0"/>
                     <a:cs typeface="Open Sans" pitchFamily="2" charset="0"/>
                   </a:rPr>
-                  <a:t>R</a:t>
+                  <a:t>4</a:t>
                 </a:r>
-                <a:endParaRPr lang="en-AU" sz="3200" dirty="0">
+                <a:endParaRPr lang="en-AU" sz="2400" dirty="0">
                   <a:solidFill>
                     <a:schemeClr val="tx1"/>
                   </a:solidFill>
@@ -17705,10 +17988,10 @@
           </p:sp>
           <p:sp>
             <p:nvSpPr>
-              <p:cNvPr id="172" name="TextBox 171">
+              <p:cNvPr id="187" name="TextBox 186">
                 <a:extLst>
                   <a:ext uri="{FF2B5EF4-FFF2-40B4-BE49-F238E27FC236}">
-                    <a16:creationId xmlns:a16="http://schemas.microsoft.com/office/drawing/2014/main" id="{2118D6EE-8060-4021-9255-DF32030BE521}"/>
+                    <a16:creationId xmlns:a16="http://schemas.microsoft.com/office/drawing/2014/main" id="{8BB6F352-4F35-4753-9231-A2BE456847B4}"/>
                   </a:ext>
                 </a:extLst>
               </p:cNvPr>
@@ -17717,8 +18000,8 @@
             </p:nvSpPr>
             <p:spPr>
               <a:xfrm>
-                <a:off x="18875517" y="16737786"/>
-                <a:ext cx="1132264" cy="584775"/>
+                <a:off x="19814386" y="20268130"/>
+                <a:ext cx="1132264" cy="461665"/>
               </a:xfrm>
               <a:prstGeom prst="rect">
                 <a:avLst/>
@@ -17733,7 +18016,7 @@
               <a:p>
                 <a:pPr algn="ctr"/>
                 <a:r>
-                  <a:rPr lang="en-US" sz="3200" dirty="0">
+                  <a:rPr lang="en-US" sz="2400" dirty="0">
                     <a:solidFill>
                       <a:schemeClr val="tx1"/>
                     </a:solidFill>
@@ -17741,9 +18024,9 @@
                     <a:ea typeface="Open Sans" pitchFamily="2" charset="0"/>
                     <a:cs typeface="Open Sans" pitchFamily="2" charset="0"/>
                   </a:rPr>
-                  <a:t>L</a:t>
+                  <a:t>5</a:t>
                 </a:r>
-                <a:endParaRPr lang="en-AU" sz="3200" dirty="0">
+                <a:endParaRPr lang="en-AU" sz="2400" dirty="0">
                   <a:solidFill>
                     <a:schemeClr val="tx1"/>
                   </a:solidFill>
@@ -17755,312 +18038,6 @@
             </p:txBody>
           </p:sp>
         </p:grpSp>
-        <p:sp>
-          <p:nvSpPr>
-            <p:cNvPr id="173" name="TextBox 172">
-              <a:extLst>
-                <a:ext uri="{FF2B5EF4-FFF2-40B4-BE49-F238E27FC236}">
-                  <a16:creationId xmlns:a16="http://schemas.microsoft.com/office/drawing/2014/main" id="{D0CF591A-8498-4309-A847-BAC40448126B}"/>
-                </a:ext>
-              </a:extLst>
-            </p:cNvPr>
-            <p:cNvSpPr txBox="1"/>
-            <p:nvPr/>
-          </p:nvSpPr>
-          <p:spPr>
-            <a:xfrm>
-              <a:off x="15549400" y="19395502"/>
-              <a:ext cx="1132264" cy="461665"/>
-            </a:xfrm>
-            <a:prstGeom prst="rect">
-              <a:avLst/>
-            </a:prstGeom>
-            <a:noFill/>
-          </p:spPr>
-          <p:txBody>
-            <a:bodyPr wrap="square">
-              <a:spAutoFit/>
-            </a:bodyPr>
-            <a:lstStyle/>
-            <a:p>
-              <a:pPr algn="ctr"/>
-              <a:r>
-                <a:rPr lang="en-US" sz="2400" dirty="0">
-                  <a:solidFill>
-                    <a:schemeClr val="tx1"/>
-                  </a:solidFill>
-                  <a:latin typeface="Product Sans" panose="020B0403030502040203" pitchFamily="34" charset="0"/>
-                  <a:ea typeface="Open Sans" pitchFamily="2" charset="0"/>
-                  <a:cs typeface="Open Sans" pitchFamily="2" charset="0"/>
-                </a:rPr>
-                <a:t>1</a:t>
-              </a:r>
-              <a:endParaRPr lang="en-AU" sz="2400" dirty="0">
-                <a:solidFill>
-                  <a:schemeClr val="tx1"/>
-                </a:solidFill>
-                <a:latin typeface="Product Sans" panose="020B0403030502040203" pitchFamily="34" charset="0"/>
-                <a:ea typeface="Open Sans" pitchFamily="2" charset="0"/>
-                <a:cs typeface="Open Sans" pitchFamily="2" charset="0"/>
-              </a:endParaRPr>
-            </a:p>
-          </p:txBody>
-        </p:sp>
-        <p:sp>
-          <p:nvSpPr>
-            <p:cNvPr id="175" name="TextBox 174">
-              <a:extLst>
-                <a:ext uri="{FF2B5EF4-FFF2-40B4-BE49-F238E27FC236}">
-                  <a16:creationId xmlns:a16="http://schemas.microsoft.com/office/drawing/2014/main" id="{5AE76A51-BDA6-4455-A242-97871B719FCD}"/>
-                </a:ext>
-              </a:extLst>
-            </p:cNvPr>
-            <p:cNvSpPr txBox="1"/>
-            <p:nvPr/>
-          </p:nvSpPr>
-          <p:spPr>
-            <a:xfrm>
-              <a:off x="16265429" y="18861024"/>
-              <a:ext cx="1132264" cy="461665"/>
-            </a:xfrm>
-            <a:prstGeom prst="rect">
-              <a:avLst/>
-            </a:prstGeom>
-            <a:noFill/>
-          </p:spPr>
-          <p:txBody>
-            <a:bodyPr wrap="square">
-              <a:spAutoFit/>
-            </a:bodyPr>
-            <a:lstStyle/>
-            <a:p>
-              <a:pPr algn="ctr"/>
-              <a:r>
-                <a:rPr lang="en-US" sz="2400" dirty="0">
-                  <a:solidFill>
-                    <a:schemeClr val="tx1"/>
-                  </a:solidFill>
-                  <a:latin typeface="Product Sans" panose="020B0403030502040203" pitchFamily="34" charset="0"/>
-                  <a:ea typeface="Open Sans" pitchFamily="2" charset="0"/>
-                  <a:cs typeface="Open Sans" pitchFamily="2" charset="0"/>
-                </a:rPr>
-                <a:t>2</a:t>
-              </a:r>
-              <a:endParaRPr lang="en-AU" sz="2400" dirty="0">
-                <a:solidFill>
-                  <a:schemeClr val="tx1"/>
-                </a:solidFill>
-                <a:latin typeface="Product Sans" panose="020B0403030502040203" pitchFamily="34" charset="0"/>
-                <a:ea typeface="Open Sans" pitchFamily="2" charset="0"/>
-                <a:cs typeface="Open Sans" pitchFamily="2" charset="0"/>
-              </a:endParaRPr>
-            </a:p>
-          </p:txBody>
-        </p:sp>
-        <p:sp>
-          <p:nvSpPr>
-            <p:cNvPr id="179" name="TextBox 178">
-              <a:extLst>
-                <a:ext uri="{FF2B5EF4-FFF2-40B4-BE49-F238E27FC236}">
-                  <a16:creationId xmlns:a16="http://schemas.microsoft.com/office/drawing/2014/main" id="{9C4E4B55-2FCA-4C69-BEC8-F7B4F19AC9B7}"/>
-                </a:ext>
-              </a:extLst>
-            </p:cNvPr>
-            <p:cNvSpPr txBox="1"/>
-            <p:nvPr/>
-          </p:nvSpPr>
-          <p:spPr>
-            <a:xfrm>
-              <a:off x="16235045" y="20326938"/>
-              <a:ext cx="1132264" cy="461665"/>
-            </a:xfrm>
-            <a:prstGeom prst="rect">
-              <a:avLst/>
-            </a:prstGeom>
-            <a:noFill/>
-          </p:spPr>
-          <p:txBody>
-            <a:bodyPr wrap="square">
-              <a:spAutoFit/>
-            </a:bodyPr>
-            <a:lstStyle/>
-            <a:p>
-              <a:pPr algn="ctr"/>
-              <a:r>
-                <a:rPr lang="en-US" sz="2400" dirty="0">
-                  <a:solidFill>
-                    <a:schemeClr val="tx1"/>
-                  </a:solidFill>
-                  <a:latin typeface="Product Sans" panose="020B0403030502040203" pitchFamily="34" charset="0"/>
-                  <a:ea typeface="Open Sans" pitchFamily="2" charset="0"/>
-                  <a:cs typeface="Open Sans" pitchFamily="2" charset="0"/>
-                </a:rPr>
-                <a:t>3</a:t>
-              </a:r>
-              <a:endParaRPr lang="en-AU" sz="2400" dirty="0">
-                <a:solidFill>
-                  <a:schemeClr val="tx1"/>
-                </a:solidFill>
-                <a:latin typeface="Product Sans" panose="020B0403030502040203" pitchFamily="34" charset="0"/>
-                <a:ea typeface="Open Sans" pitchFamily="2" charset="0"/>
-                <a:cs typeface="Open Sans" pitchFamily="2" charset="0"/>
-              </a:endParaRPr>
-            </a:p>
-          </p:txBody>
-        </p:sp>
-        <p:sp>
-          <p:nvSpPr>
-            <p:cNvPr id="180" name="TextBox 179">
-              <a:extLst>
-                <a:ext uri="{FF2B5EF4-FFF2-40B4-BE49-F238E27FC236}">
-                  <a16:creationId xmlns:a16="http://schemas.microsoft.com/office/drawing/2014/main" id="{19529A7F-C7E5-4F7E-B15A-D21BF211BEB4}"/>
-                </a:ext>
-              </a:extLst>
-            </p:cNvPr>
-            <p:cNvSpPr txBox="1"/>
-            <p:nvPr/>
-          </p:nvSpPr>
-          <p:spPr>
-            <a:xfrm>
-              <a:off x="17235153" y="19587676"/>
-              <a:ext cx="1132264" cy="461665"/>
-            </a:xfrm>
-            <a:prstGeom prst="rect">
-              <a:avLst/>
-            </a:prstGeom>
-            <a:noFill/>
-          </p:spPr>
-          <p:txBody>
-            <a:bodyPr wrap="square">
-              <a:spAutoFit/>
-            </a:bodyPr>
-            <a:lstStyle/>
-            <a:p>
-              <a:pPr algn="ctr"/>
-              <a:r>
-                <a:rPr lang="en-US" sz="2400" dirty="0">
-                  <a:solidFill>
-                    <a:schemeClr val="tx1"/>
-                  </a:solidFill>
-                  <a:latin typeface="Product Sans" panose="020B0403030502040203" pitchFamily="34" charset="0"/>
-                  <a:ea typeface="Open Sans" pitchFamily="2" charset="0"/>
-                  <a:cs typeface="Open Sans" pitchFamily="2" charset="0"/>
-                </a:rPr>
-                <a:t>4</a:t>
-              </a:r>
-              <a:endParaRPr lang="en-AU" sz="2400" dirty="0">
-                <a:solidFill>
-                  <a:schemeClr val="tx1"/>
-                </a:solidFill>
-                <a:latin typeface="Product Sans" panose="020B0403030502040203" pitchFamily="34" charset="0"/>
-                <a:ea typeface="Open Sans" pitchFamily="2" charset="0"/>
-                <a:cs typeface="Open Sans" pitchFamily="2" charset="0"/>
-              </a:endParaRPr>
-            </a:p>
-          </p:txBody>
-        </p:sp>
-        <p:sp>
-          <p:nvSpPr>
-            <p:cNvPr id="181" name="TextBox 180">
-              <a:extLst>
-                <a:ext uri="{FF2B5EF4-FFF2-40B4-BE49-F238E27FC236}">
-                  <a16:creationId xmlns:a16="http://schemas.microsoft.com/office/drawing/2014/main" id="{6186B80A-480E-4D14-82FE-827BC7FA86D8}"/>
-                </a:ext>
-              </a:extLst>
-            </p:cNvPr>
-            <p:cNvSpPr txBox="1"/>
-            <p:nvPr/>
-          </p:nvSpPr>
-          <p:spPr>
-            <a:xfrm>
-              <a:off x="17806576" y="21084062"/>
-              <a:ext cx="1132264" cy="461665"/>
-            </a:xfrm>
-            <a:prstGeom prst="rect">
-              <a:avLst/>
-            </a:prstGeom>
-            <a:noFill/>
-          </p:spPr>
-          <p:txBody>
-            <a:bodyPr wrap="square">
-              <a:spAutoFit/>
-            </a:bodyPr>
-            <a:lstStyle/>
-            <a:p>
-              <a:pPr algn="ctr"/>
-              <a:r>
-                <a:rPr lang="en-US" sz="2400" dirty="0">
-                  <a:solidFill>
-                    <a:schemeClr val="tx1"/>
-                  </a:solidFill>
-                  <a:latin typeface="Product Sans" panose="020B0403030502040203" pitchFamily="34" charset="0"/>
-                  <a:ea typeface="Open Sans" pitchFamily="2" charset="0"/>
-                  <a:cs typeface="Open Sans" pitchFamily="2" charset="0"/>
-                </a:rPr>
-                <a:t>5</a:t>
-              </a:r>
-              <a:endParaRPr lang="en-AU" sz="2400" dirty="0">
-                <a:solidFill>
-                  <a:schemeClr val="tx1"/>
-                </a:solidFill>
-                <a:latin typeface="Product Sans" panose="020B0403030502040203" pitchFamily="34" charset="0"/>
-                <a:ea typeface="Open Sans" pitchFamily="2" charset="0"/>
-                <a:cs typeface="Open Sans" pitchFamily="2" charset="0"/>
-              </a:endParaRPr>
-            </a:p>
-          </p:txBody>
-        </p:sp>
-        <p:sp>
-          <p:nvSpPr>
-            <p:cNvPr id="187" name="TextBox 186">
-              <a:extLst>
-                <a:ext uri="{FF2B5EF4-FFF2-40B4-BE49-F238E27FC236}">
-                  <a16:creationId xmlns:a16="http://schemas.microsoft.com/office/drawing/2014/main" id="{8BB6F352-4F35-4753-9231-A2BE456847B4}"/>
-                </a:ext>
-              </a:extLst>
-            </p:cNvPr>
-            <p:cNvSpPr txBox="1"/>
-            <p:nvPr/>
-          </p:nvSpPr>
-          <p:spPr>
-            <a:xfrm>
-              <a:off x="19814386" y="20268130"/>
-              <a:ext cx="1132264" cy="461665"/>
-            </a:xfrm>
-            <a:prstGeom prst="rect">
-              <a:avLst/>
-            </a:prstGeom>
-            <a:noFill/>
-          </p:spPr>
-          <p:txBody>
-            <a:bodyPr wrap="square">
-              <a:spAutoFit/>
-            </a:bodyPr>
-            <a:lstStyle/>
-            <a:p>
-              <a:pPr algn="ctr"/>
-              <a:r>
-                <a:rPr lang="en-US" sz="2400" dirty="0">
-                  <a:solidFill>
-                    <a:schemeClr val="tx1"/>
-                  </a:solidFill>
-                  <a:latin typeface="Product Sans" panose="020B0403030502040203" pitchFamily="34" charset="0"/>
-                  <a:ea typeface="Open Sans" pitchFamily="2" charset="0"/>
-                  <a:cs typeface="Open Sans" pitchFamily="2" charset="0"/>
-                </a:rPr>
-                <a:t>6</a:t>
-              </a:r>
-              <a:endParaRPr lang="en-AU" sz="2400" dirty="0">
-                <a:solidFill>
-                  <a:schemeClr val="tx1"/>
-                </a:solidFill>
-                <a:latin typeface="Product Sans" panose="020B0403030502040203" pitchFamily="34" charset="0"/>
-                <a:ea typeface="Open Sans" pitchFamily="2" charset="0"/>
-                <a:cs typeface="Open Sans" pitchFamily="2" charset="0"/>
-              </a:endParaRPr>
-            </a:p>
-          </p:txBody>
-        </p:sp>
       </p:grpSp>
       <p:grpSp>
         <p:nvGrpSpPr>
@@ -18076,10 +18053,10 @@
         </p:nvGrpSpPr>
         <p:grpSpPr>
           <a:xfrm>
-            <a:off x="14067214" y="23738248"/>
-            <a:ext cx="7683086" cy="1924734"/>
+            <a:off x="14066813" y="23641474"/>
+            <a:ext cx="7683086" cy="1585239"/>
             <a:chOff x="14067213" y="22596974"/>
-            <a:chExt cx="7683086" cy="1924734"/>
+            <a:chExt cx="7683086" cy="1585239"/>
           </a:xfrm>
         </p:grpSpPr>
         <p:sp>
@@ -18131,77 +18108,6 @@
             </a:p>
           </p:txBody>
         </p:sp>
-        <p:pic>
-          <p:nvPicPr>
-            <p:cNvPr id="23" name="Picture 2">
-              <a:extLst>
-                <a:ext uri="{FF2B5EF4-FFF2-40B4-BE49-F238E27FC236}">
-                  <a16:creationId xmlns:a16="http://schemas.microsoft.com/office/drawing/2014/main" id="{CF774EBE-50F0-4F92-9CD3-77FA63F1002F}"/>
-                </a:ext>
-              </a:extLst>
-            </p:cNvPr>
-            <p:cNvPicPr>
-              <a:picLocks noChangeAspect="1" noChangeArrowheads="1"/>
-            </p:cNvPicPr>
-            <p:nvPr/>
-          </p:nvPicPr>
-          <p:blipFill rotWithShape="1">
-            <a:blip r:embed="rId21">
-              <a:duotone>
-                <a:schemeClr val="accent6">
-                  <a:shade val="45000"/>
-                  <a:satMod val="135000"/>
-                </a:schemeClr>
-                <a:prstClr val="white"/>
-              </a:duotone>
-              <a:extLst>
-                <a:ext uri="{BEBA8EAE-BF5A-486C-A8C5-ECC9F3942E4B}">
-                  <a14:imgProps xmlns:a14="http://schemas.microsoft.com/office/drawing/2010/main">
-                    <a14:imgLayer r:embed="rId22">
-                      <a14:imgEffect>
-                        <a14:backgroundRemoval t="23698" b="66146" l="22355" r="52161">
-                          <a14:foregroundMark x1="23621" y1="37500" x2="23621" y2="38802"/>
-                          <a14:foregroundMark x1="22429" y1="38802" x2="22504" y2="39323"/>
-                          <a14:foregroundMark x1="39344" y1="66146" x2="39344" y2="66146"/>
-                          <a14:foregroundMark x1="39344" y1="66146" x2="39344" y2="66146"/>
-                          <a14:foregroundMark x1="49627" y1="38021" x2="49702" y2="38021"/>
-                          <a14:foregroundMark x1="50969" y1="36979" x2="50969" y2="36979"/>
-                          <a14:foregroundMark x1="52161" y1="34896" x2="52161" y2="35156"/>
-                          <a14:backgroundMark x1="35991" y1="35677" x2="35991" y2="35677"/>
-                          <a14:backgroundMark x1="40462" y1="54167" x2="40462" y2="54427"/>
-                        </a14:backgroundRemoval>
-                      </a14:imgEffect>
-                    </a14:imgLayer>
-                  </a14:imgProps>
-                </a:ext>
-                <a:ext uri="{28A0092B-C50C-407E-A947-70E740481C1C}">
-                  <a14:useLocalDpi xmlns:a14="http://schemas.microsoft.com/office/drawing/2010/main" val="0"/>
-                </a:ext>
-              </a:extLst>
-            </a:blip>
-            <a:srcRect l="22370" t="18878" r="47016" b="28869"/>
-            <a:stretch/>
-          </p:blipFill>
-          <p:spPr bwMode="auto">
-            <a:xfrm>
-              <a:off x="14187434" y="23146461"/>
-              <a:ext cx="3127902" cy="1375247"/>
-            </a:xfrm>
-            <a:prstGeom prst="rect">
-              <a:avLst/>
-            </a:prstGeom>
-            <a:noFill/>
-            <a:extLst>
-              <a:ext uri="{909E8E84-426E-40DD-AFC4-6F175D3DCCD1}">
-                <a14:hiddenFill xmlns:a14="http://schemas.microsoft.com/office/drawing/2010/main">
-                  <a:solidFill>
-                    <a:srgbClr val="FFFFFF"/>
-                  </a:solidFill>
-                </a14:hiddenFill>
-              </a:ext>
-            </a:extLst>
-          </p:spPr>
-        </p:pic>
         <p:sp>
           <p:nvSpPr>
             <p:cNvPr id="195" name="TextBox 194">
@@ -18216,8 +18122,8 @@
           </p:nvSpPr>
           <p:spPr>
             <a:xfrm>
-              <a:off x="17522061" y="23122090"/>
-              <a:ext cx="4228238" cy="1384995"/>
+              <a:off x="17522061" y="23228106"/>
+              <a:ext cx="4228238" cy="954107"/>
             </a:xfrm>
             <a:prstGeom prst="rect">
               <a:avLst/>
@@ -18231,6 +18137,17 @@
             <a:lstStyle/>
             <a:p>
               <a:r>
+                <a:rPr lang="en-US" sz="2800" b="1" dirty="0" err="1">
+                  <a:solidFill>
+                    <a:schemeClr val="tx1"/>
+                  </a:solidFill>
+                  <a:latin typeface="Product Sans" panose="020B0403030502040203" pitchFamily="34" charset="0"/>
+                  <a:ea typeface="Open Sans" pitchFamily="2" charset="0"/>
+                  <a:cs typeface="Open Sans" pitchFamily="2" charset="0"/>
+                </a:rPr>
+                <a:t>Automutual</a:t>
+              </a:r>
+              <a:r>
                 <a:rPr lang="en-US" sz="2800" b="1" dirty="0">
                   <a:solidFill>
                     <a:schemeClr val="tx1"/>
@@ -18239,7 +18156,7 @@
                   <a:ea typeface="Open Sans" pitchFamily="2" charset="0"/>
                   <a:cs typeface="Open Sans" pitchFamily="2" charset="0"/>
                 </a:rPr>
-                <a:t>Nonlinear autocorrelation function </a:t>
+                <a:t> information </a:t>
               </a:r>
               <a:r>
                 <a:rPr lang="en-US" sz="2800" dirty="0">
@@ -18250,7 +18167,7 @@
                   <a:ea typeface="Open Sans" pitchFamily="2" charset="0"/>
                   <a:cs typeface="Open Sans" pitchFamily="2" charset="0"/>
                 </a:rPr>
-                <a:t>with bins of 5 at lag </a:t>
+                <a:t>with 5 bins at lag </a:t>
               </a:r>
               <a:r>
                 <a:rPr lang="el-GR" sz="2800" dirty="0">
@@ -18289,8 +18206,8 @@
         </p:nvSpPr>
         <p:spPr>
           <a:xfrm>
-            <a:off x="13839707" y="30752957"/>
-            <a:ext cx="8098603" cy="2235470"/>
+            <a:off x="13839707" y="28131672"/>
+            <a:ext cx="8098603" cy="4856755"/>
           </a:xfrm>
           <a:prstGeom prst="rect">
             <a:avLst/>
@@ -18341,8 +18258,8 @@
         </p:nvSpPr>
         <p:spPr>
           <a:xfrm>
-            <a:off x="13839707" y="22918105"/>
-            <a:ext cx="8098603" cy="7576721"/>
+            <a:off x="13839707" y="22913528"/>
+            <a:ext cx="8098603" cy="4913566"/>
           </a:xfrm>
           <a:prstGeom prst="rect">
             <a:avLst/>
@@ -18431,230 +18348,6 @@
           </a:p>
         </p:txBody>
       </p:sp>
-      <p:pic>
-        <p:nvPicPr>
-          <p:cNvPr id="33" name="Picture 6" descr="Monash University">
-            <a:extLst>
-              <a:ext uri="{FF2B5EF4-FFF2-40B4-BE49-F238E27FC236}">
-                <a16:creationId xmlns:a16="http://schemas.microsoft.com/office/drawing/2014/main" id="{6759E892-B286-4824-BBC2-A2744C2BC6F1}"/>
-              </a:ext>
-            </a:extLst>
-          </p:cNvPr>
-          <p:cNvPicPr>
-            <a:picLocks noChangeAspect="1" noChangeArrowheads="1"/>
-          </p:cNvPicPr>
-          <p:nvPr/>
-        </p:nvPicPr>
-        <p:blipFill>
-          <a:blip r:embed="rId23">
-            <a:extLst>
-              <a:ext uri="{28A0092B-C50C-407E-A947-70E740481C1C}">
-                <a14:useLocalDpi xmlns:a14="http://schemas.microsoft.com/office/drawing/2010/main" val="0"/>
-              </a:ext>
-            </a:extLst>
-          </a:blip>
-          <a:srcRect/>
-          <a:stretch>
-            <a:fillRect/>
-          </a:stretch>
-        </p:blipFill>
-        <p:spPr bwMode="auto">
-          <a:xfrm>
-            <a:off x="24857777" y="1313203"/>
-            <a:ext cx="3510212" cy="1020982"/>
-          </a:xfrm>
-          <a:prstGeom prst="rect">
-            <a:avLst/>
-          </a:prstGeom>
-          <a:noFill/>
-          <a:extLst>
-            <a:ext uri="{909E8E84-426E-40DD-AFC4-6F175D3DCCD1}">
-              <a14:hiddenFill xmlns:a14="http://schemas.microsoft.com/office/drawing/2010/main">
-                <a:solidFill>
-                  <a:srgbClr val="FFFFFF"/>
-                </a:solidFill>
-              </a14:hiddenFill>
-            </a:ext>
-          </a:extLst>
-        </p:spPr>
-      </p:pic>
-      <p:grpSp>
-        <p:nvGrpSpPr>
-          <p:cNvPr id="53" name="Group 52">
-            <a:extLst>
-              <a:ext uri="{FF2B5EF4-FFF2-40B4-BE49-F238E27FC236}">
-                <a16:creationId xmlns:a16="http://schemas.microsoft.com/office/drawing/2014/main" id="{5B49C1B4-C00C-444B-8405-35A07BC353BF}"/>
-              </a:ext>
-            </a:extLst>
-          </p:cNvPr>
-          <p:cNvGrpSpPr/>
-          <p:nvPr/>
-        </p:nvGrpSpPr>
-        <p:grpSpPr>
-          <a:xfrm>
-            <a:off x="14168452" y="25970307"/>
-            <a:ext cx="7609713" cy="1941592"/>
-            <a:chOff x="14168451" y="24354092"/>
-            <a:chExt cx="7609713" cy="1941592"/>
-          </a:xfrm>
-        </p:grpSpPr>
-        <p:sp>
-          <p:nvSpPr>
-            <p:cNvPr id="267" name="TextBox 266">
-              <a:extLst>
-                <a:ext uri="{FF2B5EF4-FFF2-40B4-BE49-F238E27FC236}">
-                  <a16:creationId xmlns:a16="http://schemas.microsoft.com/office/drawing/2014/main" id="{C8BD7439-B12D-4F92-AC10-ACADCDE2C0A7}"/>
-                </a:ext>
-              </a:extLst>
-            </p:cNvPr>
-            <p:cNvSpPr txBox="1"/>
-            <p:nvPr/>
-          </p:nvSpPr>
-          <p:spPr>
-            <a:xfrm>
-              <a:off x="14168451" y="24354092"/>
-              <a:ext cx="4615108" cy="523220"/>
-            </a:xfrm>
-            <a:prstGeom prst="rect">
-              <a:avLst/>
-            </a:prstGeom>
-            <a:noFill/>
-          </p:spPr>
-          <p:txBody>
-            <a:bodyPr wrap="square">
-              <a:spAutoFit/>
-            </a:bodyPr>
-            <a:lstStyle/>
-            <a:p>
-              <a:r>
-                <a:rPr lang="en-US" sz="2800" u="sng" dirty="0">
-                  <a:solidFill>
-                    <a:schemeClr val="tx1"/>
-                  </a:solidFill>
-                  <a:latin typeface="Product Sans" panose="020B0403030502040203" pitchFamily="34" charset="0"/>
-                  <a:ea typeface="Open Sans" pitchFamily="2" charset="0"/>
-                  <a:cs typeface="Open Sans" pitchFamily="2" charset="0"/>
-                </a:rPr>
-                <a:t>PD_PeriodicityWang_th0_01</a:t>
-              </a:r>
-            </a:p>
-          </p:txBody>
-        </p:sp>
-        <p:pic>
-          <p:nvPicPr>
-            <p:cNvPr id="268" name="Picture 267" descr="Text&#10;&#10;Description automatically generated with low confidence">
-              <a:extLst>
-                <a:ext uri="{FF2B5EF4-FFF2-40B4-BE49-F238E27FC236}">
-                  <a16:creationId xmlns:a16="http://schemas.microsoft.com/office/drawing/2014/main" id="{ADC834DE-26B6-416E-AAB6-09FC9BEF27DD}"/>
-                </a:ext>
-              </a:extLst>
-            </p:cNvPr>
-            <p:cNvPicPr>
-              <a:picLocks noChangeAspect="1"/>
-            </p:cNvPicPr>
-            <p:nvPr/>
-          </p:nvPicPr>
-          <p:blipFill>
-            <a:blip r:embed="rId24">
-              <a:duotone>
-                <a:schemeClr val="accent2">
-                  <a:shade val="45000"/>
-                  <a:satMod val="135000"/>
-                </a:schemeClr>
-                <a:prstClr val="white"/>
-              </a:duotone>
-              <a:extLst>
-                <a:ext uri="{28A0092B-C50C-407E-A947-70E740481C1C}">
-                  <a14:useLocalDpi xmlns:a14="http://schemas.microsoft.com/office/drawing/2010/main" val="0"/>
-                </a:ext>
-              </a:extLst>
-            </a:blip>
-            <a:stretch>
-              <a:fillRect/>
-            </a:stretch>
-          </p:blipFill>
-          <p:spPr>
-            <a:xfrm>
-              <a:off x="14270700" y="25016522"/>
-              <a:ext cx="2889398" cy="1204226"/>
-            </a:xfrm>
-            <a:prstGeom prst="rect">
-              <a:avLst/>
-            </a:prstGeom>
-          </p:spPr>
-        </p:pic>
-        <p:sp>
-          <p:nvSpPr>
-            <p:cNvPr id="269" name="TextBox 268">
-              <a:extLst>
-                <a:ext uri="{FF2B5EF4-FFF2-40B4-BE49-F238E27FC236}">
-                  <a16:creationId xmlns:a16="http://schemas.microsoft.com/office/drawing/2014/main" id="{615C5685-AA12-4B3F-8963-D02B8554ED44}"/>
-                </a:ext>
-              </a:extLst>
-            </p:cNvPr>
-            <p:cNvSpPr txBox="1"/>
-            <p:nvPr/>
-          </p:nvSpPr>
-          <p:spPr>
-            <a:xfrm>
-              <a:off x="17549926" y="24910689"/>
-              <a:ext cx="4228238" cy="1384995"/>
-            </a:xfrm>
-            <a:prstGeom prst="rect">
-              <a:avLst/>
-            </a:prstGeom>
-            <a:noFill/>
-          </p:spPr>
-          <p:txBody>
-            <a:bodyPr wrap="square">
-              <a:spAutoFit/>
-            </a:bodyPr>
-            <a:lstStyle/>
-            <a:p>
-              <a:r>
-                <a:rPr lang="en-US" sz="2800" b="1" dirty="0">
-                  <a:latin typeface="Product Sans" panose="020B0403030502040203" pitchFamily="34" charset="0"/>
-                  <a:ea typeface="Open Sans" pitchFamily="2" charset="0"/>
-                  <a:cs typeface="Open Sans" pitchFamily="2" charset="0"/>
-                </a:rPr>
-                <a:t>Periodicity measure </a:t>
-              </a:r>
-              <a:r>
-                <a:rPr lang="en-US" sz="2800" dirty="0">
-                  <a:latin typeface="Product Sans" panose="020B0403030502040203" pitchFamily="34" charset="0"/>
-                  <a:ea typeface="Open Sans" pitchFamily="2" charset="0"/>
-                  <a:cs typeface="Open Sans" pitchFamily="2" charset="0"/>
-                </a:rPr>
-                <a:t>that is higher with </a:t>
-              </a:r>
-              <a:r>
-                <a:rPr lang="en-US" sz="2800" b="1" dirty="0">
-                  <a:latin typeface="Product Sans" panose="020B0403030502040203" pitchFamily="34" charset="0"/>
-                  <a:ea typeface="Open Sans" pitchFamily="2" charset="0"/>
-                  <a:cs typeface="Open Sans" pitchFamily="2" charset="0"/>
-                </a:rPr>
-                <a:t>slow-varying</a:t>
-              </a:r>
-              <a:r>
-                <a:rPr lang="en-US" sz="2800" dirty="0">
-                  <a:latin typeface="Product Sans" panose="020B0403030502040203" pitchFamily="34" charset="0"/>
-                  <a:ea typeface="Open Sans" pitchFamily="2" charset="0"/>
-                  <a:cs typeface="Open Sans" pitchFamily="2" charset="0"/>
-                </a:rPr>
-                <a:t> time series</a:t>
-              </a:r>
-              <a:endParaRPr lang="en-US" sz="2800" dirty="0">
-                <a:solidFill>
-                  <a:schemeClr val="tx1"/>
-                </a:solidFill>
-                <a:latin typeface="Product Sans" panose="020B0403030502040203" pitchFamily="34" charset="0"/>
-                <a:ea typeface="Open Sans" pitchFamily="2" charset="0"/>
-                <a:cs typeface="Open Sans" pitchFamily="2" charset="0"/>
-              </a:endParaRPr>
-            </a:p>
-          </p:txBody>
-        </p:sp>
-      </p:grpSp>
       <p:sp>
         <p:nvSpPr>
           <p:cNvPr id="270" name="TextBox 269">
@@ -18670,7 +18363,7 @@
         <p:spPr>
           <a:xfrm>
             <a:off x="14063503" y="23039353"/>
-            <a:ext cx="15140762" cy="523220"/>
+            <a:ext cx="7570486" cy="523220"/>
           </a:xfrm>
           <a:prstGeom prst="rect">
             <a:avLst/>
@@ -18689,7 +18382,7 @@
                 <a:ea typeface="Open Sans" pitchFamily="2" charset="0"/>
                 <a:cs typeface="Open Sans" pitchFamily="2" charset="0"/>
               </a:rPr>
-              <a:t>3/2</a:t>
+              <a:t>2/2</a:t>
             </a:r>
             <a:r>
               <a:rPr lang="en-US" sz="2800" b="1" dirty="0">
@@ -18731,9 +18424,9 @@
         </p:nvGrpSpPr>
         <p:grpSpPr>
           <a:xfrm>
-            <a:off x="13942246" y="28242440"/>
+            <a:off x="13942246" y="25575440"/>
             <a:ext cx="7835919" cy="2011061"/>
-            <a:chOff x="13942245" y="26984185"/>
+            <a:chOff x="13942245" y="24412435"/>
             <a:chExt cx="7835919" cy="2011061"/>
           </a:xfrm>
         </p:grpSpPr>
@@ -18751,10 +18444,10 @@
           </p:nvGrpSpPr>
           <p:grpSpPr>
             <a:xfrm>
-              <a:off x="14170159" y="26984185"/>
-              <a:ext cx="7608005" cy="2008792"/>
-              <a:chOff x="14170159" y="26405504"/>
-              <a:chExt cx="7608005" cy="2008792"/>
+              <a:off x="14170159" y="24412435"/>
+              <a:ext cx="7608005" cy="1955955"/>
+              <a:chOff x="14170159" y="23833754"/>
+              <a:chExt cx="7608005" cy="1955955"/>
             </a:xfrm>
           </p:grpSpPr>
           <p:sp>
@@ -18771,7 +18464,7 @@
             </p:nvSpPr>
             <p:spPr>
               <a:xfrm>
-                <a:off x="14170159" y="26405504"/>
+                <a:off x="14170159" y="23833754"/>
                 <a:ext cx="6490591" cy="523220"/>
               </a:xfrm>
               <a:prstGeom prst="rect">
@@ -18821,8 +18514,8 @@
             </p:nvSpPr>
             <p:spPr>
               <a:xfrm>
-                <a:off x="17549926" y="27029301"/>
-                <a:ext cx="4228238" cy="1384995"/>
+                <a:off x="17549926" y="24696087"/>
+                <a:ext cx="4228238" cy="954107"/>
               </a:xfrm>
               <a:prstGeom prst="rect">
                 <a:avLst/>
@@ -18849,7 +18542,7 @@
                     <a:ea typeface="Open Sans" pitchFamily="2" charset="0"/>
                     <a:cs typeface="Open Sans" pitchFamily="2" charset="0"/>
                   </a:rPr>
-                  <a:t> of the Welch-estimated </a:t>
+                  <a:t> of the </a:t>
                 </a:r>
                 <a:r>
                   <a:rPr lang="en-US" sz="2800" b="1" dirty="0">
@@ -18885,7 +18578,7 @@
               <p:nvPr/>
             </p:nvPicPr>
             <p:blipFill rotWithShape="1">
-              <a:blip r:embed="rId25">
+              <a:blip r:embed="rId22">
                 <a:duotone>
                   <a:schemeClr val="accent1">
                     <a:shade val="45000"/>
@@ -18896,7 +18589,7 @@
                 <a:extLst>
                   <a:ext uri="{BEBA8EAE-BF5A-486C-A8C5-ECC9F3942E4B}">
                     <a14:imgProps xmlns:a14="http://schemas.microsoft.com/office/drawing/2010/main">
-                      <a14:imgLayer r:embed="rId26">
+                      <a14:imgLayer r:embed="rId23">
                         <a14:imgEffect>
                           <a14:backgroundRemoval t="8097" b="37074" l="36194" r="95821">
                             <a14:foregroundMark x1="95746" y1="19886" x2="95821" y2="20739"/>
@@ -18918,7 +18611,7 @@
             </p:blipFill>
             <p:spPr bwMode="auto">
               <a:xfrm>
-                <a:off x="15000549" y="27098254"/>
+                <a:off x="15000549" y="24526504"/>
                 <a:ext cx="2432373" cy="663102"/>
               </a:xfrm>
               <a:prstGeom prst="rect">
@@ -18951,7 +18644,7 @@
               <p:nvPr/>
             </p:nvPicPr>
             <p:blipFill rotWithShape="1">
-              <a:blip r:embed="rId27">
+              <a:blip r:embed="rId24">
                 <a:duotone>
                   <a:schemeClr val="accent1">
                     <a:shade val="45000"/>
@@ -18962,7 +18655,7 @@
                 <a:extLst>
                   <a:ext uri="{BEBA8EAE-BF5A-486C-A8C5-ECC9F3942E4B}">
                     <a14:imgProps xmlns:a14="http://schemas.microsoft.com/office/drawing/2010/main">
-                      <a14:imgLayer r:embed="rId26">
+                      <a14:imgLayer r:embed="rId23">
                         <a14:imgEffect>
                           <a14:backgroundRemoval t="62074" b="88636" l="40821" r="90224">
                             <a14:foregroundMark x1="80373" y1="82955" x2="80000" y2="86080"/>
@@ -18990,7 +18683,7 @@
             </p:blipFill>
             <p:spPr bwMode="auto">
               <a:xfrm>
-                <a:off x="14986175" y="27711940"/>
+                <a:off x="14986175" y="25140190"/>
                 <a:ext cx="2398511" cy="649519"/>
               </a:xfrm>
               <a:prstGeom prst="rect">
@@ -19022,7 +18715,7 @@
             </p:nvSpPr>
             <p:spPr>
               <a:xfrm>
-                <a:off x="16688145" y="28208570"/>
+                <a:off x="16688145" y="25636820"/>
                 <a:ext cx="120802" cy="123068"/>
               </a:xfrm>
               <a:prstGeom prst="ellipse">
@@ -19075,7 +18768,7 @@
           </p:nvSpPr>
           <p:spPr>
             <a:xfrm>
-              <a:off x="13942245" y="27712566"/>
+              <a:off x="13942245" y="25140816"/>
               <a:ext cx="1132264" cy="523220"/>
             </a:xfrm>
             <a:prstGeom prst="rect">
@@ -19126,7 +18819,7 @@
           </p:nvSpPr>
           <p:spPr>
             <a:xfrm>
-              <a:off x="14000184" y="28472026"/>
+              <a:off x="14000184" y="25900276"/>
               <a:ext cx="1132264" cy="523220"/>
             </a:xfrm>
             <a:prstGeom prst="rect">
@@ -19179,7 +18872,7 @@
           </p:nvCxnSpPr>
           <p:spPr>
             <a:xfrm flipH="1">
-              <a:off x="16831466" y="28431874"/>
+              <a:off x="16831466" y="25860124"/>
               <a:ext cx="708363" cy="267007"/>
             </a:xfrm>
             <a:prstGeom prst="straightConnector1">
@@ -19223,9 +18916,9 @@
         <p:grpSpPr>
           <a:xfrm>
             <a:off x="15000550" y="15441031"/>
-            <a:ext cx="5492788" cy="1754326"/>
+            <a:ext cx="5488958" cy="1794851"/>
             <a:chOff x="14000184" y="14135996"/>
-            <a:chExt cx="5492788" cy="1754326"/>
+            <a:chExt cx="5488958" cy="1794851"/>
           </a:xfrm>
         </p:grpSpPr>
         <p:sp>
@@ -19294,8 +18987,8 @@
           </p:nvSpPr>
           <p:spPr>
             <a:xfrm>
-              <a:off x="14004119" y="14432325"/>
-              <a:ext cx="5488853" cy="1200329"/>
+              <a:off x="14000289" y="14176521"/>
+              <a:ext cx="5488853" cy="1754326"/>
             </a:xfrm>
             <a:prstGeom prst="rect">
               <a:avLst/>
@@ -19320,15 +19013,7 @@
                   <a:ea typeface="Open Sans" pitchFamily="2" charset="0"/>
                   <a:cs typeface="Open Sans" pitchFamily="2" charset="0"/>
                 </a:rPr>
-                <a:t>Evaluate statistically significan</a:t>
-              </a:r>
-              <a:r>
-                <a:rPr lang="en-US" sz="3600" dirty="0">
-                  <a:latin typeface="Product Sans" panose="020B0403030502040203" pitchFamily="34" charset="0"/>
-                  <a:ea typeface="Open Sans" pitchFamily="2" charset="0"/>
-                  <a:cs typeface="Open Sans" pitchFamily="2" charset="0"/>
-                </a:rPr>
-                <a:t>t results</a:t>
+                <a:t>Brain regions and TS features show significant classification results</a:t>
               </a:r>
               <a:endParaRPr lang="en-AU" sz="3600" dirty="0">
                 <a:solidFill>
@@ -19356,7 +19041,7 @@
         </p:nvSpPr>
         <p:spPr>
           <a:xfrm>
-            <a:off x="15793597" y="40259105"/>
+            <a:off x="15793597" y="40178423"/>
             <a:ext cx="9166098" cy="1569660"/>
           </a:xfrm>
           <a:prstGeom prst="rect">
@@ -19377,7 +19062,7 @@
                 <a:ea typeface="Open Sans" pitchFamily="2" charset="0"/>
                 <a:cs typeface="Open Sans" pitchFamily="2" charset="0"/>
               </a:rPr>
-              <a:t>This work was supported by the University of Sydney Physics Foundation and the American Australian Association Graduate Education Fund.</a:t>
+              <a:t>This work was supported by The University of Sydney Physics Foundation and the American Australian Association Graduate Education Fund.</a:t>
             </a:r>
           </a:p>
         </p:txBody>
@@ -19397,7 +19082,7 @@
           <p:nvPr/>
         </p:nvPicPr>
         <p:blipFill>
-          <a:blip r:embed="rId28">
+          <a:blip r:embed="rId25">
             <a:extLst>
               <a:ext uri="{28A0092B-C50C-407E-A947-70E740481C1C}">
                 <a14:useLocalDpi xmlns:a14="http://schemas.microsoft.com/office/drawing/2010/main" val="0"/>
@@ -19429,53 +19114,1580 @@
           </a:extLst>
         </p:spPr>
       </p:pic>
-      <p:pic>
-        <p:nvPicPr>
-          <p:cNvPr id="238" name="Picture 14">
+      <p:cxnSp>
+        <p:nvCxnSpPr>
+          <p:cNvPr id="238" name="Straight Arrow Connector 237">
             <a:extLst>
               <a:ext uri="{FF2B5EF4-FFF2-40B4-BE49-F238E27FC236}">
-                <a16:creationId xmlns:a16="http://schemas.microsoft.com/office/drawing/2014/main" id="{D19C9382-F82D-4382-9EA9-916797846853}"/>
+                <a16:creationId xmlns:a16="http://schemas.microsoft.com/office/drawing/2014/main" id="{C70DACD7-808A-40B0-9CAB-F39526A734CD}"/>
               </a:ext>
             </a:extLst>
           </p:cNvPr>
-          <p:cNvPicPr>
-            <a:picLocks noChangeAspect="1" noChangeArrowheads="1"/>
-          </p:cNvPicPr>
+          <p:cNvCxnSpPr>
+            <a:cxnSpLocks/>
+          </p:cNvCxnSpPr>
           <p:nvPr/>
-        </p:nvPicPr>
-        <p:blipFill>
-          <a:blip r:embed="rId28">
+        </p:nvCxnSpPr>
+        <p:spPr>
+          <a:xfrm>
+            <a:off x="25850462" y="11598694"/>
+            <a:ext cx="1295400" cy="0"/>
+          </a:xfrm>
+          <a:prstGeom prst="straightConnector1">
+            <a:avLst/>
+          </a:prstGeom>
+          <a:ln w="38100">
+            <a:solidFill>
+              <a:schemeClr val="tx1"/>
+            </a:solidFill>
+            <a:tailEnd type="triangle"/>
+          </a:ln>
+        </p:spPr>
+        <p:style>
+          <a:lnRef idx="1">
+            <a:schemeClr val="accent1"/>
+          </a:lnRef>
+          <a:fillRef idx="0">
+            <a:schemeClr val="accent1"/>
+          </a:fillRef>
+          <a:effectRef idx="0">
+            <a:schemeClr val="accent1"/>
+          </a:effectRef>
+          <a:fontRef idx="minor">
+            <a:schemeClr val="tx1"/>
+          </a:fontRef>
+        </p:style>
+      </p:cxnSp>
+      <p:grpSp>
+        <p:nvGrpSpPr>
+          <p:cNvPr id="247" name="Group 246">
             <a:extLst>
-              <a:ext uri="{28A0092B-C50C-407E-A947-70E740481C1C}">
-                <a14:useLocalDpi xmlns:a14="http://schemas.microsoft.com/office/drawing/2010/main" val="0"/>
+              <a:ext uri="{FF2B5EF4-FFF2-40B4-BE49-F238E27FC236}">
+                <a16:creationId xmlns:a16="http://schemas.microsoft.com/office/drawing/2014/main" id="{2962FA93-BEDB-415D-B1BF-28F8492F4562}"/>
               </a:ext>
             </a:extLst>
-          </a:blip>
-          <a:srcRect/>
-          <a:stretch>
-            <a:fillRect/>
-          </a:stretch>
-        </p:blipFill>
-        <p:spPr bwMode="auto">
+          </p:cNvPr>
+          <p:cNvGrpSpPr/>
+          <p:nvPr/>
+        </p:nvGrpSpPr>
+        <p:grpSpPr>
           <a:xfrm>
-            <a:off x="1622570" y="770777"/>
-            <a:ext cx="3790090" cy="1895045"/>
+            <a:off x="27587694" y="10710795"/>
+            <a:ext cx="1576916" cy="1652913"/>
+            <a:chOff x="26963080" y="6779941"/>
+            <a:chExt cx="1858181" cy="1947733"/>
+          </a:xfrm>
+        </p:grpSpPr>
+        <p:grpSp>
+          <p:nvGrpSpPr>
+            <p:cNvPr id="250" name="Group 249">
+              <a:extLst>
+                <a:ext uri="{FF2B5EF4-FFF2-40B4-BE49-F238E27FC236}">
+                  <a16:creationId xmlns:a16="http://schemas.microsoft.com/office/drawing/2014/main" id="{E869BDA3-1952-4FA6-A026-4419A1AF22A1}"/>
+                </a:ext>
+              </a:extLst>
+            </p:cNvPr>
+            <p:cNvGrpSpPr/>
+            <p:nvPr/>
+          </p:nvGrpSpPr>
+          <p:grpSpPr>
+            <a:xfrm>
+              <a:off x="26963080" y="6779941"/>
+              <a:ext cx="1858181" cy="1947733"/>
+              <a:chOff x="2398798" y="5581650"/>
+              <a:chExt cx="790575" cy="790576"/>
+            </a:xfrm>
+          </p:grpSpPr>
+          <p:cxnSp>
+            <p:nvCxnSpPr>
+              <p:cNvPr id="278" name="Straight Arrow Connector 277">
+                <a:extLst>
+                  <a:ext uri="{FF2B5EF4-FFF2-40B4-BE49-F238E27FC236}">
+                    <a16:creationId xmlns:a16="http://schemas.microsoft.com/office/drawing/2014/main" id="{410C7B93-EEC0-4616-96C7-073AD63DE1D1}"/>
+                  </a:ext>
+                </a:extLst>
+              </p:cNvPr>
+              <p:cNvCxnSpPr/>
+              <p:nvPr/>
+            </p:nvCxnSpPr>
+            <p:spPr>
+              <a:xfrm flipV="1">
+                <a:off x="2398798" y="5581650"/>
+                <a:ext cx="0" cy="790575"/>
+              </a:xfrm>
+              <a:prstGeom prst="straightConnector1">
+                <a:avLst/>
+              </a:prstGeom>
+              <a:ln w="28575">
+                <a:solidFill>
+                  <a:schemeClr val="tx1"/>
+                </a:solidFill>
+                <a:tailEnd type="triangle"/>
+              </a:ln>
+            </p:spPr>
+            <p:style>
+              <a:lnRef idx="1">
+                <a:schemeClr val="accent1"/>
+              </a:lnRef>
+              <a:fillRef idx="0">
+                <a:schemeClr val="accent1"/>
+              </a:fillRef>
+              <a:effectRef idx="0">
+                <a:schemeClr val="accent1"/>
+              </a:effectRef>
+              <a:fontRef idx="minor">
+                <a:schemeClr val="tx1"/>
+              </a:fontRef>
+            </p:style>
+          </p:cxnSp>
+          <p:cxnSp>
+            <p:nvCxnSpPr>
+              <p:cNvPr id="279" name="Straight Arrow Connector 278">
+                <a:extLst>
+                  <a:ext uri="{FF2B5EF4-FFF2-40B4-BE49-F238E27FC236}">
+                    <a16:creationId xmlns:a16="http://schemas.microsoft.com/office/drawing/2014/main" id="{3D9CA1CC-76E1-42B7-A771-E27BE4F682F1}"/>
+                  </a:ext>
+                </a:extLst>
+              </p:cNvPr>
+              <p:cNvCxnSpPr>
+                <a:cxnSpLocks/>
+              </p:cNvCxnSpPr>
+              <p:nvPr/>
+            </p:nvCxnSpPr>
+            <p:spPr>
+              <a:xfrm rot="5400000" flipV="1">
+                <a:off x="2794086" y="5976938"/>
+                <a:ext cx="0" cy="790575"/>
+              </a:xfrm>
+              <a:prstGeom prst="straightConnector1">
+                <a:avLst/>
+              </a:prstGeom>
+              <a:ln w="28575">
+                <a:solidFill>
+                  <a:schemeClr val="tx1"/>
+                </a:solidFill>
+                <a:tailEnd type="triangle"/>
+              </a:ln>
+            </p:spPr>
+            <p:style>
+              <a:lnRef idx="1">
+                <a:schemeClr val="accent1"/>
+              </a:lnRef>
+              <a:fillRef idx="0">
+                <a:schemeClr val="accent1"/>
+              </a:fillRef>
+              <a:effectRef idx="0">
+                <a:schemeClr val="accent1"/>
+              </a:effectRef>
+              <a:fontRef idx="minor">
+                <a:schemeClr val="tx1"/>
+              </a:fontRef>
+            </p:style>
+          </p:cxnSp>
+        </p:grpSp>
+        <p:sp>
+          <p:nvSpPr>
+            <p:cNvPr id="255" name="Oval 254">
+              <a:extLst>
+                <a:ext uri="{FF2B5EF4-FFF2-40B4-BE49-F238E27FC236}">
+                  <a16:creationId xmlns:a16="http://schemas.microsoft.com/office/drawing/2014/main" id="{DDD2140D-282F-46CD-907B-A916F277BF51}"/>
+                </a:ext>
+              </a:extLst>
+            </p:cNvPr>
+            <p:cNvSpPr/>
+            <p:nvPr/>
+          </p:nvSpPr>
+          <p:spPr>
+            <a:xfrm>
+              <a:off x="27059534" y="7431389"/>
+              <a:ext cx="107459" cy="115070"/>
+            </a:xfrm>
+            <a:prstGeom prst="ellipse">
+              <a:avLst/>
+            </a:prstGeom>
+            <a:solidFill>
+              <a:srgbClr val="898989"/>
+            </a:solidFill>
+            <a:ln>
+              <a:noFill/>
+            </a:ln>
+          </p:spPr>
+          <p:style>
+            <a:lnRef idx="2">
+              <a:schemeClr val="accent1">
+                <a:shade val="50000"/>
+              </a:schemeClr>
+            </a:lnRef>
+            <a:fillRef idx="1">
+              <a:schemeClr val="accent1"/>
+            </a:fillRef>
+            <a:effectRef idx="0">
+              <a:schemeClr val="accent1"/>
+            </a:effectRef>
+            <a:fontRef idx="minor">
+              <a:schemeClr val="lt1"/>
+            </a:fontRef>
+          </p:style>
+          <p:txBody>
+            <a:bodyPr rtlCol="0" anchor="ctr"/>
+            <a:lstStyle/>
+            <a:p>
+              <a:pPr algn="ctr"/>
+              <a:endParaRPr lang="en-US" sz="7170"/>
+            </a:p>
+          </p:txBody>
+        </p:sp>
+        <p:sp>
+          <p:nvSpPr>
+            <p:cNvPr id="256" name="Oval 255">
+              <a:extLst>
+                <a:ext uri="{FF2B5EF4-FFF2-40B4-BE49-F238E27FC236}">
+                  <a16:creationId xmlns:a16="http://schemas.microsoft.com/office/drawing/2014/main" id="{5C81E7A0-D1A1-40FE-B866-571D01973F2B}"/>
+                </a:ext>
+              </a:extLst>
+            </p:cNvPr>
+            <p:cNvSpPr/>
+            <p:nvPr/>
+          </p:nvSpPr>
+          <p:spPr>
+            <a:xfrm>
+              <a:off x="27414273" y="7719918"/>
+              <a:ext cx="107459" cy="115070"/>
+            </a:xfrm>
+            <a:prstGeom prst="ellipse">
+              <a:avLst/>
+            </a:prstGeom>
+            <a:solidFill>
+              <a:srgbClr val="898989"/>
+            </a:solidFill>
+            <a:ln>
+              <a:noFill/>
+            </a:ln>
+          </p:spPr>
+          <p:style>
+            <a:lnRef idx="2">
+              <a:schemeClr val="accent1">
+                <a:shade val="50000"/>
+              </a:schemeClr>
+            </a:lnRef>
+            <a:fillRef idx="1">
+              <a:schemeClr val="accent1"/>
+            </a:fillRef>
+            <a:effectRef idx="0">
+              <a:schemeClr val="accent1"/>
+            </a:effectRef>
+            <a:fontRef idx="minor">
+              <a:schemeClr val="lt1"/>
+            </a:fontRef>
+          </p:style>
+          <p:txBody>
+            <a:bodyPr rtlCol="0" anchor="ctr"/>
+            <a:lstStyle/>
+            <a:p>
+              <a:pPr algn="ctr"/>
+              <a:endParaRPr lang="en-US" sz="7170"/>
+            </a:p>
+          </p:txBody>
+        </p:sp>
+        <p:sp>
+          <p:nvSpPr>
+            <p:cNvPr id="257" name="Oval 256">
+              <a:extLst>
+                <a:ext uri="{FF2B5EF4-FFF2-40B4-BE49-F238E27FC236}">
+                  <a16:creationId xmlns:a16="http://schemas.microsoft.com/office/drawing/2014/main" id="{99AEEDF5-A2CE-4728-A7B9-F34AE62379B1}"/>
+                </a:ext>
+              </a:extLst>
+            </p:cNvPr>
+            <p:cNvSpPr/>
+            <p:nvPr/>
+          </p:nvSpPr>
+          <p:spPr>
+            <a:xfrm>
+              <a:off x="27141446" y="7955836"/>
+              <a:ext cx="107459" cy="115070"/>
+            </a:xfrm>
+            <a:prstGeom prst="ellipse">
+              <a:avLst/>
+            </a:prstGeom>
+            <a:solidFill>
+              <a:srgbClr val="898989"/>
+            </a:solidFill>
+            <a:ln>
+              <a:noFill/>
+            </a:ln>
+          </p:spPr>
+          <p:style>
+            <a:lnRef idx="2">
+              <a:schemeClr val="accent1">
+                <a:shade val="50000"/>
+              </a:schemeClr>
+            </a:lnRef>
+            <a:fillRef idx="1">
+              <a:schemeClr val="accent1"/>
+            </a:fillRef>
+            <a:effectRef idx="0">
+              <a:schemeClr val="accent1"/>
+            </a:effectRef>
+            <a:fontRef idx="minor">
+              <a:schemeClr val="lt1"/>
+            </a:fontRef>
+          </p:style>
+          <p:txBody>
+            <a:bodyPr rtlCol="0" anchor="ctr"/>
+            <a:lstStyle/>
+            <a:p>
+              <a:pPr algn="ctr"/>
+              <a:endParaRPr lang="en-US" sz="7170"/>
+            </a:p>
+          </p:txBody>
+        </p:sp>
+        <p:sp>
+          <p:nvSpPr>
+            <p:cNvPr id="258" name="Oval 257">
+              <a:extLst>
+                <a:ext uri="{FF2B5EF4-FFF2-40B4-BE49-F238E27FC236}">
+                  <a16:creationId xmlns:a16="http://schemas.microsoft.com/office/drawing/2014/main" id="{56C88E62-6F2E-4EDE-AB71-B9804DE1AFE9}"/>
+                </a:ext>
+              </a:extLst>
+            </p:cNvPr>
+            <p:cNvSpPr/>
+            <p:nvPr/>
+          </p:nvSpPr>
+          <p:spPr>
+            <a:xfrm>
+              <a:off x="27521732" y="8122956"/>
+              <a:ext cx="107459" cy="115070"/>
+            </a:xfrm>
+            <a:prstGeom prst="ellipse">
+              <a:avLst/>
+            </a:prstGeom>
+            <a:solidFill>
+              <a:srgbClr val="898989"/>
+            </a:solidFill>
+            <a:ln>
+              <a:noFill/>
+            </a:ln>
+          </p:spPr>
+          <p:style>
+            <a:lnRef idx="2">
+              <a:schemeClr val="accent1">
+                <a:shade val="50000"/>
+              </a:schemeClr>
+            </a:lnRef>
+            <a:fillRef idx="1">
+              <a:schemeClr val="accent1"/>
+            </a:fillRef>
+            <a:effectRef idx="0">
+              <a:schemeClr val="accent1"/>
+            </a:effectRef>
+            <a:fontRef idx="minor">
+              <a:schemeClr val="lt1"/>
+            </a:fontRef>
+          </p:style>
+          <p:txBody>
+            <a:bodyPr rtlCol="0" anchor="ctr"/>
+            <a:lstStyle/>
+            <a:p>
+              <a:pPr algn="ctr"/>
+              <a:endParaRPr lang="en-US" sz="7170"/>
+            </a:p>
+          </p:txBody>
+        </p:sp>
+        <p:sp>
+          <p:nvSpPr>
+            <p:cNvPr id="260" name="Oval 259">
+              <a:extLst>
+                <a:ext uri="{FF2B5EF4-FFF2-40B4-BE49-F238E27FC236}">
+                  <a16:creationId xmlns:a16="http://schemas.microsoft.com/office/drawing/2014/main" id="{57BEFE8F-4B09-43D2-8B48-3CD26A13AB32}"/>
+                </a:ext>
+              </a:extLst>
+            </p:cNvPr>
+            <p:cNvSpPr/>
+            <p:nvPr/>
+          </p:nvSpPr>
+          <p:spPr>
+            <a:xfrm>
+              <a:off x="27232355" y="8454861"/>
+              <a:ext cx="107459" cy="115070"/>
+            </a:xfrm>
+            <a:prstGeom prst="ellipse">
+              <a:avLst/>
+            </a:prstGeom>
+            <a:solidFill>
+              <a:srgbClr val="898989"/>
+            </a:solidFill>
+            <a:ln>
+              <a:noFill/>
+            </a:ln>
+          </p:spPr>
+          <p:style>
+            <a:lnRef idx="2">
+              <a:schemeClr val="accent1">
+                <a:shade val="50000"/>
+              </a:schemeClr>
+            </a:lnRef>
+            <a:fillRef idx="1">
+              <a:schemeClr val="accent1"/>
+            </a:fillRef>
+            <a:effectRef idx="0">
+              <a:schemeClr val="accent1"/>
+            </a:effectRef>
+            <a:fontRef idx="minor">
+              <a:schemeClr val="lt1"/>
+            </a:fontRef>
+          </p:style>
+          <p:txBody>
+            <a:bodyPr rtlCol="0" anchor="ctr"/>
+            <a:lstStyle/>
+            <a:p>
+              <a:pPr algn="ctr"/>
+              <a:endParaRPr lang="en-US" sz="7170"/>
+            </a:p>
+          </p:txBody>
+        </p:sp>
+        <p:sp>
+          <p:nvSpPr>
+            <p:cNvPr id="265" name="Oval 264">
+              <a:extLst>
+                <a:ext uri="{FF2B5EF4-FFF2-40B4-BE49-F238E27FC236}">
+                  <a16:creationId xmlns:a16="http://schemas.microsoft.com/office/drawing/2014/main" id="{C0926A08-F12B-4A18-B80F-1DD63CB600CF}"/>
+                </a:ext>
+              </a:extLst>
+            </p:cNvPr>
+            <p:cNvSpPr/>
+            <p:nvPr/>
+          </p:nvSpPr>
+          <p:spPr>
+            <a:xfrm>
+              <a:off x="27892172" y="8310244"/>
+              <a:ext cx="107459" cy="115070"/>
+            </a:xfrm>
+            <a:prstGeom prst="ellipse">
+              <a:avLst/>
+            </a:prstGeom>
+            <a:solidFill>
+              <a:srgbClr val="898989"/>
+            </a:solidFill>
+            <a:ln>
+              <a:noFill/>
+            </a:ln>
+          </p:spPr>
+          <p:style>
+            <a:lnRef idx="2">
+              <a:schemeClr val="accent1">
+                <a:shade val="50000"/>
+              </a:schemeClr>
+            </a:lnRef>
+            <a:fillRef idx="1">
+              <a:schemeClr val="accent1"/>
+            </a:fillRef>
+            <a:effectRef idx="0">
+              <a:schemeClr val="accent1"/>
+            </a:effectRef>
+            <a:fontRef idx="minor">
+              <a:schemeClr val="lt1"/>
+            </a:fontRef>
+          </p:style>
+          <p:txBody>
+            <a:bodyPr rtlCol="0" anchor="ctr"/>
+            <a:lstStyle/>
+            <a:p>
+              <a:pPr algn="ctr"/>
+              <a:endParaRPr lang="en-US" sz="7170"/>
+            </a:p>
+          </p:txBody>
+        </p:sp>
+        <p:sp>
+          <p:nvSpPr>
+            <p:cNvPr id="267" name="Oval 266">
+              <a:extLst>
+                <a:ext uri="{FF2B5EF4-FFF2-40B4-BE49-F238E27FC236}">
+                  <a16:creationId xmlns:a16="http://schemas.microsoft.com/office/drawing/2014/main" id="{528AC303-6CED-428D-A4A0-6AEF0CDB1CA1}"/>
+                </a:ext>
+              </a:extLst>
+            </p:cNvPr>
+            <p:cNvSpPr/>
+            <p:nvPr/>
+          </p:nvSpPr>
+          <p:spPr>
+            <a:xfrm>
+              <a:off x="27195174" y="7196957"/>
+              <a:ext cx="107459" cy="115070"/>
+            </a:xfrm>
+            <a:prstGeom prst="ellipse">
+              <a:avLst/>
+            </a:prstGeom>
+            <a:solidFill>
+              <a:srgbClr val="689946"/>
+            </a:solidFill>
+            <a:ln>
+              <a:noFill/>
+            </a:ln>
+          </p:spPr>
+          <p:style>
+            <a:lnRef idx="2">
+              <a:schemeClr val="accent1">
+                <a:shade val="50000"/>
+              </a:schemeClr>
+            </a:lnRef>
+            <a:fillRef idx="1">
+              <a:schemeClr val="accent1"/>
+            </a:fillRef>
+            <a:effectRef idx="0">
+              <a:schemeClr val="accent1"/>
+            </a:effectRef>
+            <a:fontRef idx="minor">
+              <a:schemeClr val="lt1"/>
+            </a:fontRef>
+          </p:style>
+          <p:txBody>
+            <a:bodyPr rtlCol="0" anchor="ctr"/>
+            <a:lstStyle/>
+            <a:p>
+              <a:pPr algn="ctr"/>
+              <a:endParaRPr lang="en-US" sz="7170"/>
+            </a:p>
+          </p:txBody>
+        </p:sp>
+        <p:sp>
+          <p:nvSpPr>
+            <p:cNvPr id="268" name="Oval 267">
+              <a:extLst>
+                <a:ext uri="{FF2B5EF4-FFF2-40B4-BE49-F238E27FC236}">
+                  <a16:creationId xmlns:a16="http://schemas.microsoft.com/office/drawing/2014/main" id="{6389B944-9380-4D5C-B1BB-8B746FC7F2C7}"/>
+                </a:ext>
+              </a:extLst>
+            </p:cNvPr>
+            <p:cNvSpPr/>
+            <p:nvPr/>
+          </p:nvSpPr>
+          <p:spPr>
+            <a:xfrm>
+              <a:off x="27575460" y="7071498"/>
+              <a:ext cx="107459" cy="115070"/>
+            </a:xfrm>
+            <a:prstGeom prst="ellipse">
+              <a:avLst/>
+            </a:prstGeom>
+            <a:solidFill>
+              <a:srgbClr val="689946"/>
+            </a:solidFill>
+            <a:ln>
+              <a:noFill/>
+            </a:ln>
+          </p:spPr>
+          <p:style>
+            <a:lnRef idx="2">
+              <a:schemeClr val="accent1">
+                <a:shade val="50000"/>
+              </a:schemeClr>
+            </a:lnRef>
+            <a:fillRef idx="1">
+              <a:schemeClr val="accent1"/>
+            </a:fillRef>
+            <a:effectRef idx="0">
+              <a:schemeClr val="accent1"/>
+            </a:effectRef>
+            <a:fontRef idx="minor">
+              <a:schemeClr val="lt1"/>
+            </a:fontRef>
+          </p:style>
+          <p:txBody>
+            <a:bodyPr rtlCol="0" anchor="ctr"/>
+            <a:lstStyle/>
+            <a:p>
+              <a:pPr algn="ctr"/>
+              <a:endParaRPr lang="en-US" sz="7170"/>
+            </a:p>
+          </p:txBody>
+        </p:sp>
+        <p:sp>
+          <p:nvSpPr>
+            <p:cNvPr id="269" name="Oval 268">
+              <a:extLst>
+                <a:ext uri="{FF2B5EF4-FFF2-40B4-BE49-F238E27FC236}">
+                  <a16:creationId xmlns:a16="http://schemas.microsoft.com/office/drawing/2014/main" id="{616EE5FB-9D19-4860-A018-9F0168B862F3}"/>
+                </a:ext>
+              </a:extLst>
+            </p:cNvPr>
+            <p:cNvSpPr/>
+            <p:nvPr/>
+          </p:nvSpPr>
+          <p:spPr>
+            <a:xfrm>
+              <a:off x="28048148" y="7820781"/>
+              <a:ext cx="107459" cy="115070"/>
+            </a:xfrm>
+            <a:prstGeom prst="ellipse">
+              <a:avLst/>
+            </a:prstGeom>
+            <a:solidFill>
+              <a:srgbClr val="689946"/>
+            </a:solidFill>
+            <a:ln>
+              <a:noFill/>
+            </a:ln>
+          </p:spPr>
+          <p:style>
+            <a:lnRef idx="2">
+              <a:schemeClr val="accent1">
+                <a:shade val="50000"/>
+              </a:schemeClr>
+            </a:lnRef>
+            <a:fillRef idx="1">
+              <a:schemeClr val="accent1"/>
+            </a:fillRef>
+            <a:effectRef idx="0">
+              <a:schemeClr val="accent1"/>
+            </a:effectRef>
+            <a:fontRef idx="minor">
+              <a:schemeClr val="lt1"/>
+            </a:fontRef>
+          </p:style>
+          <p:txBody>
+            <a:bodyPr rtlCol="0" anchor="ctr"/>
+            <a:lstStyle/>
+            <a:p>
+              <a:pPr algn="ctr"/>
+              <a:endParaRPr lang="en-US" sz="7170"/>
+            </a:p>
+          </p:txBody>
+        </p:sp>
+        <p:sp>
+          <p:nvSpPr>
+            <p:cNvPr id="273" name="Oval 272">
+              <a:extLst>
+                <a:ext uri="{FF2B5EF4-FFF2-40B4-BE49-F238E27FC236}">
+                  <a16:creationId xmlns:a16="http://schemas.microsoft.com/office/drawing/2014/main" id="{6E390D61-F14A-4DA1-9CC3-46A38764F29D}"/>
+                </a:ext>
+              </a:extLst>
+            </p:cNvPr>
+            <p:cNvSpPr/>
+            <p:nvPr/>
+          </p:nvSpPr>
+          <p:spPr>
+            <a:xfrm>
+              <a:off x="27844726" y="7424623"/>
+              <a:ext cx="107459" cy="115070"/>
+            </a:xfrm>
+            <a:prstGeom prst="ellipse">
+              <a:avLst/>
+            </a:prstGeom>
+            <a:solidFill>
+              <a:srgbClr val="689946"/>
+            </a:solidFill>
+            <a:ln>
+              <a:noFill/>
+            </a:ln>
+          </p:spPr>
+          <p:style>
+            <a:lnRef idx="2">
+              <a:schemeClr val="accent1">
+                <a:shade val="50000"/>
+              </a:schemeClr>
+            </a:lnRef>
+            <a:fillRef idx="1">
+              <a:schemeClr val="accent1"/>
+            </a:fillRef>
+            <a:effectRef idx="0">
+              <a:schemeClr val="accent1"/>
+            </a:effectRef>
+            <a:fontRef idx="minor">
+              <a:schemeClr val="lt1"/>
+            </a:fontRef>
+          </p:style>
+          <p:txBody>
+            <a:bodyPr rtlCol="0" anchor="ctr"/>
+            <a:lstStyle/>
+            <a:p>
+              <a:pPr algn="ctr"/>
+              <a:endParaRPr lang="en-US" sz="7170"/>
+            </a:p>
+          </p:txBody>
+        </p:sp>
+        <p:sp>
+          <p:nvSpPr>
+            <p:cNvPr id="275" name="Oval 274">
+              <a:extLst>
+                <a:ext uri="{FF2B5EF4-FFF2-40B4-BE49-F238E27FC236}">
+                  <a16:creationId xmlns:a16="http://schemas.microsoft.com/office/drawing/2014/main" id="{9C4CEC65-3E51-44C8-A087-7364889985A1}"/>
+                </a:ext>
+              </a:extLst>
+            </p:cNvPr>
+            <p:cNvSpPr/>
+            <p:nvPr/>
+          </p:nvSpPr>
+          <p:spPr>
+            <a:xfrm>
+              <a:off x="28552616" y="8280743"/>
+              <a:ext cx="107459" cy="115070"/>
+            </a:xfrm>
+            <a:prstGeom prst="ellipse">
+              <a:avLst/>
+            </a:prstGeom>
+            <a:solidFill>
+              <a:srgbClr val="689946"/>
+            </a:solidFill>
+            <a:ln>
+              <a:noFill/>
+            </a:ln>
+          </p:spPr>
+          <p:style>
+            <a:lnRef idx="2">
+              <a:schemeClr val="accent1">
+                <a:shade val="50000"/>
+              </a:schemeClr>
+            </a:lnRef>
+            <a:fillRef idx="1">
+              <a:schemeClr val="accent1"/>
+            </a:fillRef>
+            <a:effectRef idx="0">
+              <a:schemeClr val="accent1"/>
+            </a:effectRef>
+            <a:fontRef idx="minor">
+              <a:schemeClr val="lt1"/>
+            </a:fontRef>
+          </p:style>
+          <p:txBody>
+            <a:bodyPr rtlCol="0" anchor="ctr"/>
+            <a:lstStyle/>
+            <a:p>
+              <a:pPr algn="ctr"/>
+              <a:endParaRPr lang="en-US" sz="7170"/>
+            </a:p>
+          </p:txBody>
+        </p:sp>
+        <p:sp>
+          <p:nvSpPr>
+            <p:cNvPr id="276" name="Oval 275">
+              <a:extLst>
+                <a:ext uri="{FF2B5EF4-FFF2-40B4-BE49-F238E27FC236}">
+                  <a16:creationId xmlns:a16="http://schemas.microsoft.com/office/drawing/2014/main" id="{3F5C6D4D-F84B-4C09-845A-2F8B3A8A39AB}"/>
+                </a:ext>
+              </a:extLst>
+            </p:cNvPr>
+            <p:cNvSpPr/>
+            <p:nvPr/>
+          </p:nvSpPr>
+          <p:spPr>
+            <a:xfrm>
+              <a:off x="28498888" y="7777454"/>
+              <a:ext cx="107459" cy="115070"/>
+            </a:xfrm>
+            <a:prstGeom prst="ellipse">
+              <a:avLst/>
+            </a:prstGeom>
+            <a:solidFill>
+              <a:srgbClr val="689946"/>
+            </a:solidFill>
+            <a:ln>
+              <a:noFill/>
+            </a:ln>
+          </p:spPr>
+          <p:style>
+            <a:lnRef idx="2">
+              <a:schemeClr val="accent1">
+                <a:shade val="50000"/>
+              </a:schemeClr>
+            </a:lnRef>
+            <a:fillRef idx="1">
+              <a:schemeClr val="accent1"/>
+            </a:fillRef>
+            <a:effectRef idx="0">
+              <a:schemeClr val="accent1"/>
+            </a:effectRef>
+            <a:fontRef idx="minor">
+              <a:schemeClr val="lt1"/>
+            </a:fontRef>
+          </p:style>
+          <p:txBody>
+            <a:bodyPr rtlCol="0" anchor="ctr"/>
+            <a:lstStyle/>
+            <a:p>
+              <a:pPr algn="ctr"/>
+              <a:endParaRPr lang="en-US" sz="7170"/>
+            </a:p>
+          </p:txBody>
+        </p:sp>
+        <p:cxnSp>
+          <p:nvCxnSpPr>
+            <p:cNvPr id="277" name="Straight Connector 276">
+              <a:extLst>
+                <a:ext uri="{FF2B5EF4-FFF2-40B4-BE49-F238E27FC236}">
+                  <a16:creationId xmlns:a16="http://schemas.microsoft.com/office/drawing/2014/main" id="{9144286F-530F-48F8-9D40-891B7950F52E}"/>
+                </a:ext>
+              </a:extLst>
+            </p:cNvPr>
+            <p:cNvCxnSpPr>
+              <a:cxnSpLocks/>
+            </p:cNvCxnSpPr>
+            <p:nvPr/>
+          </p:nvCxnSpPr>
+          <p:spPr>
+            <a:xfrm>
+              <a:off x="27113262" y="7303347"/>
+              <a:ext cx="1259939" cy="1092465"/>
+            </a:xfrm>
+            <a:prstGeom prst="line">
+              <a:avLst/>
+            </a:prstGeom>
+            <a:ln w="38100">
+              <a:solidFill>
+                <a:schemeClr val="tx1"/>
+              </a:solidFill>
+            </a:ln>
+          </p:spPr>
+          <p:style>
+            <a:lnRef idx="1">
+              <a:schemeClr val="accent1"/>
+            </a:lnRef>
+            <a:fillRef idx="0">
+              <a:schemeClr val="accent1"/>
+            </a:fillRef>
+            <a:effectRef idx="0">
+              <a:schemeClr val="accent1"/>
+            </a:effectRef>
+            <a:fontRef idx="minor">
+              <a:schemeClr val="tx1"/>
+            </a:fontRef>
+          </p:style>
+        </p:cxnSp>
+      </p:grpSp>
+      <p:sp>
+        <p:nvSpPr>
+          <p:cNvPr id="280" name="TextBox 279">
+            <a:extLst>
+              <a:ext uri="{FF2B5EF4-FFF2-40B4-BE49-F238E27FC236}">
+                <a16:creationId xmlns:a16="http://schemas.microsoft.com/office/drawing/2014/main" id="{45A4952E-D7FA-4C51-9FE7-553FAC709DFE}"/>
+              </a:ext>
+            </a:extLst>
+          </p:cNvPr>
+          <p:cNvSpPr txBox="1"/>
+          <p:nvPr/>
+        </p:nvSpPr>
+        <p:spPr>
+          <a:xfrm>
+            <a:off x="28364488" y="17831488"/>
+            <a:ext cx="1107534" cy="523220"/>
           </a:xfrm>
           <a:prstGeom prst="rect">
             <a:avLst/>
           </a:prstGeom>
           <a:noFill/>
-          <a:extLst>
-            <a:ext uri="{909E8E84-426E-40DD-AFC4-6F175D3DCCD1}">
-              <a14:hiddenFill xmlns:a14="http://schemas.microsoft.com/office/drawing/2010/main">
+        </p:spPr>
+        <p:txBody>
+          <a:bodyPr wrap="square">
+            <a:spAutoFit/>
+          </a:bodyPr>
+          <a:lstStyle/>
+          <a:p>
+            <a:pPr algn="ctr"/>
+            <a:r>
+              <a:rPr lang="en-US" sz="2800" dirty="0">
                 <a:solidFill>
-                  <a:srgbClr val="FFFFFF"/>
+                  <a:schemeClr val="tx1"/>
                 </a:solidFill>
-              </a14:hiddenFill>
-            </a:ext>
-          </a:extLst>
+                <a:latin typeface="Product Sans" panose="020B0403030502040203" pitchFamily="34" charset="0"/>
+                <a:ea typeface="Open Sans" pitchFamily="2" charset="0"/>
+                <a:cs typeface="Open Sans" pitchFamily="2" charset="0"/>
+              </a:rPr>
+              <a:t>n=82</a:t>
+            </a:r>
+            <a:endParaRPr lang="en-AU" sz="2800" dirty="0">
+              <a:solidFill>
+                <a:schemeClr val="tx1"/>
+              </a:solidFill>
+              <a:latin typeface="Product Sans" panose="020B0403030502040203" pitchFamily="34" charset="0"/>
+              <a:ea typeface="Open Sans" pitchFamily="2" charset="0"/>
+              <a:cs typeface="Open Sans" pitchFamily="2" charset="0"/>
+            </a:endParaRPr>
+          </a:p>
+        </p:txBody>
+      </p:sp>
+      <p:sp>
+        <p:nvSpPr>
+          <p:cNvPr id="281" name="TextBox 280">
+            <a:extLst>
+              <a:ext uri="{FF2B5EF4-FFF2-40B4-BE49-F238E27FC236}">
+                <a16:creationId xmlns:a16="http://schemas.microsoft.com/office/drawing/2014/main" id="{78878404-6D46-4045-834F-5E782FF352E3}"/>
+              </a:ext>
+            </a:extLst>
+          </p:cNvPr>
+          <p:cNvSpPr txBox="1"/>
+          <p:nvPr/>
+        </p:nvSpPr>
+        <p:spPr>
+          <a:xfrm>
+            <a:off x="28376153" y="18694784"/>
+            <a:ext cx="1107534" cy="523220"/>
+          </a:xfrm>
+          <a:prstGeom prst="rect">
+            <a:avLst/>
+          </a:prstGeom>
+          <a:noFill/>
         </p:spPr>
-      </p:pic>
+        <p:txBody>
+          <a:bodyPr wrap="square">
+            <a:spAutoFit/>
+          </a:bodyPr>
+          <a:lstStyle/>
+          <a:p>
+            <a:pPr algn="ctr"/>
+            <a:r>
+              <a:rPr lang="en-US" sz="2800" dirty="0">
+                <a:solidFill>
+                  <a:schemeClr val="tx1"/>
+                </a:solidFill>
+                <a:latin typeface="Product Sans" panose="020B0403030502040203" pitchFamily="34" charset="0"/>
+                <a:ea typeface="Open Sans" pitchFamily="2" charset="0"/>
+                <a:cs typeface="Open Sans" pitchFamily="2" charset="0"/>
+              </a:rPr>
+              <a:t>n=22</a:t>
+            </a:r>
+            <a:endParaRPr lang="en-AU" sz="2800" dirty="0">
+              <a:solidFill>
+                <a:schemeClr val="tx1"/>
+              </a:solidFill>
+              <a:latin typeface="Product Sans" panose="020B0403030502040203" pitchFamily="34" charset="0"/>
+              <a:ea typeface="Open Sans" pitchFamily="2" charset="0"/>
+              <a:cs typeface="Open Sans" pitchFamily="2" charset="0"/>
+            </a:endParaRPr>
+          </a:p>
+        </p:txBody>
+      </p:sp>
+      <p:sp>
+        <p:nvSpPr>
+          <p:cNvPr id="282" name="TextBox 281">
+            <a:extLst>
+              <a:ext uri="{FF2B5EF4-FFF2-40B4-BE49-F238E27FC236}">
+                <a16:creationId xmlns:a16="http://schemas.microsoft.com/office/drawing/2014/main" id="{73FB023E-47E3-4A55-B114-A0A60D36159D}"/>
+              </a:ext>
+            </a:extLst>
+          </p:cNvPr>
+          <p:cNvSpPr txBox="1"/>
+          <p:nvPr/>
+        </p:nvSpPr>
+        <p:spPr>
+          <a:xfrm>
+            <a:off x="28291871" y="19593110"/>
+            <a:ext cx="1107534" cy="523220"/>
+          </a:xfrm>
+          <a:prstGeom prst="rect">
+            <a:avLst/>
+          </a:prstGeom>
+          <a:noFill/>
+        </p:spPr>
+        <p:txBody>
+          <a:bodyPr wrap="square">
+            <a:spAutoFit/>
+          </a:bodyPr>
+          <a:lstStyle/>
+          <a:p>
+            <a:pPr algn="ctr"/>
+            <a:r>
+              <a:rPr lang="en-US" sz="2800" dirty="0">
+                <a:solidFill>
+                  <a:schemeClr val="tx1"/>
+                </a:solidFill>
+                <a:latin typeface="Product Sans" panose="020B0403030502040203" pitchFamily="34" charset="0"/>
+                <a:ea typeface="Open Sans" pitchFamily="2" charset="0"/>
+                <a:cs typeface="Open Sans" pitchFamily="2" charset="0"/>
+              </a:rPr>
+              <a:t>n=1</a:t>
+            </a:r>
+            <a:endParaRPr lang="en-AU" sz="2800" dirty="0">
+              <a:solidFill>
+                <a:schemeClr val="tx1"/>
+              </a:solidFill>
+              <a:latin typeface="Product Sans" panose="020B0403030502040203" pitchFamily="34" charset="0"/>
+              <a:ea typeface="Open Sans" pitchFamily="2" charset="0"/>
+              <a:cs typeface="Open Sans" pitchFamily="2" charset="0"/>
+            </a:endParaRPr>
+          </a:p>
+        </p:txBody>
+      </p:sp>
+      <p:sp>
+        <p:nvSpPr>
+          <p:cNvPr id="283" name="TextBox 282">
+            <a:extLst>
+              <a:ext uri="{FF2B5EF4-FFF2-40B4-BE49-F238E27FC236}">
+                <a16:creationId xmlns:a16="http://schemas.microsoft.com/office/drawing/2014/main" id="{2ACA2290-ED35-4EA0-BD97-135063C8068B}"/>
+              </a:ext>
+            </a:extLst>
+          </p:cNvPr>
+          <p:cNvSpPr txBox="1"/>
+          <p:nvPr/>
+        </p:nvSpPr>
+        <p:spPr>
+          <a:xfrm>
+            <a:off x="28318636" y="20746746"/>
+            <a:ext cx="1107534" cy="523220"/>
+          </a:xfrm>
+          <a:prstGeom prst="rect">
+            <a:avLst/>
+          </a:prstGeom>
+          <a:noFill/>
+        </p:spPr>
+        <p:txBody>
+          <a:bodyPr wrap="square">
+            <a:spAutoFit/>
+          </a:bodyPr>
+          <a:lstStyle/>
+          <a:p>
+            <a:pPr algn="ctr"/>
+            <a:r>
+              <a:rPr lang="en-US" sz="2800" dirty="0">
+                <a:solidFill>
+                  <a:schemeClr val="tx1"/>
+                </a:solidFill>
+                <a:latin typeface="Product Sans" panose="020B0403030502040203" pitchFamily="34" charset="0"/>
+                <a:ea typeface="Open Sans" pitchFamily="2" charset="0"/>
+                <a:cs typeface="Open Sans" pitchFamily="2" charset="0"/>
+              </a:rPr>
+              <a:t>n=1</a:t>
+            </a:r>
+            <a:endParaRPr lang="en-AU" sz="2800" dirty="0">
+              <a:solidFill>
+                <a:schemeClr val="tx1"/>
+              </a:solidFill>
+              <a:latin typeface="Product Sans" panose="020B0403030502040203" pitchFamily="34" charset="0"/>
+              <a:ea typeface="Open Sans" pitchFamily="2" charset="0"/>
+              <a:cs typeface="Open Sans" pitchFamily="2" charset="0"/>
+            </a:endParaRPr>
+          </a:p>
+        </p:txBody>
+      </p:sp>
+      <p:sp>
+        <p:nvSpPr>
+          <p:cNvPr id="284" name="TextBox 283">
+            <a:extLst>
+              <a:ext uri="{FF2B5EF4-FFF2-40B4-BE49-F238E27FC236}">
+                <a16:creationId xmlns:a16="http://schemas.microsoft.com/office/drawing/2014/main" id="{A627A27E-CBAE-4A26-B823-FA6B3A6B655C}"/>
+              </a:ext>
+            </a:extLst>
+          </p:cNvPr>
+          <p:cNvSpPr txBox="1"/>
+          <p:nvPr/>
+        </p:nvSpPr>
+        <p:spPr>
+          <a:xfrm>
+            <a:off x="28380139" y="21601257"/>
+            <a:ext cx="1107534" cy="523220"/>
+          </a:xfrm>
+          <a:prstGeom prst="rect">
+            <a:avLst/>
+          </a:prstGeom>
+          <a:noFill/>
+        </p:spPr>
+        <p:txBody>
+          <a:bodyPr wrap="square">
+            <a:spAutoFit/>
+          </a:bodyPr>
+          <a:lstStyle/>
+          <a:p>
+            <a:pPr algn="ctr"/>
+            <a:r>
+              <a:rPr lang="en-US" sz="2800" dirty="0">
+                <a:solidFill>
+                  <a:schemeClr val="tx1"/>
+                </a:solidFill>
+                <a:latin typeface="Product Sans" panose="020B0403030502040203" pitchFamily="34" charset="0"/>
+                <a:ea typeface="Open Sans" pitchFamily="2" charset="0"/>
+                <a:cs typeface="Open Sans" pitchFamily="2" charset="0"/>
+              </a:rPr>
+              <a:t>n=18</a:t>
+            </a:r>
+            <a:endParaRPr lang="en-AU" sz="2800" dirty="0">
+              <a:solidFill>
+                <a:schemeClr val="tx1"/>
+              </a:solidFill>
+              <a:latin typeface="Product Sans" panose="020B0403030502040203" pitchFamily="34" charset="0"/>
+              <a:ea typeface="Open Sans" pitchFamily="2" charset="0"/>
+              <a:cs typeface="Open Sans" pitchFamily="2" charset="0"/>
+            </a:endParaRPr>
+          </a:p>
+        </p:txBody>
+      </p:sp>
+      <p:sp>
+        <p:nvSpPr>
+          <p:cNvPr id="285" name="TextBox 284">
+            <a:extLst>
+              <a:ext uri="{FF2B5EF4-FFF2-40B4-BE49-F238E27FC236}">
+                <a16:creationId xmlns:a16="http://schemas.microsoft.com/office/drawing/2014/main" id="{10B0A0C9-251A-44E4-A698-C6670D8954FA}"/>
+              </a:ext>
+            </a:extLst>
+          </p:cNvPr>
+          <p:cNvSpPr txBox="1"/>
+          <p:nvPr/>
+        </p:nvSpPr>
+        <p:spPr>
+          <a:xfrm>
+            <a:off x="28380150" y="23641467"/>
+            <a:ext cx="1107534" cy="523220"/>
+          </a:xfrm>
+          <a:prstGeom prst="rect">
+            <a:avLst/>
+          </a:prstGeom>
+          <a:noFill/>
+        </p:spPr>
+        <p:txBody>
+          <a:bodyPr wrap="square">
+            <a:spAutoFit/>
+          </a:bodyPr>
+          <a:lstStyle/>
+          <a:p>
+            <a:pPr algn="ctr"/>
+            <a:r>
+              <a:rPr lang="en-US" sz="2800" dirty="0">
+                <a:solidFill>
+                  <a:schemeClr val="tx1"/>
+                </a:solidFill>
+                <a:latin typeface="Product Sans" panose="020B0403030502040203" pitchFamily="34" charset="0"/>
+                <a:ea typeface="Open Sans" pitchFamily="2" charset="0"/>
+                <a:cs typeface="Open Sans" pitchFamily="2" charset="0"/>
+              </a:rPr>
+              <a:t>n=18</a:t>
+            </a:r>
+            <a:endParaRPr lang="en-AU" sz="2800" dirty="0">
+              <a:solidFill>
+                <a:schemeClr val="tx1"/>
+              </a:solidFill>
+              <a:latin typeface="Product Sans" panose="020B0403030502040203" pitchFamily="34" charset="0"/>
+              <a:ea typeface="Open Sans" pitchFamily="2" charset="0"/>
+              <a:cs typeface="Open Sans" pitchFamily="2" charset="0"/>
+            </a:endParaRPr>
+          </a:p>
+        </p:txBody>
+      </p:sp>
+      <p:sp>
+        <p:nvSpPr>
+          <p:cNvPr id="286" name="TextBox 285">
+            <a:extLst>
+              <a:ext uri="{FF2B5EF4-FFF2-40B4-BE49-F238E27FC236}">
+                <a16:creationId xmlns:a16="http://schemas.microsoft.com/office/drawing/2014/main" id="{898739EE-5488-444B-98E6-ECA948D77A17}"/>
+              </a:ext>
+            </a:extLst>
+          </p:cNvPr>
+          <p:cNvSpPr txBox="1"/>
+          <p:nvPr/>
+        </p:nvSpPr>
+        <p:spPr>
+          <a:xfrm>
+            <a:off x="28321247" y="22778602"/>
+            <a:ext cx="1107534" cy="523220"/>
+          </a:xfrm>
+          <a:prstGeom prst="rect">
+            <a:avLst/>
+          </a:prstGeom>
+          <a:noFill/>
+        </p:spPr>
+        <p:txBody>
+          <a:bodyPr wrap="square">
+            <a:spAutoFit/>
+          </a:bodyPr>
+          <a:lstStyle/>
+          <a:p>
+            <a:pPr algn="ctr"/>
+            <a:r>
+              <a:rPr lang="en-US" sz="2800" dirty="0">
+                <a:solidFill>
+                  <a:schemeClr val="tx1"/>
+                </a:solidFill>
+                <a:latin typeface="Product Sans" panose="020B0403030502040203" pitchFamily="34" charset="0"/>
+                <a:ea typeface="Open Sans" pitchFamily="2" charset="0"/>
+                <a:cs typeface="Open Sans" pitchFamily="2" charset="0"/>
+              </a:rPr>
+              <a:t>n=1</a:t>
+            </a:r>
+            <a:endParaRPr lang="en-AU" sz="2800" dirty="0">
+              <a:solidFill>
+                <a:schemeClr val="tx1"/>
+              </a:solidFill>
+              <a:latin typeface="Product Sans" panose="020B0403030502040203" pitchFamily="34" charset="0"/>
+              <a:ea typeface="Open Sans" pitchFamily="2" charset="0"/>
+              <a:cs typeface="Open Sans" pitchFamily="2" charset="0"/>
+            </a:endParaRPr>
+          </a:p>
+        </p:txBody>
+      </p:sp>
+      <p:grpSp>
+        <p:nvGrpSpPr>
+          <p:cNvPr id="2" name="Group 1">
+            <a:extLst>
+              <a:ext uri="{FF2B5EF4-FFF2-40B4-BE49-F238E27FC236}">
+                <a16:creationId xmlns:a16="http://schemas.microsoft.com/office/drawing/2014/main" id="{31E4A535-CBDD-4FC1-8DAB-2FF7CF73C22A}"/>
+              </a:ext>
+            </a:extLst>
+          </p:cNvPr>
+          <p:cNvGrpSpPr/>
+          <p:nvPr/>
+        </p:nvGrpSpPr>
+        <p:grpSpPr>
+          <a:xfrm>
+            <a:off x="14474241" y="24309536"/>
+            <a:ext cx="2529517" cy="1120468"/>
+            <a:chOff x="14474241" y="24233336"/>
+            <a:chExt cx="2529517" cy="1120468"/>
+          </a:xfrm>
+        </p:grpSpPr>
+        <p:pic>
+          <p:nvPicPr>
+            <p:cNvPr id="241" name="Picture 240" descr="Text&#10;&#10;Description automatically generated with low confidence">
+              <a:extLst>
+                <a:ext uri="{FF2B5EF4-FFF2-40B4-BE49-F238E27FC236}">
+                  <a16:creationId xmlns:a16="http://schemas.microsoft.com/office/drawing/2014/main" id="{3C77005B-CAE9-4875-8C33-222C11321899}"/>
+                </a:ext>
+              </a:extLst>
+            </p:cNvPr>
+            <p:cNvPicPr>
+              <a:picLocks noChangeAspect="1"/>
+            </p:cNvPicPr>
+            <p:nvPr/>
+          </p:nvPicPr>
+          <p:blipFill>
+            <a:blip r:embed="rId26">
+              <a:duotone>
+                <a:schemeClr val="accent6">
+                  <a:shade val="45000"/>
+                  <a:satMod val="135000"/>
+                </a:schemeClr>
+                <a:prstClr val="white"/>
+              </a:duotone>
+              <a:extLst>
+                <a:ext uri="{28A0092B-C50C-407E-A947-70E740481C1C}">
+                  <a14:useLocalDpi xmlns:a14="http://schemas.microsoft.com/office/drawing/2010/main" val="0"/>
+                </a:ext>
+              </a:extLst>
+            </a:blip>
+            <a:stretch>
+              <a:fillRect/>
+            </a:stretch>
+          </p:blipFill>
+          <p:spPr>
+            <a:xfrm>
+              <a:off x="14474241" y="24268694"/>
+              <a:ext cx="2529517" cy="1054237"/>
+            </a:xfrm>
+            <a:prstGeom prst="rect">
+              <a:avLst/>
+            </a:prstGeom>
+          </p:spPr>
+        </p:pic>
+        <p:sp>
+          <p:nvSpPr>
+            <p:cNvPr id="242" name="Oval 241">
+              <a:extLst>
+                <a:ext uri="{FF2B5EF4-FFF2-40B4-BE49-F238E27FC236}">
+                  <a16:creationId xmlns:a16="http://schemas.microsoft.com/office/drawing/2014/main" id="{2959D7B5-1921-4E90-A6DE-568ABFBA301F}"/>
+                </a:ext>
+              </a:extLst>
+            </p:cNvPr>
+            <p:cNvSpPr/>
+            <p:nvPr/>
+          </p:nvSpPr>
+          <p:spPr>
+            <a:xfrm>
+              <a:off x="15416067" y="24244111"/>
+              <a:ext cx="81832" cy="87940"/>
+            </a:xfrm>
+            <a:prstGeom prst="ellipse">
+              <a:avLst/>
+            </a:prstGeom>
+            <a:solidFill>
+              <a:srgbClr val="F8234E"/>
+            </a:solidFill>
+            <a:ln>
+              <a:noFill/>
+            </a:ln>
+          </p:spPr>
+          <p:style>
+            <a:lnRef idx="2">
+              <a:schemeClr val="accent1">
+                <a:shade val="50000"/>
+              </a:schemeClr>
+            </a:lnRef>
+            <a:fillRef idx="1">
+              <a:schemeClr val="accent1"/>
+            </a:fillRef>
+            <a:effectRef idx="0">
+              <a:schemeClr val="accent1"/>
+            </a:effectRef>
+            <a:fontRef idx="minor">
+              <a:schemeClr val="lt1"/>
+            </a:fontRef>
+          </p:style>
+          <p:txBody>
+            <a:bodyPr rtlCol="0" anchor="ctr"/>
+            <a:lstStyle/>
+            <a:p>
+              <a:pPr algn="ctr"/>
+              <a:endParaRPr lang="en-AU"/>
+            </a:p>
+          </p:txBody>
+        </p:sp>
+        <p:sp>
+          <p:nvSpPr>
+            <p:cNvPr id="245" name="Oval 244">
+              <a:extLst>
+                <a:ext uri="{FF2B5EF4-FFF2-40B4-BE49-F238E27FC236}">
+                  <a16:creationId xmlns:a16="http://schemas.microsoft.com/office/drawing/2014/main" id="{47D5E8E4-F663-4671-A4C7-5BF38AFD4CBD}"/>
+                </a:ext>
+              </a:extLst>
+            </p:cNvPr>
+            <p:cNvSpPr/>
+            <p:nvPr/>
+          </p:nvSpPr>
+          <p:spPr>
+            <a:xfrm>
+              <a:off x="15764100" y="24233336"/>
+              <a:ext cx="81832" cy="87940"/>
+            </a:xfrm>
+            <a:prstGeom prst="ellipse">
+              <a:avLst/>
+            </a:prstGeom>
+            <a:solidFill>
+              <a:srgbClr val="F8234E"/>
+            </a:solidFill>
+            <a:ln>
+              <a:noFill/>
+            </a:ln>
+          </p:spPr>
+          <p:style>
+            <a:lnRef idx="2">
+              <a:schemeClr val="accent1">
+                <a:shade val="50000"/>
+              </a:schemeClr>
+            </a:lnRef>
+            <a:fillRef idx="1">
+              <a:schemeClr val="accent1"/>
+            </a:fillRef>
+            <a:effectRef idx="0">
+              <a:schemeClr val="accent1"/>
+            </a:effectRef>
+            <a:fontRef idx="minor">
+              <a:schemeClr val="lt1"/>
+            </a:fontRef>
+          </p:style>
+          <p:txBody>
+            <a:bodyPr rtlCol="0" anchor="ctr"/>
+            <a:lstStyle/>
+            <a:p>
+              <a:pPr algn="ctr"/>
+              <a:endParaRPr lang="en-AU"/>
+            </a:p>
+          </p:txBody>
+        </p:sp>
+        <p:sp>
+          <p:nvSpPr>
+            <p:cNvPr id="287" name="Oval 286">
+              <a:extLst>
+                <a:ext uri="{FF2B5EF4-FFF2-40B4-BE49-F238E27FC236}">
+                  <a16:creationId xmlns:a16="http://schemas.microsoft.com/office/drawing/2014/main" id="{AD28D1F7-75B8-4648-BE1C-C10BD7D5670D}"/>
+                </a:ext>
+              </a:extLst>
+            </p:cNvPr>
+            <p:cNvSpPr/>
+            <p:nvPr/>
+          </p:nvSpPr>
+          <p:spPr>
+            <a:xfrm>
+              <a:off x="16264755" y="24853715"/>
+              <a:ext cx="81832" cy="87940"/>
+            </a:xfrm>
+            <a:prstGeom prst="ellipse">
+              <a:avLst/>
+            </a:prstGeom>
+            <a:solidFill>
+              <a:schemeClr val="accent1">
+                <a:lumMod val="75000"/>
+              </a:schemeClr>
+            </a:solidFill>
+            <a:ln>
+              <a:noFill/>
+            </a:ln>
+          </p:spPr>
+          <p:style>
+            <a:lnRef idx="2">
+              <a:schemeClr val="accent1">
+                <a:shade val="50000"/>
+              </a:schemeClr>
+            </a:lnRef>
+            <a:fillRef idx="1">
+              <a:schemeClr val="accent1"/>
+            </a:fillRef>
+            <a:effectRef idx="0">
+              <a:schemeClr val="accent1"/>
+            </a:effectRef>
+            <a:fontRef idx="minor">
+              <a:schemeClr val="lt1"/>
+            </a:fontRef>
+          </p:style>
+          <p:txBody>
+            <a:bodyPr rtlCol="0" anchor="ctr"/>
+            <a:lstStyle/>
+            <a:p>
+              <a:pPr algn="ctr"/>
+              <a:endParaRPr lang="en-AU"/>
+            </a:p>
+          </p:txBody>
+        </p:sp>
+        <p:sp>
+          <p:nvSpPr>
+            <p:cNvPr id="288" name="Oval 287">
+              <a:extLst>
+                <a:ext uri="{FF2B5EF4-FFF2-40B4-BE49-F238E27FC236}">
+                  <a16:creationId xmlns:a16="http://schemas.microsoft.com/office/drawing/2014/main" id="{B15D096D-172C-4BE9-BAC2-82CF4771C598}"/>
+                </a:ext>
+              </a:extLst>
+            </p:cNvPr>
+            <p:cNvSpPr/>
+            <p:nvPr/>
+          </p:nvSpPr>
+          <p:spPr>
+            <a:xfrm>
+              <a:off x="16591632" y="25265864"/>
+              <a:ext cx="81832" cy="87940"/>
+            </a:xfrm>
+            <a:prstGeom prst="ellipse">
+              <a:avLst/>
+            </a:prstGeom>
+            <a:solidFill>
+              <a:schemeClr val="accent1">
+                <a:lumMod val="75000"/>
+              </a:schemeClr>
+            </a:solidFill>
+            <a:ln>
+              <a:noFill/>
+            </a:ln>
+          </p:spPr>
+          <p:style>
+            <a:lnRef idx="2">
+              <a:schemeClr val="accent1">
+                <a:shade val="50000"/>
+              </a:schemeClr>
+            </a:lnRef>
+            <a:fillRef idx="1">
+              <a:schemeClr val="accent1"/>
+            </a:fillRef>
+            <a:effectRef idx="0">
+              <a:schemeClr val="accent1"/>
+            </a:effectRef>
+            <a:fontRef idx="minor">
+              <a:schemeClr val="lt1"/>
+            </a:fontRef>
+          </p:style>
+          <p:txBody>
+            <a:bodyPr rtlCol="0" anchor="ctr"/>
+            <a:lstStyle/>
+            <a:p>
+              <a:pPr algn="ctr"/>
+              <a:endParaRPr lang="en-AU"/>
+            </a:p>
+          </p:txBody>
+        </p:sp>
+      </p:grpSp>
+      <p:sp>
+        <p:nvSpPr>
+          <p:cNvPr id="27" name="Right Bracket 26">
+            <a:extLst>
+              <a:ext uri="{FF2B5EF4-FFF2-40B4-BE49-F238E27FC236}">
+                <a16:creationId xmlns:a16="http://schemas.microsoft.com/office/drawing/2014/main" id="{BFA856A7-A84A-4677-A30B-650EE4ABF963}"/>
+              </a:ext>
+            </a:extLst>
+          </p:cNvPr>
+          <p:cNvSpPr/>
+          <p:nvPr/>
+        </p:nvSpPr>
+        <p:spPr>
+          <a:xfrm rot="16200000">
+            <a:off x="15597592" y="24060968"/>
+            <a:ext cx="66595" cy="356987"/>
+          </a:xfrm>
+          <a:prstGeom prst="rightBracket">
+            <a:avLst>
+              <a:gd name="adj" fmla="val 0"/>
+            </a:avLst>
+          </a:prstGeom>
+          <a:ln w="38100">
+            <a:solidFill>
+              <a:srgbClr val="F8234E"/>
+            </a:solidFill>
+          </a:ln>
+        </p:spPr>
+        <p:style>
+          <a:lnRef idx="1">
+            <a:schemeClr val="accent1"/>
+          </a:lnRef>
+          <a:fillRef idx="0">
+            <a:schemeClr val="accent1"/>
+          </a:fillRef>
+          <a:effectRef idx="0">
+            <a:schemeClr val="accent1"/>
+          </a:effectRef>
+          <a:fontRef idx="minor">
+            <a:schemeClr val="tx1"/>
+          </a:fontRef>
+        </p:style>
+        <p:txBody>
+          <a:bodyPr rtlCol="0" anchor="ctr"/>
+          <a:lstStyle/>
+          <a:p>
+            <a:pPr algn="ctr"/>
+            <a:endParaRPr lang="en-AU"/>
+          </a:p>
+        </p:txBody>
+      </p:sp>
+      <p:sp>
+        <p:nvSpPr>
+          <p:cNvPr id="289" name="Right Bracket 288">
+            <a:extLst>
+              <a:ext uri="{FF2B5EF4-FFF2-40B4-BE49-F238E27FC236}">
+                <a16:creationId xmlns:a16="http://schemas.microsoft.com/office/drawing/2014/main" id="{FE662A84-E756-40B2-96E8-C3C877480735}"/>
+              </a:ext>
+            </a:extLst>
+          </p:cNvPr>
+          <p:cNvSpPr/>
+          <p:nvPr/>
+        </p:nvSpPr>
+        <p:spPr>
+          <a:xfrm rot="5400000" flipV="1">
+            <a:off x="16434789" y="25345360"/>
+            <a:ext cx="66595" cy="328923"/>
+          </a:xfrm>
+          <a:prstGeom prst="rightBracket">
+            <a:avLst>
+              <a:gd name="adj" fmla="val 0"/>
+            </a:avLst>
+          </a:prstGeom>
+          <a:ln w="38100">
+            <a:solidFill>
+              <a:srgbClr val="2F5597"/>
+            </a:solidFill>
+          </a:ln>
+        </p:spPr>
+        <p:style>
+          <a:lnRef idx="1">
+            <a:schemeClr val="accent1"/>
+          </a:lnRef>
+          <a:fillRef idx="0">
+            <a:schemeClr val="accent1"/>
+          </a:fillRef>
+          <a:effectRef idx="0">
+            <a:schemeClr val="accent1"/>
+          </a:effectRef>
+          <a:fontRef idx="minor">
+            <a:schemeClr val="tx1"/>
+          </a:fontRef>
+        </p:style>
+        <p:txBody>
+          <a:bodyPr rtlCol="0" anchor="ctr"/>
+          <a:lstStyle/>
+          <a:p>
+            <a:pPr algn="ctr"/>
+            <a:endParaRPr lang="en-AU"/>
+          </a:p>
+        </p:txBody>
+      </p:sp>
     </p:spTree>
     <p:extLst>
       <p:ext uri="{BB962C8B-B14F-4D97-AF65-F5344CB8AC3E}">

--- a/poster/CNS_2022_Poster_Annie_G_Bryant.pptx
+++ b/poster/CNS_2022_Poster_Annie_G_Bryant.pptx
@@ -197,7 +197,7 @@
           <a:p>
             <a:fld id="{DDCDD90E-30D2-47EF-9516-2B7C5F601918}" type="datetimeFigureOut">
               <a:rPr lang="en-AU" smtClean="0"/>
-              <a:t>12/07/2022</a:t>
+              <a:t>13/07/2022</a:t>
             </a:fld>
             <a:endParaRPr lang="en-AU"/>
           </a:p>
@@ -680,7 +680,7 @@
           <a:p>
             <a:fld id="{2A15C726-7A85-4E76-A962-02FDD2A3E977}" type="datetimeFigureOut">
               <a:rPr lang="en-AU" smtClean="0"/>
-              <a:t>12/07/2022</a:t>
+              <a:t>13/07/2022</a:t>
             </a:fld>
             <a:endParaRPr lang="en-AU"/>
           </a:p>
@@ -850,7 +850,7 @@
           <a:p>
             <a:fld id="{2A15C726-7A85-4E76-A962-02FDD2A3E977}" type="datetimeFigureOut">
               <a:rPr lang="en-AU" smtClean="0"/>
-              <a:t>12/07/2022</a:t>
+              <a:t>13/07/2022</a:t>
             </a:fld>
             <a:endParaRPr lang="en-AU"/>
           </a:p>
@@ -1030,7 +1030,7 @@
           <a:p>
             <a:fld id="{2A15C726-7A85-4E76-A962-02FDD2A3E977}" type="datetimeFigureOut">
               <a:rPr lang="en-AU" smtClean="0"/>
-              <a:t>12/07/2022</a:t>
+              <a:t>13/07/2022</a:t>
             </a:fld>
             <a:endParaRPr lang="en-AU"/>
           </a:p>
@@ -1200,7 +1200,7 @@
           <a:p>
             <a:fld id="{2A15C726-7A85-4E76-A962-02FDD2A3E977}" type="datetimeFigureOut">
               <a:rPr lang="en-AU" smtClean="0"/>
-              <a:t>12/07/2022</a:t>
+              <a:t>13/07/2022</a:t>
             </a:fld>
             <a:endParaRPr lang="en-AU"/>
           </a:p>
@@ -1444,7 +1444,7 @@
           <a:p>
             <a:fld id="{2A15C726-7A85-4E76-A962-02FDD2A3E977}" type="datetimeFigureOut">
               <a:rPr lang="en-AU" smtClean="0"/>
-              <a:t>12/07/2022</a:t>
+              <a:t>13/07/2022</a:t>
             </a:fld>
             <a:endParaRPr lang="en-AU"/>
           </a:p>
@@ -1676,7 +1676,7 @@
           <a:p>
             <a:fld id="{2A15C726-7A85-4E76-A962-02FDD2A3E977}" type="datetimeFigureOut">
               <a:rPr lang="en-AU" smtClean="0"/>
-              <a:t>12/07/2022</a:t>
+              <a:t>13/07/2022</a:t>
             </a:fld>
             <a:endParaRPr lang="en-AU"/>
           </a:p>
@@ -2043,7 +2043,7 @@
           <a:p>
             <a:fld id="{2A15C726-7A85-4E76-A962-02FDD2A3E977}" type="datetimeFigureOut">
               <a:rPr lang="en-AU" smtClean="0"/>
-              <a:t>12/07/2022</a:t>
+              <a:t>13/07/2022</a:t>
             </a:fld>
             <a:endParaRPr lang="en-AU"/>
           </a:p>
@@ -2161,7 +2161,7 @@
           <a:p>
             <a:fld id="{2A15C726-7A85-4E76-A962-02FDD2A3E977}" type="datetimeFigureOut">
               <a:rPr lang="en-AU" smtClean="0"/>
-              <a:t>12/07/2022</a:t>
+              <a:t>13/07/2022</a:t>
             </a:fld>
             <a:endParaRPr lang="en-AU"/>
           </a:p>
@@ -2256,7 +2256,7 @@
           <a:p>
             <a:fld id="{2A15C726-7A85-4E76-A962-02FDD2A3E977}" type="datetimeFigureOut">
               <a:rPr lang="en-AU" smtClean="0"/>
-              <a:t>12/07/2022</a:t>
+              <a:t>13/07/2022</a:t>
             </a:fld>
             <a:endParaRPr lang="en-AU"/>
           </a:p>
@@ -2533,7 +2533,7 @@
           <a:p>
             <a:fld id="{2A15C726-7A85-4E76-A962-02FDD2A3E977}" type="datetimeFigureOut">
               <a:rPr lang="en-AU" smtClean="0"/>
-              <a:t>12/07/2022</a:t>
+              <a:t>13/07/2022</a:t>
             </a:fld>
             <a:endParaRPr lang="en-AU"/>
           </a:p>
@@ -2790,7 +2790,7 @@
           <a:p>
             <a:fld id="{2A15C726-7A85-4E76-A962-02FDD2A3E977}" type="datetimeFigureOut">
               <a:rPr lang="en-AU" smtClean="0"/>
-              <a:t>12/07/2022</a:t>
+              <a:t>13/07/2022</a:t>
             </a:fld>
             <a:endParaRPr lang="en-AU"/>
           </a:p>
@@ -3003,7 +3003,7 @@
           <a:p>
             <a:fld id="{2A15C726-7A85-4E76-A962-02FDD2A3E977}" type="datetimeFigureOut">
               <a:rPr lang="en-AU" smtClean="0"/>
-              <a:t>12/07/2022</a:t>
+              <a:t>13/07/2022</a:t>
             </a:fld>
             <a:endParaRPr lang="en-AU"/>
           </a:p>
